--- a/plsql/plsql_demo.pptx
+++ b/plsql/plsql_demo.pptx
@@ -6,13 +6,15 @@
   </p:sldMasterIdLst>
   <p:sldIdLst>
     <p:sldId id="256" r:id="rId2"/>
-    <p:sldId id="257" r:id="rId3"/>
-    <p:sldId id="258" r:id="rId4"/>
-    <p:sldId id="261" r:id="rId5"/>
-    <p:sldId id="262" r:id="rId6"/>
-    <p:sldId id="259" r:id="rId7"/>
-    <p:sldId id="263" r:id="rId8"/>
-    <p:sldId id="260" r:id="rId9"/>
+    <p:sldId id="258" r:id="rId3"/>
+    <p:sldId id="261" r:id="rId4"/>
+    <p:sldId id="262" r:id="rId5"/>
+    <p:sldId id="259" r:id="rId6"/>
+    <p:sldId id="263" r:id="rId7"/>
+    <p:sldId id="260" r:id="rId8"/>
+    <p:sldId id="257" r:id="rId9"/>
+    <p:sldId id="264" r:id="rId10"/>
+    <p:sldId id="265" r:id="rId11"/>
   </p:sldIdLst>
   <p:sldSz cx="12192000" cy="6858000"/>
   <p:notesSz cx="6858000" cy="9144000"/>
@@ -3559,7 +3561,7 @@
           <a:p>
             <a:pPr algn="ctr"/>
             <a:r>
-              <a:rPr lang="en-US" sz="7200" kern="1200">
+              <a:rPr lang="en-US" sz="7200" kern="1200" dirty="0">
                 <a:solidFill>
                   <a:schemeClr val="tx1"/>
                 </a:solidFill>
@@ -3667,6 +3669,41 @@
           </a:fontRef>
         </p:style>
       </p:cxnSp>
+      <p:sp>
+        <p:nvSpPr>
+          <p:cNvPr id="4" name="TextBox 3">
+            <a:extLst>
+              <a:ext uri="{FF2B5EF4-FFF2-40B4-BE49-F238E27FC236}">
+                <a16:creationId xmlns:a16="http://schemas.microsoft.com/office/drawing/2014/main" id="{6A3C3593-599E-8BBD-D5B5-18C92F38E053}"/>
+              </a:ext>
+            </a:extLst>
+          </p:cNvPr>
+          <p:cNvSpPr txBox="1"/>
+          <p:nvPr/>
+        </p:nvSpPr>
+        <p:spPr>
+          <a:xfrm>
+            <a:off x="3800475" y="3428682"/>
+            <a:ext cx="5074979" cy="369332"/>
+          </a:xfrm>
+          <a:prstGeom prst="rect">
+            <a:avLst/>
+          </a:prstGeom>
+          <a:noFill/>
+        </p:spPr>
+        <p:txBody>
+          <a:bodyPr wrap="none" rtlCol="0">
+            <a:spAutoFit/>
+          </a:bodyPr>
+          <a:lstStyle/>
+          <a:p>
+            <a:r>
+              <a:rPr lang="en-US" dirty="0"/>
+              <a:t>Procedural Language/Structured Query Language</a:t>
+            </a:r>
+          </a:p>
+        </p:txBody>
+      </p:sp>
     </p:spTree>
     <p:extLst>
       <p:ext uri="{BB962C8B-B14F-4D97-AF65-F5344CB8AC3E}">
@@ -3680,9 +3717,17 @@
 </p:sld>
 </file>
 
-<file path=ppt/slides/slide2.xml><?xml version="1.0" encoding="utf-8"?>
+<file path=ppt/slides/slide10.xml><?xml version="1.0" encoding="utf-8"?>
 <p:sld xmlns:a="http://schemas.openxmlformats.org/drawingml/2006/main" xmlns:r="http://schemas.openxmlformats.org/officeDocument/2006/relationships" xmlns:p="http://schemas.openxmlformats.org/presentationml/2006/main">
   <p:cSld>
+    <p:bg>
+      <p:bgPr>
+        <a:solidFill>
+          <a:schemeClr val="bg1"/>
+        </a:solidFill>
+        <a:effectLst/>
+      </p:bgPr>
+    </p:bg>
     <p:spTree>
       <p:nvGrpSpPr>
         <p:cNvPr id="1" name=""/>
@@ -3697,108 +3742,1527 @@
           <a:chExt cx="0" cy="0"/>
         </a:xfrm>
       </p:grpSpPr>
-      <p:sp>
-        <p:nvSpPr>
-          <p:cNvPr id="4" name="Title 3">
-            <a:extLst>
-              <a:ext uri="{FF2B5EF4-FFF2-40B4-BE49-F238E27FC236}">
-                <a16:creationId xmlns:a16="http://schemas.microsoft.com/office/drawing/2014/main" id="{CE5DDCF7-4E31-611A-9968-24DACA23C2C0}"/>
-              </a:ext>
-            </a:extLst>
-          </p:cNvPr>
-          <p:cNvSpPr>
-            <a:spLocks noGrp="1"/>
-          </p:cNvSpPr>
-          <p:nvPr>
-            <p:ph type="title"/>
-          </p:nvPr>
-        </p:nvSpPr>
-        <p:spPr/>
-        <p:txBody>
-          <a:bodyPr/>
-          <a:lstStyle/>
-          <a:p>
-            <a:r>
-              <a:rPr lang="en-US"/>
-              <a:t>Introduction</a:t>
-            </a:r>
-            <a:endParaRPr lang="en-US" dirty="0"/>
-          </a:p>
-        </p:txBody>
-      </p:sp>
-      <p:sp>
-        <p:nvSpPr>
-          <p:cNvPr id="5" name="Content Placeholder 4">
-            <a:extLst>
-              <a:ext uri="{FF2B5EF4-FFF2-40B4-BE49-F238E27FC236}">
-                <a16:creationId xmlns:a16="http://schemas.microsoft.com/office/drawing/2014/main" id="{1445EE2B-9968-2CEE-2E18-812632519208}"/>
-              </a:ext>
-            </a:extLst>
-          </p:cNvPr>
-          <p:cNvSpPr>
-            <a:spLocks noGrp="1"/>
-          </p:cNvSpPr>
-          <p:nvPr>
-            <p:ph idx="1"/>
+      <p:sp useBgFill="1">
+        <p:nvSpPr>
+          <p:cNvPr id="10" name="Rectangle 9">
+            <a:extLst>
+              <a:ext uri="{FF2B5EF4-FFF2-40B4-BE49-F238E27FC236}">
+                <a16:creationId xmlns:a16="http://schemas.microsoft.com/office/drawing/2014/main" id="{907EF6B7-1338-4443-8C46-6A318D952DFD}"/>
+              </a:ext>
+              <a:ext uri="{C183D7F6-B498-43B3-948B-1728B52AA6E4}">
+                <adec:decorative xmlns:adec="http://schemas.microsoft.com/office/drawing/2017/decorative" val="1"/>
+              </a:ext>
+            </a:extLst>
+          </p:cNvPr>
+          <p:cNvSpPr>
+            <a:spLocks noGrp="1" noRot="1" noChangeAspect="1" noMove="1" noResize="1" noEditPoints="1" noAdjustHandles="1" noChangeArrowheads="1" noChangeShapeType="1" noTextEdit="1"/>
+          </p:cNvSpPr>
+          <p:nvPr>
+            <p:extLst>
+              <p:ext uri="{386F3935-93C4-4BCD-93E2-E3B085C9AB24}">
+                <p16:designElem xmlns:p16="http://schemas.microsoft.com/office/powerpoint/2015/main" val="1"/>
+              </p:ext>
+            </p:extLst>
           </p:nvPr>
         </p:nvSpPr>
         <p:spPr>
           <a:xfrm>
-            <a:off x="838200" y="1825625"/>
-            <a:ext cx="4419600" cy="2070100"/>
-          </a:xfrm>
-        </p:spPr>
-        <p:txBody>
-          <a:bodyPr/>
-          <a:lstStyle/>
-          <a:p>
-            <a:r>
-              <a:rPr lang="en-US" dirty="0">
-                <a:hlinkClick r:id="rId2"/>
-              </a:rPr>
-              <a:t>https://www.guru99.com/pdf/pl_sql_preview.pdf</a:t>
-            </a:r>
-            <a:endParaRPr lang="en-US" dirty="0"/>
-          </a:p>
-          <a:p>
-            <a:endParaRPr lang="en-US" dirty="0"/>
-          </a:p>
-        </p:txBody>
-      </p:sp>
-      <p:pic>
-        <p:nvPicPr>
-          <p:cNvPr id="7" name="Picture 6">
-            <a:extLst>
-              <a:ext uri="{FF2B5EF4-FFF2-40B4-BE49-F238E27FC236}">
-                <a16:creationId xmlns:a16="http://schemas.microsoft.com/office/drawing/2014/main" id="{80704C68-A618-5F2E-2FCE-8D56F3869749}"/>
-              </a:ext>
-            </a:extLst>
-          </p:cNvPr>
-          <p:cNvPicPr>
-            <a:picLocks noChangeAspect="1"/>
-          </p:cNvPicPr>
-          <p:nvPr/>
-        </p:nvPicPr>
-        <p:blipFill>
-          <a:blip r:embed="rId3"/>
-          <a:stretch>
-            <a:fillRect/>
-          </a:stretch>
-        </p:blipFill>
-        <p:spPr>
-          <a:xfrm>
-            <a:off x="7419761" y="1317409"/>
-            <a:ext cx="3067478" cy="3086531"/>
+            <a:off x="3048" y="0"/>
+            <a:ext cx="12188952" cy="6858000"/>
           </a:xfrm>
           <a:prstGeom prst="rect">
             <a:avLst/>
           </a:prstGeom>
+          <a:ln>
+            <a:noFill/>
+          </a:ln>
         </p:spPr>
-      </p:pic>
+        <p:style>
+          <a:lnRef idx="2">
+            <a:schemeClr val="accent1">
+              <a:shade val="50000"/>
+            </a:schemeClr>
+          </a:lnRef>
+          <a:fillRef idx="1">
+            <a:schemeClr val="accent1"/>
+          </a:fillRef>
+          <a:effectRef idx="0">
+            <a:schemeClr val="accent1"/>
+          </a:effectRef>
+          <a:fontRef idx="minor">
+            <a:schemeClr val="lt1"/>
+          </a:fontRef>
+        </p:style>
+        <p:txBody>
+          <a:bodyPr rtlCol="0" anchor="ctr"/>
+          <a:lstStyle/>
+          <a:p>
+            <a:pPr algn="ctr"/>
+            <a:endParaRPr lang="en-US"/>
+          </a:p>
+        </p:txBody>
+      </p:sp>
+      <p:sp>
+        <p:nvSpPr>
+          <p:cNvPr id="12" name="Freeform: Shape 11">
+            <a:extLst>
+              <a:ext uri="{FF2B5EF4-FFF2-40B4-BE49-F238E27FC236}">
+                <a16:creationId xmlns:a16="http://schemas.microsoft.com/office/drawing/2014/main" id="{DAAE4CDD-124C-4DCF-9584-B6033B545DD5}"/>
+              </a:ext>
+              <a:ext uri="{C183D7F6-B498-43B3-948B-1728B52AA6E4}">
+                <adec:decorative xmlns:adec="http://schemas.microsoft.com/office/drawing/2017/decorative" val="1"/>
+              </a:ext>
+            </a:extLst>
+          </p:cNvPr>
+          <p:cNvSpPr>
+            <a:spLocks noGrp="1" noRot="1" noChangeAspect="1" noMove="1" noResize="1" noEditPoints="1" noAdjustHandles="1" noChangeArrowheads="1" noChangeShapeType="1" noTextEdit="1"/>
+          </p:cNvSpPr>
+          <p:nvPr>
+            <p:extLst>
+              <p:ext uri="{386F3935-93C4-4BCD-93E2-E3B085C9AB24}">
+                <p16:designElem xmlns:p16="http://schemas.microsoft.com/office/powerpoint/2015/main" val="1"/>
+              </p:ext>
+            </p:extLst>
+          </p:nvPr>
+        </p:nvSpPr>
+        <p:spPr>
+          <a:xfrm>
+            <a:off x="1" y="0"/>
+            <a:ext cx="4167271" cy="6858000"/>
+          </a:xfrm>
+          <a:custGeom>
+            <a:avLst/>
+            <a:gdLst>
+              <a:gd name="connsiteX0" fmla="*/ 0 w 4167271"/>
+              <a:gd name="connsiteY0" fmla="*/ 0 h 6858000"/>
+              <a:gd name="connsiteX1" fmla="*/ 2259550 w 4167271"/>
+              <a:gd name="connsiteY1" fmla="*/ 0 h 6858000"/>
+              <a:gd name="connsiteX2" fmla="*/ 2387803 w 4167271"/>
+              <a:gd name="connsiteY2" fmla="*/ 82222 h 6858000"/>
+              <a:gd name="connsiteX3" fmla="*/ 4167271 w 4167271"/>
+              <a:gd name="connsiteY3" fmla="*/ 3429000 h 6858000"/>
+              <a:gd name="connsiteX4" fmla="*/ 2387803 w 4167271"/>
+              <a:gd name="connsiteY4" fmla="*/ 6775779 h 6858000"/>
+              <a:gd name="connsiteX5" fmla="*/ 2259550 w 4167271"/>
+              <a:gd name="connsiteY5" fmla="*/ 6858000 h 6858000"/>
+              <a:gd name="connsiteX6" fmla="*/ 0 w 4167271"/>
+              <a:gd name="connsiteY6" fmla="*/ 6858000 h 6858000"/>
+            </a:gdLst>
+            <a:ahLst/>
+            <a:cxnLst>
+              <a:cxn ang="0">
+                <a:pos x="connsiteX0" y="connsiteY0"/>
+              </a:cxn>
+              <a:cxn ang="0">
+                <a:pos x="connsiteX1" y="connsiteY1"/>
+              </a:cxn>
+              <a:cxn ang="0">
+                <a:pos x="connsiteX2" y="connsiteY2"/>
+              </a:cxn>
+              <a:cxn ang="0">
+                <a:pos x="connsiteX3" y="connsiteY3"/>
+              </a:cxn>
+              <a:cxn ang="0">
+                <a:pos x="connsiteX4" y="connsiteY4"/>
+              </a:cxn>
+              <a:cxn ang="0">
+                <a:pos x="connsiteX5" y="connsiteY5"/>
+              </a:cxn>
+              <a:cxn ang="0">
+                <a:pos x="connsiteX6" y="connsiteY6"/>
+              </a:cxn>
+            </a:cxnLst>
+            <a:rect l="l" t="t" r="r" b="b"/>
+            <a:pathLst>
+              <a:path w="4167271" h="6858000">
+                <a:moveTo>
+                  <a:pt x="0" y="0"/>
+                </a:moveTo>
+                <a:lnTo>
+                  <a:pt x="2259550" y="0"/>
+                </a:lnTo>
+                <a:lnTo>
+                  <a:pt x="2387803" y="82222"/>
+                </a:lnTo>
+                <a:cubicBezTo>
+                  <a:pt x="3461407" y="807534"/>
+                  <a:pt x="4167271" y="2035835"/>
+                  <a:pt x="4167271" y="3429000"/>
+                </a:cubicBezTo>
+                <a:cubicBezTo>
+                  <a:pt x="4167271" y="4822165"/>
+                  <a:pt x="3461407" y="6050467"/>
+                  <a:pt x="2387803" y="6775779"/>
+                </a:cubicBezTo>
+                <a:lnTo>
+                  <a:pt x="2259550" y="6858000"/>
+                </a:lnTo>
+                <a:lnTo>
+                  <a:pt x="0" y="6858000"/>
+                </a:lnTo>
+                <a:close/>
+              </a:path>
+            </a:pathLst>
+          </a:custGeom>
+          <a:solidFill>
+            <a:schemeClr val="accent2"/>
+          </a:solidFill>
+          <a:ln>
+            <a:noFill/>
+          </a:ln>
+        </p:spPr>
+        <p:style>
+          <a:lnRef idx="2">
+            <a:schemeClr val="accent1">
+              <a:shade val="50000"/>
+            </a:schemeClr>
+          </a:lnRef>
+          <a:fillRef idx="1">
+            <a:schemeClr val="accent1"/>
+          </a:fillRef>
+          <a:effectRef idx="0">
+            <a:schemeClr val="accent1"/>
+          </a:effectRef>
+          <a:fontRef idx="minor">
+            <a:schemeClr val="lt1"/>
+          </a:fontRef>
+        </p:style>
+        <p:txBody>
+          <a:bodyPr rtlCol="0" anchor="ctr"/>
+          <a:lstStyle/>
+          <a:p>
+            <a:pPr algn="ctr"/>
+            <a:endParaRPr lang="en-US"/>
+          </a:p>
+        </p:txBody>
+      </p:sp>
+      <p:sp>
+        <p:nvSpPr>
+          <p:cNvPr id="5" name="Title 4">
+            <a:extLst>
+              <a:ext uri="{FF2B5EF4-FFF2-40B4-BE49-F238E27FC236}">
+                <a16:creationId xmlns:a16="http://schemas.microsoft.com/office/drawing/2014/main" id="{40EFA9BB-6E08-AF56-6005-9AEC9442510B}"/>
+              </a:ext>
+            </a:extLst>
+          </p:cNvPr>
+          <p:cNvSpPr>
+            <a:spLocks noGrp="1"/>
+          </p:cNvSpPr>
+          <p:nvPr>
+            <p:ph type="title"/>
+          </p:nvPr>
+        </p:nvSpPr>
+        <p:spPr>
+          <a:xfrm>
+            <a:off x="686834" y="1153572"/>
+            <a:ext cx="3200400" cy="4461163"/>
+          </a:xfrm>
+        </p:spPr>
+        <p:txBody>
+          <a:bodyPr>
+            <a:normAutofit/>
+          </a:bodyPr>
+          <a:lstStyle/>
+          <a:p>
+            <a:r>
+              <a:rPr lang="en-US">
+                <a:solidFill>
+                  <a:srgbClr val="FFFFFF"/>
+                </a:solidFill>
+              </a:rPr>
+              <a:t>Covered Topics</a:t>
+            </a:r>
+          </a:p>
+        </p:txBody>
+      </p:sp>
+      <p:sp>
+        <p:nvSpPr>
+          <p:cNvPr id="14" name="Arc 13">
+            <a:extLst>
+              <a:ext uri="{FF2B5EF4-FFF2-40B4-BE49-F238E27FC236}">
+                <a16:creationId xmlns:a16="http://schemas.microsoft.com/office/drawing/2014/main" id="{081E4A58-353D-44AE-B2FC-2A74E2E400F7}"/>
+              </a:ext>
+              <a:ext uri="{C183D7F6-B498-43B3-948B-1728B52AA6E4}">
+                <adec:decorative xmlns:adec="http://schemas.microsoft.com/office/drawing/2017/decorative" val="1"/>
+              </a:ext>
+            </a:extLst>
+          </p:cNvPr>
+          <p:cNvSpPr>
+            <a:spLocks noGrp="1" noRot="1" noChangeAspect="1" noMove="1" noResize="1" noEditPoints="1" noAdjustHandles="1" noChangeArrowheads="1" noChangeShapeType="1" noTextEdit="1"/>
+          </p:cNvSpPr>
+          <p:nvPr>
+            <p:extLst>
+              <p:ext uri="{386F3935-93C4-4BCD-93E2-E3B085C9AB24}">
+                <p16:designElem xmlns:p16="http://schemas.microsoft.com/office/powerpoint/2015/main" val="1"/>
+              </p:ext>
+            </p:extLst>
+          </p:nvPr>
+        </p:nvSpPr>
+        <p:spPr>
+          <a:xfrm flipV="1">
+            <a:off x="7550402" y="2455479"/>
+            <a:ext cx="4083433" cy="4083433"/>
+          </a:xfrm>
+          <a:prstGeom prst="arc">
+            <a:avLst/>
+          </a:prstGeom>
+          <a:ln w="127000" cap="rnd">
+            <a:solidFill>
+              <a:schemeClr val="accent4"/>
+            </a:solidFill>
+            <a:prstDash val="dash"/>
+          </a:ln>
+        </p:spPr>
+        <p:style>
+          <a:lnRef idx="1">
+            <a:schemeClr val="accent1"/>
+          </a:lnRef>
+          <a:fillRef idx="0">
+            <a:schemeClr val="accent1"/>
+          </a:fillRef>
+          <a:effectRef idx="0">
+            <a:schemeClr val="accent1"/>
+          </a:effectRef>
+          <a:fontRef idx="minor">
+            <a:schemeClr val="tx1"/>
+          </a:fontRef>
+        </p:style>
+        <p:txBody>
+          <a:bodyPr rtlCol="0" anchor="ctr"/>
+          <a:lstStyle/>
+          <a:p>
+            <a:pPr algn="ctr"/>
+            <a:endParaRPr lang="en-US" dirty="0"/>
+          </a:p>
+        </p:txBody>
+      </p:sp>
+      <p:sp>
+        <p:nvSpPr>
+          <p:cNvPr id="4" name="Rectangle 1">
+            <a:extLst>
+              <a:ext uri="{FF2B5EF4-FFF2-40B4-BE49-F238E27FC236}">
+                <a16:creationId xmlns:a16="http://schemas.microsoft.com/office/drawing/2014/main" id="{6B50AA74-5149-0CC1-30C9-2E3FA0EB0D06}"/>
+              </a:ext>
+            </a:extLst>
+          </p:cNvPr>
+          <p:cNvSpPr>
+            <a:spLocks noGrp="1" noChangeArrowheads="1"/>
+          </p:cNvSpPr>
+          <p:nvPr>
+            <p:ph idx="1"/>
+          </p:nvPr>
+        </p:nvSpPr>
+        <p:spPr bwMode="auto">
+          <a:xfrm>
+            <a:off x="4348986" y="346689"/>
+            <a:ext cx="6906491" cy="6192223"/>
+          </a:xfrm>
+          <a:prstGeom prst="rect">
+            <a:avLst/>
+          </a:prstGeom>
+          <a:extLst>
+            <a:ext uri="{909E8E84-426E-40DD-AFC4-6F175D3DCCD1}">
+              <a14:hiddenFill xmlns:a14="http://schemas.microsoft.com/office/drawing/2010/main">
+                <a:solidFill>
+                  <a:schemeClr val="accent1"/>
+                </a:solidFill>
+              </a14:hiddenFill>
+            </a:ext>
+            <a:ext uri="{91240B29-F687-4F45-9708-019B960494DF}">
+              <a14:hiddenLine xmlns:a14="http://schemas.microsoft.com/office/drawing/2010/main" w="9525">
+                <a:solidFill>
+                  <a:schemeClr val="tx1"/>
+                </a:solidFill>
+                <a:miter lim="800000"/>
+                <a:headEnd/>
+                <a:tailEnd/>
+              </a14:hiddenLine>
+            </a:ext>
+            <a:ext uri="{AF507438-7753-43E0-B8FC-AC1667EBCBE1}">
+              <a14:hiddenEffects xmlns:a14="http://schemas.microsoft.com/office/drawing/2010/main">
+                <a:effectLst>
+                  <a:outerShdw dist="35921" dir="2700000" algn="ctr" rotWithShape="0">
+                    <a:schemeClr val="bg2"/>
+                  </a:outerShdw>
+                </a:effectLst>
+              </a14:hiddenEffects>
+            </a:ext>
+          </a:extLst>
+        </p:spPr>
+        <p:txBody>
+          <a:bodyPr vert="horz" lIns="91440" tIns="45720" rIns="91440" bIns="45720" numCol="1" anchor="ctr" anchorCtr="0" compatLnSpc="1">
+            <a:prstTxWarp prst="textNoShape">
+              <a:avLst/>
+            </a:prstTxWarp>
+            <a:normAutofit/>
+          </a:bodyPr>
+          <a:lstStyle/>
+          <a:p>
+            <a:pPr marL="0" marR="0" lvl="0" indent="0" defTabSz="914400" rtl="0" eaLnBrk="0" fontAlgn="base" latinLnBrk="0" hangingPunct="0">
+              <a:spcBef>
+                <a:spcPct val="0"/>
+              </a:spcBef>
+              <a:spcAft>
+                <a:spcPts val="600"/>
+              </a:spcAft>
+              <a:buClrTx/>
+              <a:buSzTx/>
+              <a:buFontTx/>
+              <a:buNone/>
+              <a:tabLst/>
+            </a:pPr>
+            <a:r>
+              <a:rPr kumimoji="0" lang="en-US" altLang="en-US" sz="1000" b="1" i="0" u="none" strike="noStrike" cap="none" normalizeH="0" baseline="0" dirty="0">
+                <a:ln>
+                  <a:noFill/>
+                </a:ln>
+                <a:effectLst/>
+                <a:latin typeface="Arial" panose="020B0604020202020204" pitchFamily="34" charset="0"/>
+              </a:rPr>
+              <a:t>Fundamental Concepts</a:t>
+            </a:r>
+          </a:p>
+          <a:p>
+            <a:pPr marL="0" marR="0" lvl="0" indent="0" defTabSz="914400" rtl="0" eaLnBrk="0" fontAlgn="base" latinLnBrk="0" hangingPunct="0">
+              <a:spcBef>
+                <a:spcPct val="0"/>
+              </a:spcBef>
+              <a:spcAft>
+                <a:spcPts val="600"/>
+              </a:spcAft>
+              <a:buClrTx/>
+              <a:buSzTx/>
+              <a:buFontTx/>
+              <a:buNone/>
+              <a:tabLst/>
+            </a:pPr>
+            <a:r>
+              <a:rPr kumimoji="0" lang="en-US" altLang="en-US" sz="1000" b="1" i="0" u="none" strike="noStrike" cap="none" normalizeH="0" baseline="0" dirty="0">
+                <a:ln>
+                  <a:noFill/>
+                </a:ln>
+                <a:effectLst/>
+                <a:latin typeface="Arial" panose="020B0604020202020204" pitchFamily="34" charset="0"/>
+              </a:rPr>
+              <a:t>✅ Introduction to PL/SQL</a:t>
+            </a:r>
+            <a:br>
+              <a:rPr kumimoji="0" lang="en-US" altLang="en-US" sz="1000" b="1" i="0" u="none" strike="noStrike" cap="none" normalizeH="0" baseline="0" dirty="0">
+                <a:ln>
+                  <a:noFill/>
+                </a:ln>
+                <a:effectLst/>
+                <a:latin typeface="Arial" panose="020B0604020202020204" pitchFamily="34" charset="0"/>
+              </a:rPr>
+            </a:br>
+            <a:r>
+              <a:rPr kumimoji="0" lang="en-US" altLang="en-US" sz="1000" b="1" i="0" u="none" strike="noStrike" cap="none" normalizeH="0" baseline="0" dirty="0">
+                <a:ln>
+                  <a:noFill/>
+                </a:ln>
+                <a:effectLst/>
+                <a:latin typeface="Arial" panose="020B0604020202020204" pitchFamily="34" charset="0"/>
+              </a:rPr>
+              <a:t>✅ Understanding PL/SQL Blocks (</a:t>
+            </a:r>
+            <a:r>
+              <a:rPr kumimoji="0" lang="en-US" altLang="en-US" sz="1000" b="1" i="0" u="none" strike="noStrike" cap="none" normalizeH="0" baseline="0" dirty="0">
+                <a:ln>
+                  <a:noFill/>
+                </a:ln>
+                <a:effectLst/>
+                <a:latin typeface="Arial Unicode MS"/>
+              </a:rPr>
+              <a:t>DECLARE</a:t>
+            </a:r>
+            <a:r>
+              <a:rPr kumimoji="0" lang="en-US" altLang="en-US" sz="1000" b="1" i="0" u="none" strike="noStrike" cap="none" normalizeH="0" baseline="0" dirty="0">
+                <a:ln>
+                  <a:noFill/>
+                </a:ln>
+                <a:effectLst/>
+              </a:rPr>
+              <a:t>, </a:t>
+            </a:r>
+            <a:r>
+              <a:rPr kumimoji="0" lang="en-US" altLang="en-US" sz="1000" b="1" i="0" u="none" strike="noStrike" cap="none" normalizeH="0" baseline="0" dirty="0">
+                <a:ln>
+                  <a:noFill/>
+                </a:ln>
+                <a:effectLst/>
+                <a:latin typeface="Arial Unicode MS"/>
+              </a:rPr>
+              <a:t>BEGIN</a:t>
+            </a:r>
+            <a:r>
+              <a:rPr kumimoji="0" lang="en-US" altLang="en-US" sz="1000" b="1" i="0" u="none" strike="noStrike" cap="none" normalizeH="0" baseline="0" dirty="0">
+                <a:ln>
+                  <a:noFill/>
+                </a:ln>
+                <a:effectLst/>
+              </a:rPr>
+              <a:t>, </a:t>
+            </a:r>
+            <a:r>
+              <a:rPr kumimoji="0" lang="en-US" altLang="en-US" sz="1000" b="1" i="0" u="none" strike="noStrike" cap="none" normalizeH="0" baseline="0" dirty="0">
+                <a:ln>
+                  <a:noFill/>
+                </a:ln>
+                <a:effectLst/>
+                <a:latin typeface="Arial Unicode MS"/>
+              </a:rPr>
+              <a:t>EXCEPTION</a:t>
+            </a:r>
+            <a:r>
+              <a:rPr kumimoji="0" lang="en-US" altLang="en-US" sz="1000" b="1" i="0" u="none" strike="noStrike" cap="none" normalizeH="0" baseline="0" dirty="0">
+                <a:ln>
+                  <a:noFill/>
+                </a:ln>
+                <a:effectLst/>
+              </a:rPr>
+              <a:t>, </a:t>
+            </a:r>
+            <a:r>
+              <a:rPr kumimoji="0" lang="en-US" altLang="en-US" sz="1000" b="1" i="0" u="none" strike="noStrike" cap="none" normalizeH="0" baseline="0" dirty="0">
+                <a:ln>
+                  <a:noFill/>
+                </a:ln>
+                <a:effectLst/>
+                <a:latin typeface="Arial Unicode MS"/>
+              </a:rPr>
+              <a:t>END</a:t>
+            </a:r>
+            <a:r>
+              <a:rPr kumimoji="0" lang="en-US" altLang="en-US" sz="1000" b="1" i="0" u="none" strike="noStrike" cap="none" normalizeH="0" baseline="0" dirty="0">
+                <a:ln>
+                  <a:noFill/>
+                </a:ln>
+                <a:effectLst/>
+              </a:rPr>
+              <a:t>)</a:t>
+            </a:r>
+            <a:br>
+              <a:rPr kumimoji="0" lang="en-US" altLang="en-US" sz="1000" b="1" i="0" u="none" strike="noStrike" cap="none" normalizeH="0" baseline="0" dirty="0">
+                <a:ln>
+                  <a:noFill/>
+                </a:ln>
+                <a:effectLst/>
+              </a:rPr>
+            </a:br>
+            <a:r>
+              <a:rPr kumimoji="0" lang="en-US" altLang="en-US" sz="1000" b="1" i="0" u="none" strike="noStrike" cap="none" normalizeH="0" baseline="0" dirty="0">
+                <a:ln>
+                  <a:noFill/>
+                </a:ln>
+                <a:effectLst/>
+              </a:rPr>
+              <a:t>✅ Variables &amp; Data Types (</a:t>
+            </a:r>
+            <a:r>
+              <a:rPr kumimoji="0" lang="en-US" altLang="en-US" sz="1000" b="1" i="0" u="none" strike="noStrike" cap="none" normalizeH="0" baseline="0" dirty="0">
+                <a:ln>
+                  <a:noFill/>
+                </a:ln>
+                <a:effectLst/>
+                <a:latin typeface="Arial Unicode MS"/>
+              </a:rPr>
+              <a:t>NUMBER</a:t>
+            </a:r>
+            <a:r>
+              <a:rPr kumimoji="0" lang="en-US" altLang="en-US" sz="1000" b="1" i="0" u="none" strike="noStrike" cap="none" normalizeH="0" baseline="0" dirty="0">
+                <a:ln>
+                  <a:noFill/>
+                </a:ln>
+                <a:effectLst/>
+              </a:rPr>
+              <a:t>, </a:t>
+            </a:r>
+            <a:r>
+              <a:rPr kumimoji="0" lang="en-US" altLang="en-US" sz="1000" b="1" i="0" u="none" strike="noStrike" cap="none" normalizeH="0" baseline="0" dirty="0">
+                <a:ln>
+                  <a:noFill/>
+                </a:ln>
+                <a:effectLst/>
+                <a:latin typeface="Arial Unicode MS"/>
+              </a:rPr>
+              <a:t>VARCHAR2</a:t>
+            </a:r>
+            <a:r>
+              <a:rPr kumimoji="0" lang="en-US" altLang="en-US" sz="1000" b="1" i="0" u="none" strike="noStrike" cap="none" normalizeH="0" baseline="0" dirty="0">
+                <a:ln>
+                  <a:noFill/>
+                </a:ln>
+                <a:effectLst/>
+              </a:rPr>
+              <a:t>, </a:t>
+            </a:r>
+            <a:r>
+              <a:rPr kumimoji="0" lang="en-US" altLang="en-US" sz="1000" b="1" i="0" u="none" strike="noStrike" cap="none" normalizeH="0" baseline="0" dirty="0">
+                <a:ln>
+                  <a:noFill/>
+                </a:ln>
+                <a:effectLst/>
+                <a:latin typeface="Arial Unicode MS"/>
+              </a:rPr>
+              <a:t>BOOLEAN</a:t>
+            </a:r>
+            <a:r>
+              <a:rPr kumimoji="0" lang="en-US" altLang="en-US" sz="1000" b="1" i="0" u="none" strike="noStrike" cap="none" normalizeH="0" baseline="0" dirty="0">
+                <a:ln>
+                  <a:noFill/>
+                </a:ln>
+                <a:effectLst/>
+              </a:rPr>
+              <a:t>, etc.)</a:t>
+            </a:r>
+            <a:br>
+              <a:rPr kumimoji="0" lang="en-US" altLang="en-US" sz="1000" b="1" i="0" u="none" strike="noStrike" cap="none" normalizeH="0" baseline="0" dirty="0">
+                <a:ln>
+                  <a:noFill/>
+                </a:ln>
+                <a:effectLst/>
+              </a:rPr>
+            </a:br>
+            <a:r>
+              <a:rPr kumimoji="0" lang="en-US" altLang="en-US" sz="1000" b="1" i="0" u="none" strike="noStrike" cap="none" normalizeH="0" baseline="0" dirty="0">
+                <a:ln>
+                  <a:noFill/>
+                </a:ln>
+                <a:effectLst/>
+              </a:rPr>
+              <a:t>✅ Control Statements (</a:t>
+            </a:r>
+            <a:r>
+              <a:rPr kumimoji="0" lang="en-US" altLang="en-US" sz="1000" b="1" i="0" u="none" strike="noStrike" cap="none" normalizeH="0" baseline="0" dirty="0">
+                <a:ln>
+                  <a:noFill/>
+                </a:ln>
+                <a:effectLst/>
+                <a:latin typeface="Arial Unicode MS"/>
+              </a:rPr>
+              <a:t>IF-ELSE</a:t>
+            </a:r>
+            <a:r>
+              <a:rPr kumimoji="0" lang="en-US" altLang="en-US" sz="1000" b="1" i="0" u="none" strike="noStrike" cap="none" normalizeH="0" baseline="0" dirty="0">
+                <a:ln>
+                  <a:noFill/>
+                </a:ln>
+                <a:effectLst/>
+              </a:rPr>
+              <a:t>, </a:t>
+            </a:r>
+            <a:r>
+              <a:rPr kumimoji="0" lang="en-US" altLang="en-US" sz="1000" b="1" i="0" u="none" strike="noStrike" cap="none" normalizeH="0" baseline="0" dirty="0">
+                <a:ln>
+                  <a:noFill/>
+                </a:ln>
+                <a:effectLst/>
+                <a:latin typeface="Arial Unicode MS"/>
+              </a:rPr>
+              <a:t>CASE</a:t>
+            </a:r>
+            <a:r>
+              <a:rPr kumimoji="0" lang="en-US" altLang="en-US" sz="1000" b="1" i="0" u="none" strike="noStrike" cap="none" normalizeH="0" baseline="0" dirty="0">
+                <a:ln>
+                  <a:noFill/>
+                </a:ln>
+                <a:effectLst/>
+              </a:rPr>
+              <a:t>, loops)</a:t>
+            </a:r>
+            <a:endParaRPr kumimoji="0" lang="en-US" altLang="en-US" sz="1000" b="1" i="0" u="none" strike="noStrike" cap="none" normalizeH="0" baseline="0" dirty="0">
+              <a:ln>
+                <a:noFill/>
+              </a:ln>
+              <a:effectLst/>
+              <a:latin typeface="Arial" panose="020B0604020202020204" pitchFamily="34" charset="0"/>
+            </a:endParaRPr>
+          </a:p>
+          <a:p>
+            <a:pPr marL="0" marR="0" lvl="0" indent="0" defTabSz="914400" rtl="0" eaLnBrk="0" fontAlgn="base" latinLnBrk="0" hangingPunct="0">
+              <a:spcBef>
+                <a:spcPct val="0"/>
+              </a:spcBef>
+              <a:spcAft>
+                <a:spcPts val="600"/>
+              </a:spcAft>
+              <a:buClrTx/>
+              <a:buSzTx/>
+              <a:buFontTx/>
+              <a:buNone/>
+              <a:tabLst/>
+            </a:pPr>
+            <a:r>
+              <a:rPr kumimoji="0" lang="en-US" altLang="en-US" sz="1000" b="1" i="0" u="none" strike="noStrike" cap="none" normalizeH="0" baseline="0" dirty="0">
+                <a:ln>
+                  <a:noFill/>
+                </a:ln>
+                <a:effectLst/>
+                <a:latin typeface="Arial" panose="020B0604020202020204" pitchFamily="34" charset="0"/>
+              </a:rPr>
+              <a:t>Working with SQL in PL/SQL</a:t>
+            </a:r>
+          </a:p>
+          <a:p>
+            <a:pPr marL="0" marR="0" lvl="0" indent="0" defTabSz="914400" rtl="0" eaLnBrk="0" fontAlgn="base" latinLnBrk="0" hangingPunct="0">
+              <a:spcBef>
+                <a:spcPct val="0"/>
+              </a:spcBef>
+              <a:spcAft>
+                <a:spcPts val="600"/>
+              </a:spcAft>
+              <a:buClrTx/>
+              <a:buSzTx/>
+              <a:buFontTx/>
+              <a:buNone/>
+              <a:tabLst/>
+            </a:pPr>
+            <a:r>
+              <a:rPr kumimoji="0" lang="en-US" altLang="en-US" sz="1000" b="1" i="0" u="none" strike="noStrike" cap="none" normalizeH="0" baseline="0" dirty="0">
+                <a:ln>
+                  <a:noFill/>
+                </a:ln>
+                <a:effectLst/>
+                <a:latin typeface="Arial" panose="020B0604020202020204" pitchFamily="34" charset="0"/>
+              </a:rPr>
+              <a:t>✅ Writing &amp; Executing SQL Queries in PL/SQL</a:t>
+            </a:r>
+            <a:br>
+              <a:rPr kumimoji="0" lang="en-US" altLang="en-US" sz="1000" b="1" i="0" u="none" strike="noStrike" cap="none" normalizeH="0" baseline="0" dirty="0">
+                <a:ln>
+                  <a:noFill/>
+                </a:ln>
+                <a:effectLst/>
+                <a:latin typeface="Arial" panose="020B0604020202020204" pitchFamily="34" charset="0"/>
+              </a:rPr>
+            </a:br>
+            <a:r>
+              <a:rPr kumimoji="0" lang="en-US" altLang="en-US" sz="1000" b="1" i="0" u="none" strike="noStrike" cap="none" normalizeH="0" baseline="0" dirty="0">
+                <a:ln>
+                  <a:noFill/>
+                </a:ln>
+                <a:effectLst/>
+                <a:latin typeface="Arial" panose="020B0604020202020204" pitchFamily="34" charset="0"/>
+              </a:rPr>
+              <a:t>✅ Using </a:t>
+            </a:r>
+            <a:r>
+              <a:rPr kumimoji="0" lang="en-US" altLang="en-US" sz="1000" b="1" i="0" u="none" strike="noStrike" cap="none" normalizeH="0" baseline="0" dirty="0">
+                <a:ln>
+                  <a:noFill/>
+                </a:ln>
+                <a:effectLst/>
+                <a:latin typeface="Arial Unicode MS"/>
+              </a:rPr>
+              <a:t>SELECT INTO</a:t>
+            </a:r>
+            <a:r>
+              <a:rPr kumimoji="0" lang="en-US" altLang="en-US" sz="1000" b="1" i="0" u="none" strike="noStrike" cap="none" normalizeH="0" baseline="0" dirty="0">
+                <a:ln>
+                  <a:noFill/>
+                </a:ln>
+                <a:effectLst/>
+              </a:rPr>
+              <a:t> for variable assignment</a:t>
+            </a:r>
+            <a:br>
+              <a:rPr kumimoji="0" lang="en-US" altLang="en-US" sz="1000" b="1" i="0" u="none" strike="noStrike" cap="none" normalizeH="0" baseline="0" dirty="0">
+                <a:ln>
+                  <a:noFill/>
+                </a:ln>
+                <a:effectLst/>
+              </a:rPr>
+            </a:br>
+            <a:r>
+              <a:rPr kumimoji="0" lang="en-US" altLang="en-US" sz="1000" b="1" i="0" u="none" strike="noStrike" cap="none" normalizeH="0" baseline="0" dirty="0">
+                <a:ln>
+                  <a:noFill/>
+                </a:ln>
+                <a:effectLst/>
+              </a:rPr>
+              <a:t>✅ Handling DML Operations (</a:t>
+            </a:r>
+            <a:r>
+              <a:rPr kumimoji="0" lang="en-US" altLang="en-US" sz="1000" b="1" i="0" u="none" strike="noStrike" cap="none" normalizeH="0" baseline="0" dirty="0">
+                <a:ln>
+                  <a:noFill/>
+                </a:ln>
+                <a:effectLst/>
+                <a:latin typeface="Arial Unicode MS"/>
+              </a:rPr>
+              <a:t>INSERT</a:t>
+            </a:r>
+            <a:r>
+              <a:rPr kumimoji="0" lang="en-US" altLang="en-US" sz="1000" b="1" i="0" u="none" strike="noStrike" cap="none" normalizeH="0" baseline="0" dirty="0">
+                <a:ln>
+                  <a:noFill/>
+                </a:ln>
+                <a:effectLst/>
+              </a:rPr>
+              <a:t>, </a:t>
+            </a:r>
+            <a:r>
+              <a:rPr kumimoji="0" lang="en-US" altLang="en-US" sz="1000" b="1" i="0" u="none" strike="noStrike" cap="none" normalizeH="0" baseline="0" dirty="0">
+                <a:ln>
+                  <a:noFill/>
+                </a:ln>
+                <a:effectLst/>
+                <a:latin typeface="Arial Unicode MS"/>
+              </a:rPr>
+              <a:t>UPDATE</a:t>
+            </a:r>
+            <a:r>
+              <a:rPr kumimoji="0" lang="en-US" altLang="en-US" sz="1000" b="1" i="0" u="none" strike="noStrike" cap="none" normalizeH="0" baseline="0" dirty="0">
+                <a:ln>
+                  <a:noFill/>
+                </a:ln>
+                <a:effectLst/>
+              </a:rPr>
+              <a:t>, </a:t>
+            </a:r>
+            <a:r>
+              <a:rPr kumimoji="0" lang="en-US" altLang="en-US" sz="1000" b="1" i="0" u="none" strike="noStrike" cap="none" normalizeH="0" baseline="0" dirty="0">
+                <a:ln>
+                  <a:noFill/>
+                </a:ln>
+                <a:effectLst/>
+                <a:latin typeface="Arial Unicode MS"/>
+              </a:rPr>
+              <a:t>DELETE</a:t>
+            </a:r>
+            <a:r>
+              <a:rPr kumimoji="0" lang="en-US" altLang="en-US" sz="1000" b="1" i="0" u="none" strike="noStrike" cap="none" normalizeH="0" baseline="0" dirty="0">
+                <a:ln>
+                  <a:noFill/>
+                </a:ln>
+                <a:effectLst/>
+              </a:rPr>
+              <a:t>)</a:t>
+            </a:r>
+            <a:endParaRPr kumimoji="0" lang="en-US" altLang="en-US" sz="1000" b="1" i="0" u="none" strike="noStrike" cap="none" normalizeH="0" baseline="0" dirty="0">
+              <a:ln>
+                <a:noFill/>
+              </a:ln>
+              <a:effectLst/>
+              <a:latin typeface="Arial" panose="020B0604020202020204" pitchFamily="34" charset="0"/>
+            </a:endParaRPr>
+          </a:p>
+          <a:p>
+            <a:pPr marL="0" marR="0" lvl="0" indent="0" defTabSz="914400" rtl="0" eaLnBrk="0" fontAlgn="base" latinLnBrk="0" hangingPunct="0">
+              <a:spcBef>
+                <a:spcPct val="0"/>
+              </a:spcBef>
+              <a:spcAft>
+                <a:spcPts val="600"/>
+              </a:spcAft>
+              <a:buClrTx/>
+              <a:buSzTx/>
+              <a:buFontTx/>
+              <a:buNone/>
+              <a:tabLst/>
+            </a:pPr>
+            <a:r>
+              <a:rPr kumimoji="0" lang="en-US" altLang="en-US" sz="1000" b="1" i="0" u="none" strike="noStrike" cap="none" normalizeH="0" baseline="0" dirty="0">
+                <a:ln>
+                  <a:noFill/>
+                </a:ln>
+                <a:effectLst/>
+                <a:latin typeface="Arial" panose="020B0604020202020204" pitchFamily="34" charset="0"/>
+              </a:rPr>
+              <a:t>Procedures &amp; Functions</a:t>
+            </a:r>
+          </a:p>
+          <a:p>
+            <a:pPr marL="0" marR="0" lvl="0" indent="0" defTabSz="914400" rtl="0" eaLnBrk="0" fontAlgn="base" latinLnBrk="0" hangingPunct="0">
+              <a:spcBef>
+                <a:spcPct val="0"/>
+              </a:spcBef>
+              <a:spcAft>
+                <a:spcPts val="600"/>
+              </a:spcAft>
+              <a:buClrTx/>
+              <a:buSzTx/>
+              <a:buFontTx/>
+              <a:buNone/>
+              <a:tabLst/>
+            </a:pPr>
+            <a:r>
+              <a:rPr kumimoji="0" lang="en-US" altLang="en-US" sz="1000" b="1" i="0" u="none" strike="noStrike" cap="none" normalizeH="0" baseline="0" dirty="0">
+                <a:ln>
+                  <a:noFill/>
+                </a:ln>
+                <a:effectLst/>
+                <a:latin typeface="Arial" panose="020B0604020202020204" pitchFamily="34" charset="0"/>
+              </a:rPr>
+              <a:t>✅ Creating and Executing Stored Procedures</a:t>
+            </a:r>
+            <a:br>
+              <a:rPr kumimoji="0" lang="en-US" altLang="en-US" sz="1000" b="1" i="0" u="none" strike="noStrike" cap="none" normalizeH="0" baseline="0" dirty="0">
+                <a:ln>
+                  <a:noFill/>
+                </a:ln>
+                <a:effectLst/>
+                <a:latin typeface="Arial" panose="020B0604020202020204" pitchFamily="34" charset="0"/>
+              </a:rPr>
+            </a:br>
+            <a:r>
+              <a:rPr kumimoji="0" lang="en-US" altLang="en-US" sz="1000" b="1" i="0" u="none" strike="noStrike" cap="none" normalizeH="0" baseline="0" dirty="0">
+                <a:ln>
+                  <a:noFill/>
+                </a:ln>
+                <a:effectLst/>
+                <a:latin typeface="Arial" panose="020B0604020202020204" pitchFamily="34" charset="0"/>
+              </a:rPr>
+              <a:t>✅ Writing User-Defined Functions</a:t>
+            </a:r>
+            <a:br>
+              <a:rPr kumimoji="0" lang="en-US" altLang="en-US" sz="1000" b="1" i="0" u="none" strike="noStrike" cap="none" normalizeH="0" baseline="0" dirty="0">
+                <a:ln>
+                  <a:noFill/>
+                </a:ln>
+                <a:effectLst/>
+                <a:latin typeface="Arial" panose="020B0604020202020204" pitchFamily="34" charset="0"/>
+              </a:rPr>
+            </a:br>
+            <a:r>
+              <a:rPr kumimoji="0" lang="en-US" altLang="en-US" sz="1000" b="1" i="0" u="none" strike="noStrike" cap="none" normalizeH="0" baseline="0" dirty="0">
+                <a:ln>
+                  <a:noFill/>
+                </a:ln>
+                <a:effectLst/>
+                <a:latin typeface="Arial" panose="020B0604020202020204" pitchFamily="34" charset="0"/>
+              </a:rPr>
+              <a:t>✅ Passing Parameters in Procedures and Functions</a:t>
+            </a:r>
+          </a:p>
+          <a:p>
+            <a:pPr marL="0" marR="0" lvl="0" indent="0" defTabSz="914400" rtl="0" eaLnBrk="0" fontAlgn="base" latinLnBrk="0" hangingPunct="0">
+              <a:spcBef>
+                <a:spcPct val="0"/>
+              </a:spcBef>
+              <a:spcAft>
+                <a:spcPts val="600"/>
+              </a:spcAft>
+              <a:buClrTx/>
+              <a:buSzTx/>
+              <a:buFontTx/>
+              <a:buNone/>
+              <a:tabLst/>
+            </a:pPr>
+            <a:r>
+              <a:rPr kumimoji="0" lang="en-US" altLang="en-US" sz="1000" b="1" i="0" u="none" strike="noStrike" cap="none" normalizeH="0" baseline="0" dirty="0">
+                <a:ln>
+                  <a:noFill/>
+                </a:ln>
+                <a:effectLst/>
+                <a:latin typeface="Arial" panose="020B0604020202020204" pitchFamily="34" charset="0"/>
+              </a:rPr>
+              <a:t>Exception Handling</a:t>
+            </a:r>
+          </a:p>
+          <a:p>
+            <a:pPr marL="0" marR="0" lvl="0" indent="0" defTabSz="914400" rtl="0" eaLnBrk="0" fontAlgn="base" latinLnBrk="0" hangingPunct="0">
+              <a:spcBef>
+                <a:spcPct val="0"/>
+              </a:spcBef>
+              <a:spcAft>
+                <a:spcPts val="600"/>
+              </a:spcAft>
+              <a:buClrTx/>
+              <a:buSzTx/>
+              <a:buFontTx/>
+              <a:buNone/>
+              <a:tabLst/>
+            </a:pPr>
+            <a:r>
+              <a:rPr kumimoji="0" lang="en-US" altLang="en-US" sz="1000" b="1" i="0" u="none" strike="noStrike" cap="none" normalizeH="0" baseline="0" dirty="0">
+                <a:ln>
+                  <a:noFill/>
+                </a:ln>
+                <a:effectLst/>
+                <a:latin typeface="Arial" panose="020B0604020202020204" pitchFamily="34" charset="0"/>
+              </a:rPr>
+              <a:t>✅ Handling Errors using </a:t>
+            </a:r>
+            <a:r>
+              <a:rPr kumimoji="0" lang="en-US" altLang="en-US" sz="1000" b="1" i="0" u="none" strike="noStrike" cap="none" normalizeH="0" baseline="0" dirty="0">
+                <a:ln>
+                  <a:noFill/>
+                </a:ln>
+                <a:effectLst/>
+                <a:latin typeface="Arial Unicode MS"/>
+              </a:rPr>
+              <a:t>EXCEPTION</a:t>
+            </a:r>
+            <a:r>
+              <a:rPr kumimoji="0" lang="en-US" altLang="en-US" sz="1000" b="1" i="0" u="none" strike="noStrike" cap="none" normalizeH="0" baseline="0" dirty="0">
+                <a:ln>
+                  <a:noFill/>
+                </a:ln>
+                <a:effectLst/>
+              </a:rPr>
+              <a:t> blocks</a:t>
+            </a:r>
+            <a:br>
+              <a:rPr kumimoji="0" lang="en-US" altLang="en-US" sz="1000" b="1" i="0" u="none" strike="noStrike" cap="none" normalizeH="0" baseline="0" dirty="0">
+                <a:ln>
+                  <a:noFill/>
+                </a:ln>
+                <a:effectLst/>
+              </a:rPr>
+            </a:br>
+            <a:r>
+              <a:rPr kumimoji="0" lang="en-US" altLang="en-US" sz="1000" b="1" i="0" u="none" strike="noStrike" cap="none" normalizeH="0" baseline="0" dirty="0">
+                <a:ln>
+                  <a:noFill/>
+                </a:ln>
+                <a:effectLst/>
+              </a:rPr>
+              <a:t>✅ Predefined Exceptions (</a:t>
+            </a:r>
+            <a:r>
+              <a:rPr kumimoji="0" lang="en-US" altLang="en-US" sz="1000" b="1" i="0" u="none" strike="noStrike" cap="none" normalizeH="0" baseline="0" dirty="0">
+                <a:ln>
+                  <a:noFill/>
+                </a:ln>
+                <a:effectLst/>
+                <a:latin typeface="Arial Unicode MS"/>
+              </a:rPr>
+              <a:t>NO_DATA_FOUND</a:t>
+            </a:r>
+            <a:r>
+              <a:rPr kumimoji="0" lang="en-US" altLang="en-US" sz="1000" b="1" i="0" u="none" strike="noStrike" cap="none" normalizeH="0" baseline="0" dirty="0">
+                <a:ln>
+                  <a:noFill/>
+                </a:ln>
+                <a:effectLst/>
+              </a:rPr>
+              <a:t>, </a:t>
+            </a:r>
+            <a:r>
+              <a:rPr kumimoji="0" lang="en-US" altLang="en-US" sz="1000" b="1" i="0" u="none" strike="noStrike" cap="none" normalizeH="0" baseline="0" dirty="0">
+                <a:ln>
+                  <a:noFill/>
+                </a:ln>
+                <a:effectLst/>
+                <a:latin typeface="Arial Unicode MS"/>
+              </a:rPr>
+              <a:t>TOO_MANY_ROWS</a:t>
+            </a:r>
+            <a:r>
+              <a:rPr kumimoji="0" lang="en-US" altLang="en-US" sz="1000" b="1" i="0" u="none" strike="noStrike" cap="none" normalizeH="0" baseline="0" dirty="0">
+                <a:ln>
+                  <a:noFill/>
+                </a:ln>
+                <a:effectLst/>
+              </a:rPr>
+              <a:t>, </a:t>
+            </a:r>
+            <a:r>
+              <a:rPr kumimoji="0" lang="en-US" altLang="en-US" sz="1000" b="1" i="0" u="none" strike="noStrike" cap="none" normalizeH="0" baseline="0" dirty="0">
+                <a:ln>
+                  <a:noFill/>
+                </a:ln>
+                <a:effectLst/>
+                <a:latin typeface="Arial Unicode MS"/>
+              </a:rPr>
+              <a:t>OTHERS</a:t>
+            </a:r>
+            <a:r>
+              <a:rPr kumimoji="0" lang="en-US" altLang="en-US" sz="1000" b="1" i="0" u="none" strike="noStrike" cap="none" normalizeH="0" baseline="0" dirty="0">
+                <a:ln>
+                  <a:noFill/>
+                </a:ln>
+                <a:effectLst/>
+              </a:rPr>
+              <a:t>)</a:t>
+            </a:r>
+            <a:endParaRPr kumimoji="0" lang="en-US" altLang="en-US" sz="1000" b="1" i="0" u="none" strike="noStrike" cap="none" normalizeH="0" baseline="0" dirty="0">
+              <a:ln>
+                <a:noFill/>
+              </a:ln>
+              <a:effectLst/>
+              <a:latin typeface="Arial" panose="020B0604020202020204" pitchFamily="34" charset="0"/>
+            </a:endParaRPr>
+          </a:p>
+          <a:p>
+            <a:pPr marL="0" marR="0" lvl="0" indent="0" defTabSz="914400" rtl="0" eaLnBrk="0" fontAlgn="base" latinLnBrk="0" hangingPunct="0">
+              <a:spcBef>
+                <a:spcPct val="0"/>
+              </a:spcBef>
+              <a:spcAft>
+                <a:spcPts val="600"/>
+              </a:spcAft>
+              <a:buClrTx/>
+              <a:buSzTx/>
+              <a:buFontTx/>
+              <a:buNone/>
+              <a:tabLst/>
+            </a:pPr>
+            <a:r>
+              <a:rPr kumimoji="0" lang="en-US" altLang="en-US" sz="1000" b="1" i="0" u="none" strike="noStrike" cap="none" normalizeH="0" baseline="0" dirty="0">
+                <a:ln>
+                  <a:noFill/>
+                </a:ln>
+                <a:effectLst/>
+                <a:latin typeface="Arial" panose="020B0604020202020204" pitchFamily="34" charset="0"/>
+              </a:rPr>
+              <a:t>Cursors</a:t>
+            </a:r>
+          </a:p>
+          <a:p>
+            <a:pPr marL="0" marR="0" lvl="0" indent="0" defTabSz="914400" rtl="0" eaLnBrk="0" fontAlgn="base" latinLnBrk="0" hangingPunct="0">
+              <a:spcBef>
+                <a:spcPct val="0"/>
+              </a:spcBef>
+              <a:spcAft>
+                <a:spcPts val="600"/>
+              </a:spcAft>
+              <a:buClrTx/>
+              <a:buSzTx/>
+              <a:buFontTx/>
+              <a:buNone/>
+              <a:tabLst/>
+            </a:pPr>
+            <a:r>
+              <a:rPr kumimoji="0" lang="en-US" altLang="en-US" sz="1000" b="1" i="0" u="none" strike="noStrike" cap="none" normalizeH="0" baseline="0" dirty="0">
+                <a:ln>
+                  <a:noFill/>
+                </a:ln>
+                <a:effectLst/>
+                <a:latin typeface="Arial" panose="020B0604020202020204" pitchFamily="34" charset="0"/>
+              </a:rPr>
+              <a:t>✅ Using Implicit Cursors for SQL operations</a:t>
+            </a:r>
+            <a:br>
+              <a:rPr kumimoji="0" lang="en-US" altLang="en-US" sz="1000" b="1" i="0" u="none" strike="noStrike" cap="none" normalizeH="0" baseline="0" dirty="0">
+                <a:ln>
+                  <a:noFill/>
+                </a:ln>
+                <a:effectLst/>
+                <a:latin typeface="Arial" panose="020B0604020202020204" pitchFamily="34" charset="0"/>
+              </a:rPr>
+            </a:br>
+            <a:r>
+              <a:rPr kumimoji="0" lang="en-US" altLang="en-US" sz="1000" b="1" i="0" u="none" strike="noStrike" cap="none" normalizeH="0" baseline="0" dirty="0">
+                <a:ln>
+                  <a:noFill/>
+                </a:ln>
+                <a:effectLst/>
+                <a:latin typeface="Arial" panose="020B0604020202020204" pitchFamily="34" charset="0"/>
+              </a:rPr>
+              <a:t>✅ Declaring Explicit Cursors for multi-row processing</a:t>
+            </a:r>
+            <a:br>
+              <a:rPr kumimoji="0" lang="en-US" altLang="en-US" sz="1000" b="1" i="0" u="none" strike="noStrike" cap="none" normalizeH="0" baseline="0" dirty="0">
+                <a:ln>
+                  <a:noFill/>
+                </a:ln>
+                <a:effectLst/>
+                <a:latin typeface="Arial" panose="020B0604020202020204" pitchFamily="34" charset="0"/>
+              </a:rPr>
+            </a:br>
+            <a:r>
+              <a:rPr kumimoji="0" lang="en-US" altLang="en-US" sz="1000" b="1" i="0" u="none" strike="noStrike" cap="none" normalizeH="0" baseline="0" dirty="0">
+                <a:ln>
+                  <a:noFill/>
+                </a:ln>
+                <a:effectLst/>
+                <a:latin typeface="Arial" panose="020B0604020202020204" pitchFamily="34" charset="0"/>
+              </a:rPr>
+              <a:t>✅ Looping through cursor records</a:t>
+            </a:r>
+          </a:p>
+          <a:p>
+            <a:pPr marL="0" marR="0" lvl="0" indent="0" defTabSz="914400" rtl="0" eaLnBrk="0" fontAlgn="base" latinLnBrk="0" hangingPunct="0">
+              <a:spcBef>
+                <a:spcPct val="0"/>
+              </a:spcBef>
+              <a:spcAft>
+                <a:spcPts val="600"/>
+              </a:spcAft>
+              <a:buClrTx/>
+              <a:buSzTx/>
+              <a:buFontTx/>
+              <a:buNone/>
+              <a:tabLst/>
+            </a:pPr>
+            <a:r>
+              <a:rPr kumimoji="0" lang="en-US" altLang="en-US" sz="1000" b="1" i="0" u="none" strike="noStrike" cap="none" normalizeH="0" baseline="0" dirty="0">
+                <a:ln>
+                  <a:noFill/>
+                </a:ln>
+                <a:effectLst/>
+                <a:latin typeface="Arial" panose="020B0604020202020204" pitchFamily="34" charset="0"/>
+              </a:rPr>
+              <a:t>Triggers</a:t>
+            </a:r>
+          </a:p>
+          <a:p>
+            <a:pPr marL="0" marR="0" lvl="0" indent="0" defTabSz="914400" rtl="0" eaLnBrk="0" fontAlgn="base" latinLnBrk="0" hangingPunct="0">
+              <a:spcBef>
+                <a:spcPct val="0"/>
+              </a:spcBef>
+              <a:spcAft>
+                <a:spcPts val="600"/>
+              </a:spcAft>
+              <a:buClrTx/>
+              <a:buSzTx/>
+              <a:buFontTx/>
+              <a:buNone/>
+              <a:tabLst/>
+            </a:pPr>
+            <a:r>
+              <a:rPr kumimoji="0" lang="en-US" altLang="en-US" sz="1000" b="1" i="0" u="none" strike="noStrike" cap="none" normalizeH="0" baseline="0" dirty="0">
+                <a:ln>
+                  <a:noFill/>
+                </a:ln>
+                <a:effectLst/>
+                <a:latin typeface="Arial" panose="020B0604020202020204" pitchFamily="34" charset="0"/>
+              </a:rPr>
+              <a:t>✅ Creating Triggers for Automatic Execution</a:t>
+            </a:r>
+            <a:br>
+              <a:rPr kumimoji="0" lang="en-US" altLang="en-US" sz="1000" b="1" i="0" u="none" strike="noStrike" cap="none" normalizeH="0" baseline="0" dirty="0">
+                <a:ln>
+                  <a:noFill/>
+                </a:ln>
+                <a:effectLst/>
+                <a:latin typeface="Arial" panose="020B0604020202020204" pitchFamily="34" charset="0"/>
+              </a:rPr>
+            </a:br>
+            <a:r>
+              <a:rPr kumimoji="0" lang="en-US" altLang="en-US" sz="1000" b="1" i="0" u="none" strike="noStrike" cap="none" normalizeH="0" baseline="0" dirty="0">
+                <a:ln>
+                  <a:noFill/>
+                </a:ln>
+                <a:effectLst/>
+                <a:latin typeface="Arial" panose="020B0604020202020204" pitchFamily="34" charset="0"/>
+              </a:rPr>
+              <a:t>✅ </a:t>
+            </a:r>
+            <a:r>
+              <a:rPr kumimoji="0" lang="en-US" altLang="en-US" sz="1000" b="1" i="0" u="none" strike="noStrike" cap="none" normalizeH="0" baseline="0" dirty="0">
+                <a:ln>
+                  <a:noFill/>
+                </a:ln>
+                <a:effectLst/>
+                <a:latin typeface="Arial Unicode MS"/>
+              </a:rPr>
+              <a:t>BEFORE</a:t>
+            </a:r>
+            <a:r>
+              <a:rPr kumimoji="0" lang="en-US" altLang="en-US" sz="1000" b="1" i="0" u="none" strike="noStrike" cap="none" normalizeH="0" baseline="0" dirty="0">
+                <a:ln>
+                  <a:noFill/>
+                </a:ln>
+                <a:effectLst/>
+              </a:rPr>
+              <a:t> and </a:t>
+            </a:r>
+            <a:r>
+              <a:rPr kumimoji="0" lang="en-US" altLang="en-US" sz="1000" b="1" i="0" u="none" strike="noStrike" cap="none" normalizeH="0" baseline="0" dirty="0">
+                <a:ln>
+                  <a:noFill/>
+                </a:ln>
+                <a:effectLst/>
+                <a:latin typeface="Arial Unicode MS"/>
+              </a:rPr>
+              <a:t>AFTER</a:t>
+            </a:r>
+            <a:r>
+              <a:rPr kumimoji="0" lang="en-US" altLang="en-US" sz="1000" b="1" i="0" u="none" strike="noStrike" cap="none" normalizeH="0" baseline="0" dirty="0">
+                <a:ln>
+                  <a:noFill/>
+                </a:ln>
+                <a:effectLst/>
+              </a:rPr>
+              <a:t> Triggers</a:t>
+            </a:r>
+            <a:br>
+              <a:rPr kumimoji="0" lang="en-US" altLang="en-US" sz="1000" b="1" i="0" u="none" strike="noStrike" cap="none" normalizeH="0" baseline="0" dirty="0">
+                <a:ln>
+                  <a:noFill/>
+                </a:ln>
+                <a:effectLst/>
+              </a:rPr>
+            </a:br>
+            <a:r>
+              <a:rPr kumimoji="0" lang="en-US" altLang="en-US" sz="1000" b="1" i="0" u="none" strike="noStrike" cap="none" normalizeH="0" baseline="0" dirty="0">
+                <a:ln>
+                  <a:noFill/>
+                </a:ln>
+                <a:effectLst/>
+              </a:rPr>
+              <a:t>✅ Row-level vs. Statement-level triggers</a:t>
+            </a:r>
+            <a:endParaRPr kumimoji="0" lang="en-US" altLang="en-US" sz="1000" b="1" i="0" u="none" strike="noStrike" cap="none" normalizeH="0" baseline="0" dirty="0">
+              <a:ln>
+                <a:noFill/>
+              </a:ln>
+              <a:effectLst/>
+              <a:latin typeface="Arial" panose="020B0604020202020204" pitchFamily="34" charset="0"/>
+            </a:endParaRPr>
+          </a:p>
+          <a:p>
+            <a:pPr marL="0" marR="0" lvl="0" indent="0" defTabSz="914400" rtl="0" eaLnBrk="0" fontAlgn="base" latinLnBrk="0" hangingPunct="0">
+              <a:spcBef>
+                <a:spcPct val="0"/>
+              </a:spcBef>
+              <a:spcAft>
+                <a:spcPts val="600"/>
+              </a:spcAft>
+              <a:buClrTx/>
+              <a:buSzTx/>
+              <a:buFontTx/>
+              <a:buNone/>
+              <a:tabLst/>
+            </a:pPr>
+            <a:r>
+              <a:rPr kumimoji="0" lang="en-US" altLang="en-US" sz="1000" b="1" i="0" u="none" strike="noStrike" cap="none" normalizeH="0" baseline="0" dirty="0">
+                <a:ln>
+                  <a:noFill/>
+                </a:ln>
+                <a:effectLst/>
+                <a:latin typeface="Arial" panose="020B0604020202020204" pitchFamily="34" charset="0"/>
+              </a:rPr>
+              <a:t>Transactions &amp; Performance Optimization</a:t>
+            </a:r>
+          </a:p>
+          <a:p>
+            <a:pPr marL="0" marR="0" lvl="0" indent="0" defTabSz="914400" rtl="0" eaLnBrk="0" fontAlgn="base" latinLnBrk="0" hangingPunct="0">
+              <a:spcBef>
+                <a:spcPct val="0"/>
+              </a:spcBef>
+              <a:spcAft>
+                <a:spcPts val="600"/>
+              </a:spcAft>
+              <a:buClrTx/>
+              <a:buSzTx/>
+              <a:buFontTx/>
+              <a:buNone/>
+              <a:tabLst/>
+            </a:pPr>
+            <a:r>
+              <a:rPr kumimoji="0" lang="en-US" altLang="en-US" sz="1000" b="1" i="0" u="none" strike="noStrike" cap="none" normalizeH="0" baseline="0" dirty="0">
+                <a:ln>
+                  <a:noFill/>
+                </a:ln>
+                <a:effectLst/>
+                <a:latin typeface="Arial" panose="020B0604020202020204" pitchFamily="34" charset="0"/>
+              </a:rPr>
+              <a:t>✅ Using </a:t>
+            </a:r>
+            <a:r>
+              <a:rPr kumimoji="0" lang="en-US" altLang="en-US" sz="1000" b="1" i="0" u="none" strike="noStrike" cap="none" normalizeH="0" baseline="0" dirty="0">
+                <a:ln>
+                  <a:noFill/>
+                </a:ln>
+                <a:effectLst/>
+                <a:latin typeface="Arial Unicode MS"/>
+              </a:rPr>
+              <a:t>COMMIT</a:t>
+            </a:r>
+            <a:r>
+              <a:rPr kumimoji="0" lang="en-US" altLang="en-US" sz="1000" b="1" i="0" u="none" strike="noStrike" cap="none" normalizeH="0" baseline="0" dirty="0">
+                <a:ln>
+                  <a:noFill/>
+                </a:ln>
+                <a:effectLst/>
+              </a:rPr>
+              <a:t>, </a:t>
+            </a:r>
+            <a:r>
+              <a:rPr kumimoji="0" lang="en-US" altLang="en-US" sz="1000" b="1" i="0" u="none" strike="noStrike" cap="none" normalizeH="0" baseline="0" dirty="0">
+                <a:ln>
+                  <a:noFill/>
+                </a:ln>
+                <a:effectLst/>
+                <a:latin typeface="Arial Unicode MS"/>
+              </a:rPr>
+              <a:t>ROLLBACK</a:t>
+            </a:r>
+            <a:r>
+              <a:rPr kumimoji="0" lang="en-US" altLang="en-US" sz="1000" b="1" i="0" u="none" strike="noStrike" cap="none" normalizeH="0" baseline="0" dirty="0">
+                <a:ln>
+                  <a:noFill/>
+                </a:ln>
+                <a:effectLst/>
+              </a:rPr>
+              <a:t>, and </a:t>
+            </a:r>
+            <a:r>
+              <a:rPr kumimoji="0" lang="en-US" altLang="en-US" sz="1000" b="1" i="0" u="none" strike="noStrike" cap="none" normalizeH="0" baseline="0" dirty="0">
+                <a:ln>
+                  <a:noFill/>
+                </a:ln>
+                <a:effectLst/>
+                <a:latin typeface="Arial Unicode MS"/>
+              </a:rPr>
+              <a:t>SAVEPOINT</a:t>
+            </a:r>
+            <a:br>
+              <a:rPr kumimoji="0" lang="en-US" altLang="en-US" sz="1000" b="1" i="0" u="none" strike="noStrike" cap="none" normalizeH="0" baseline="0" dirty="0">
+                <a:ln>
+                  <a:noFill/>
+                </a:ln>
+                <a:effectLst/>
+              </a:rPr>
+            </a:br>
+            <a:r>
+              <a:rPr kumimoji="0" lang="en-US" altLang="en-US" sz="1000" b="1" i="0" u="none" strike="noStrike" cap="none" normalizeH="0" baseline="0" dirty="0">
+                <a:ln>
+                  <a:noFill/>
+                </a:ln>
+                <a:effectLst/>
+              </a:rPr>
+              <a:t>✅ Ensuring Data Integrity with Transactions</a:t>
+            </a:r>
+            <a:br>
+              <a:rPr kumimoji="0" lang="en-US" altLang="en-US" sz="1000" b="1" i="0" u="none" strike="noStrike" cap="none" normalizeH="0" baseline="0" dirty="0">
+                <a:ln>
+                  <a:noFill/>
+                </a:ln>
+                <a:effectLst/>
+              </a:rPr>
+            </a:br>
+            <a:r>
+              <a:rPr kumimoji="0" lang="en-US" altLang="en-US" sz="1000" b="1" i="0" u="none" strike="noStrike" cap="none" normalizeH="0" baseline="0" dirty="0">
+                <a:ln>
+                  <a:noFill/>
+                </a:ln>
+                <a:effectLst/>
+              </a:rPr>
+              <a:t>✅ Performance Optimization Techniques</a:t>
+            </a:r>
+            <a:endParaRPr kumimoji="0" lang="en-US" altLang="en-US" sz="1000" b="1" i="0" u="none" strike="noStrike" cap="none" normalizeH="0" baseline="0" dirty="0">
+              <a:ln>
+                <a:noFill/>
+              </a:ln>
+              <a:effectLst/>
+              <a:latin typeface="Arial" panose="020B0604020202020204" pitchFamily="34" charset="0"/>
+            </a:endParaRPr>
+          </a:p>
+          <a:p>
+            <a:pPr marL="0" marR="0" lvl="0" indent="0" defTabSz="914400" rtl="0" eaLnBrk="0" fontAlgn="base" latinLnBrk="0" hangingPunct="0">
+              <a:spcBef>
+                <a:spcPct val="0"/>
+              </a:spcBef>
+              <a:spcAft>
+                <a:spcPts val="600"/>
+              </a:spcAft>
+              <a:buClrTx/>
+              <a:buSzTx/>
+              <a:buFontTx/>
+              <a:buNone/>
+              <a:tabLst/>
+            </a:pPr>
+            <a:r>
+              <a:rPr kumimoji="0" lang="en-US" altLang="en-US" sz="1000" b="1" i="0" u="none" strike="noStrike" cap="none" normalizeH="0" baseline="0" dirty="0">
+                <a:ln>
+                  <a:noFill/>
+                </a:ln>
+                <a:effectLst/>
+                <a:latin typeface="Arial" panose="020B0604020202020204" pitchFamily="34" charset="0"/>
+              </a:rPr>
+              <a:t>Real-World Applications</a:t>
+            </a:r>
+          </a:p>
+          <a:p>
+            <a:pPr marL="0" marR="0" lvl="0" indent="0" defTabSz="914400" rtl="0" eaLnBrk="0" fontAlgn="base" latinLnBrk="0" hangingPunct="0">
+              <a:spcBef>
+                <a:spcPct val="0"/>
+              </a:spcBef>
+              <a:spcAft>
+                <a:spcPts val="600"/>
+              </a:spcAft>
+              <a:buClrTx/>
+              <a:buSzTx/>
+              <a:buFontTx/>
+              <a:buNone/>
+              <a:tabLst/>
+            </a:pPr>
+            <a:r>
+              <a:rPr kumimoji="0" lang="en-US" altLang="en-US" sz="1000" b="1" i="0" u="none" strike="noStrike" cap="none" normalizeH="0" baseline="0" dirty="0">
+                <a:ln>
+                  <a:noFill/>
+                </a:ln>
+                <a:effectLst/>
+                <a:latin typeface="Arial" panose="020B0604020202020204" pitchFamily="34" charset="0"/>
+              </a:rPr>
+              <a:t>✅ Writing PL/SQL Code for Inventory Management</a:t>
+            </a:r>
+            <a:br>
+              <a:rPr kumimoji="0" lang="en-US" altLang="en-US" sz="1000" b="1" i="0" u="none" strike="noStrike" cap="none" normalizeH="0" baseline="0" dirty="0">
+                <a:ln>
+                  <a:noFill/>
+                </a:ln>
+                <a:effectLst/>
+                <a:latin typeface="Arial" panose="020B0604020202020204" pitchFamily="34" charset="0"/>
+              </a:rPr>
+            </a:br>
+            <a:r>
+              <a:rPr kumimoji="0" lang="en-US" altLang="en-US" sz="1000" b="1" i="0" u="none" strike="noStrike" cap="none" normalizeH="0" baseline="0" dirty="0">
+                <a:ln>
+                  <a:noFill/>
+                </a:ln>
+                <a:effectLst/>
+                <a:latin typeface="Arial" panose="020B0604020202020204" pitchFamily="34" charset="0"/>
+              </a:rPr>
+              <a:t>✅ Implementing PL/SQL for Sales &amp; Revenue Analysis</a:t>
+            </a:r>
+            <a:br>
+              <a:rPr kumimoji="0" lang="en-US" altLang="en-US" sz="1000" b="1" i="0" u="none" strike="noStrike" cap="none" normalizeH="0" baseline="0" dirty="0">
+                <a:ln>
+                  <a:noFill/>
+                </a:ln>
+                <a:effectLst/>
+                <a:latin typeface="Arial" panose="020B0604020202020204" pitchFamily="34" charset="0"/>
+              </a:rPr>
+            </a:br>
+            <a:r>
+              <a:rPr kumimoji="0" lang="en-US" altLang="en-US" sz="1000" b="1" i="0" u="none" strike="noStrike" cap="none" normalizeH="0" baseline="0" dirty="0">
+                <a:ln>
+                  <a:noFill/>
+                </a:ln>
+                <a:effectLst/>
+                <a:latin typeface="Arial" panose="020B0604020202020204" pitchFamily="34" charset="0"/>
+              </a:rPr>
+              <a:t>✅ Automating Error Handling &amp; Logging</a:t>
+            </a:r>
+            <a:br>
+              <a:rPr kumimoji="0" lang="en-US" altLang="en-US" sz="1000" b="1" i="0" u="none" strike="noStrike" cap="none" normalizeH="0" baseline="0" dirty="0">
+                <a:ln>
+                  <a:noFill/>
+                </a:ln>
+                <a:effectLst/>
+                <a:latin typeface="Arial" panose="020B0604020202020204" pitchFamily="34" charset="0"/>
+              </a:rPr>
+            </a:br>
+            <a:r>
+              <a:rPr kumimoji="0" lang="en-US" altLang="en-US" sz="1000" b="1" i="0" u="none" strike="noStrike" cap="none" normalizeH="0" baseline="0" dirty="0">
+                <a:ln>
+                  <a:noFill/>
+                </a:ln>
+                <a:effectLst/>
+                <a:latin typeface="Arial" panose="020B0604020202020204" pitchFamily="34" charset="0"/>
+              </a:rPr>
+              <a:t>✅ Practical Assignments &amp; Workshop Challenges</a:t>
+            </a:r>
+            <a:endParaRPr kumimoji="0" lang="en-US" altLang="en-US" sz="1000" b="0" i="0" u="none" strike="noStrike" cap="none" normalizeH="0" baseline="0" dirty="0">
+              <a:ln>
+                <a:noFill/>
+              </a:ln>
+              <a:effectLst/>
+              <a:latin typeface="Arial" panose="020B0604020202020204" pitchFamily="34" charset="0"/>
+            </a:endParaRPr>
+          </a:p>
+        </p:txBody>
+      </p:sp>
     </p:spTree>
     <p:extLst>
       <p:ext uri="{BB962C8B-B14F-4D97-AF65-F5344CB8AC3E}">
-        <p14:creationId xmlns:p14="http://schemas.microsoft.com/office/powerpoint/2010/main" val="3668742173"/>
+        <p14:creationId xmlns:p14="http://schemas.microsoft.com/office/powerpoint/2010/main" val="39547082"/>
       </p:ext>
     </p:extLst>
   </p:cSld>
@@ -3808,7 +5272,7 @@
 </p:sld>
 </file>
 
-<file path=ppt/slides/slide3.xml><?xml version="1.0" encoding="utf-8"?>
+<file path=ppt/slides/slide2.xml><?xml version="1.0" encoding="utf-8"?>
 <p:sld xmlns:a="http://schemas.openxmlformats.org/drawingml/2006/main" xmlns:r="http://schemas.openxmlformats.org/officeDocument/2006/relationships" xmlns:p="http://schemas.openxmlformats.org/presentationml/2006/main">
   <p:cSld>
     <p:bg>
@@ -4359,6 +5823,142 @@
 </p:sld>
 </file>
 
+<file path=ppt/slides/slide3.xml><?xml version="1.0" encoding="utf-8"?>
+<p:sld xmlns:a="http://schemas.openxmlformats.org/drawingml/2006/main" xmlns:r="http://schemas.openxmlformats.org/officeDocument/2006/relationships" xmlns:p="http://schemas.openxmlformats.org/presentationml/2006/main">
+  <p:cSld>
+    <p:spTree>
+      <p:nvGrpSpPr>
+        <p:cNvPr id="1" name=""/>
+        <p:cNvGrpSpPr/>
+        <p:nvPr/>
+      </p:nvGrpSpPr>
+      <p:grpSpPr>
+        <a:xfrm>
+          <a:off x="0" y="0"/>
+          <a:ext cx="0" cy="0"/>
+          <a:chOff x="0" y="0"/>
+          <a:chExt cx="0" cy="0"/>
+        </a:xfrm>
+      </p:grpSpPr>
+      <p:sp>
+        <p:nvSpPr>
+          <p:cNvPr id="2" name="Title 1">
+            <a:extLst>
+              <a:ext uri="{FF2B5EF4-FFF2-40B4-BE49-F238E27FC236}">
+                <a16:creationId xmlns:a16="http://schemas.microsoft.com/office/drawing/2014/main" id="{647417F3-DF19-319F-32F9-2ACA19D2CB0D}"/>
+              </a:ext>
+            </a:extLst>
+          </p:cNvPr>
+          <p:cNvSpPr>
+            <a:spLocks noGrp="1"/>
+          </p:cNvSpPr>
+          <p:nvPr>
+            <p:ph type="title"/>
+          </p:nvPr>
+        </p:nvSpPr>
+        <p:spPr/>
+        <p:txBody>
+          <a:bodyPr/>
+          <a:lstStyle/>
+          <a:p>
+            <a:r>
+              <a:rPr lang="en-US" dirty="0"/>
+              <a:t>Query</a:t>
+            </a:r>
+          </a:p>
+        </p:txBody>
+      </p:sp>
+      <p:sp>
+        <p:nvSpPr>
+          <p:cNvPr id="3" name="Content Placeholder 2">
+            <a:extLst>
+              <a:ext uri="{FF2B5EF4-FFF2-40B4-BE49-F238E27FC236}">
+                <a16:creationId xmlns:a16="http://schemas.microsoft.com/office/drawing/2014/main" id="{2E607548-B5EE-C430-1A6A-766B11185DF9}"/>
+              </a:ext>
+            </a:extLst>
+          </p:cNvPr>
+          <p:cNvSpPr>
+            <a:spLocks noGrp="1"/>
+          </p:cNvSpPr>
+          <p:nvPr>
+            <p:ph idx="1"/>
+          </p:nvPr>
+        </p:nvSpPr>
+        <p:spPr>
+          <a:xfrm>
+            <a:off x="3742403" y="1825625"/>
+            <a:ext cx="4707194" cy="1603375"/>
+          </a:xfrm>
+        </p:spPr>
+        <p:txBody>
+          <a:bodyPr/>
+          <a:lstStyle/>
+          <a:p>
+            <a:pPr marL="0" indent="0">
+              <a:buNone/>
+            </a:pPr>
+            <a:r>
+              <a:rPr lang="en-US" dirty="0">
+                <a:solidFill>
+                  <a:srgbClr val="0070C0"/>
+                </a:solidFill>
+              </a:rPr>
+              <a:t>SELECT</a:t>
+            </a:r>
+            <a:r>
+              <a:rPr lang="en-US" dirty="0"/>
+              <a:t> name, salary </a:t>
+            </a:r>
+          </a:p>
+          <a:p>
+            <a:pPr marL="0" indent="0">
+              <a:buNone/>
+            </a:pPr>
+            <a:r>
+              <a:rPr lang="en-US" dirty="0">
+                <a:solidFill>
+                  <a:srgbClr val="0070C0"/>
+                </a:solidFill>
+              </a:rPr>
+              <a:t>FROM</a:t>
+            </a:r>
+            <a:r>
+              <a:rPr lang="en-US" dirty="0"/>
+              <a:t> employees </a:t>
+            </a:r>
+          </a:p>
+          <a:p>
+            <a:pPr marL="0" indent="0">
+              <a:buNone/>
+            </a:pPr>
+            <a:r>
+              <a:rPr lang="en-US" dirty="0">
+                <a:solidFill>
+                  <a:srgbClr val="0070C0"/>
+                </a:solidFill>
+              </a:rPr>
+              <a:t>WHERE</a:t>
+            </a:r>
+            <a:r>
+              <a:rPr lang="en-US" dirty="0"/>
+              <a:t> department = 'HR';</a:t>
+            </a:r>
+          </a:p>
+        </p:txBody>
+      </p:sp>
+    </p:spTree>
+    <p:extLst>
+      <p:ext uri="{BB962C8B-B14F-4D97-AF65-F5344CB8AC3E}">
+        <p14:creationId xmlns:p14="http://schemas.microsoft.com/office/powerpoint/2010/main" val="1623613776"/>
+      </p:ext>
+    </p:extLst>
+  </p:cSld>
+  <p:clrMapOvr>
+    <a:masterClrMapping/>
+  </p:clrMapOvr>
+</p:sld>
+</file>
+
 <file path=ppt/slides/slide4.xml><?xml version="1.0" encoding="utf-8"?>
 <p:sld xmlns:a="http://schemas.openxmlformats.org/drawingml/2006/main" xmlns:r="http://schemas.openxmlformats.org/officeDocument/2006/relationships" xmlns:p="http://schemas.openxmlformats.org/presentationml/2006/main">
   <p:cSld>
@@ -4381,142 +5981,6 @@
           <p:cNvPr id="2" name="Title 1">
             <a:extLst>
               <a:ext uri="{FF2B5EF4-FFF2-40B4-BE49-F238E27FC236}">
-                <a16:creationId xmlns:a16="http://schemas.microsoft.com/office/drawing/2014/main" id="{647417F3-DF19-319F-32F9-2ACA19D2CB0D}"/>
-              </a:ext>
-            </a:extLst>
-          </p:cNvPr>
-          <p:cNvSpPr>
-            <a:spLocks noGrp="1"/>
-          </p:cNvSpPr>
-          <p:nvPr>
-            <p:ph type="title"/>
-          </p:nvPr>
-        </p:nvSpPr>
-        <p:spPr/>
-        <p:txBody>
-          <a:bodyPr/>
-          <a:lstStyle/>
-          <a:p>
-            <a:r>
-              <a:rPr lang="en-US" dirty="0"/>
-              <a:t>Query</a:t>
-            </a:r>
-          </a:p>
-        </p:txBody>
-      </p:sp>
-      <p:sp>
-        <p:nvSpPr>
-          <p:cNvPr id="3" name="Content Placeholder 2">
-            <a:extLst>
-              <a:ext uri="{FF2B5EF4-FFF2-40B4-BE49-F238E27FC236}">
-                <a16:creationId xmlns:a16="http://schemas.microsoft.com/office/drawing/2014/main" id="{2E607548-B5EE-C430-1A6A-766B11185DF9}"/>
-              </a:ext>
-            </a:extLst>
-          </p:cNvPr>
-          <p:cNvSpPr>
-            <a:spLocks noGrp="1"/>
-          </p:cNvSpPr>
-          <p:nvPr>
-            <p:ph idx="1"/>
-          </p:nvPr>
-        </p:nvSpPr>
-        <p:spPr>
-          <a:xfrm>
-            <a:off x="3742403" y="1825625"/>
-            <a:ext cx="4707194" cy="1603375"/>
-          </a:xfrm>
-        </p:spPr>
-        <p:txBody>
-          <a:bodyPr/>
-          <a:lstStyle/>
-          <a:p>
-            <a:pPr marL="0" indent="0">
-              <a:buNone/>
-            </a:pPr>
-            <a:r>
-              <a:rPr lang="en-US" dirty="0">
-                <a:solidFill>
-                  <a:srgbClr val="0070C0"/>
-                </a:solidFill>
-              </a:rPr>
-              <a:t>SELECT</a:t>
-            </a:r>
-            <a:r>
-              <a:rPr lang="en-US" dirty="0"/>
-              <a:t> name, salary </a:t>
-            </a:r>
-          </a:p>
-          <a:p>
-            <a:pPr marL="0" indent="0">
-              <a:buNone/>
-            </a:pPr>
-            <a:r>
-              <a:rPr lang="en-US" dirty="0">
-                <a:solidFill>
-                  <a:srgbClr val="0070C0"/>
-                </a:solidFill>
-              </a:rPr>
-              <a:t>FROM</a:t>
-            </a:r>
-            <a:r>
-              <a:rPr lang="en-US" dirty="0"/>
-              <a:t> employees </a:t>
-            </a:r>
-          </a:p>
-          <a:p>
-            <a:pPr marL="0" indent="0">
-              <a:buNone/>
-            </a:pPr>
-            <a:r>
-              <a:rPr lang="en-US" dirty="0">
-                <a:solidFill>
-                  <a:srgbClr val="0070C0"/>
-                </a:solidFill>
-              </a:rPr>
-              <a:t>WHERE</a:t>
-            </a:r>
-            <a:r>
-              <a:rPr lang="en-US" dirty="0"/>
-              <a:t> department = 'HR';</a:t>
-            </a:r>
-          </a:p>
-        </p:txBody>
-      </p:sp>
-    </p:spTree>
-    <p:extLst>
-      <p:ext uri="{BB962C8B-B14F-4D97-AF65-F5344CB8AC3E}">
-        <p14:creationId xmlns:p14="http://schemas.microsoft.com/office/powerpoint/2010/main" val="1623613776"/>
-      </p:ext>
-    </p:extLst>
-  </p:cSld>
-  <p:clrMapOvr>
-    <a:masterClrMapping/>
-  </p:clrMapOvr>
-</p:sld>
-</file>
-
-<file path=ppt/slides/slide5.xml><?xml version="1.0" encoding="utf-8"?>
-<p:sld xmlns:a="http://schemas.openxmlformats.org/drawingml/2006/main" xmlns:r="http://schemas.openxmlformats.org/officeDocument/2006/relationships" xmlns:p="http://schemas.openxmlformats.org/presentationml/2006/main">
-  <p:cSld>
-    <p:spTree>
-      <p:nvGrpSpPr>
-        <p:cNvPr id="1" name=""/>
-        <p:cNvGrpSpPr/>
-        <p:nvPr/>
-      </p:nvGrpSpPr>
-      <p:grpSpPr>
-        <a:xfrm>
-          <a:off x="0" y="0"/>
-          <a:ext cx="0" cy="0"/>
-          <a:chOff x="0" y="0"/>
-          <a:chExt cx="0" cy="0"/>
-        </a:xfrm>
-      </p:grpSpPr>
-      <p:sp>
-        <p:nvSpPr>
-          <p:cNvPr id="2" name="Title 1">
-            <a:extLst>
-              <a:ext uri="{FF2B5EF4-FFF2-40B4-BE49-F238E27FC236}">
                 <a16:creationId xmlns:a16="http://schemas.microsoft.com/office/drawing/2014/main" id="{F25C5E9F-B5D6-32AD-DF4F-3DCF41C8E14D}"/>
               </a:ext>
             </a:extLst>
@@ -4580,6 +6044,61 @@
               <a:buNone/>
             </a:pPr>
             <a:r>
+              <a:rPr lang="en-US" b="1" dirty="0">
+                <a:solidFill>
+                  <a:srgbClr val="0000FF"/>
+                </a:solidFill>
+                <a:effectLst/>
+                <a:latin typeface="Consolas" panose="020B0609020204030204" pitchFamily="49" charset="0"/>
+              </a:rPr>
+              <a:t>DECLARE</a:t>
+            </a:r>
+            <a:endParaRPr lang="en-US" b="1" dirty="0">
+              <a:solidFill>
+                <a:srgbClr val="000000"/>
+              </a:solidFill>
+              <a:effectLst/>
+              <a:latin typeface="Consolas" panose="020B0609020204030204" pitchFamily="49" charset="0"/>
+            </a:endParaRPr>
+          </a:p>
+          <a:p>
+            <a:pPr>
+              <a:lnSpc>
+                <a:spcPct val="150000"/>
+              </a:lnSpc>
+              <a:buNone/>
+            </a:pPr>
+            <a:r>
+              <a:rPr lang="en-US" b="0" dirty="0">
+                <a:solidFill>
+                  <a:srgbClr val="000000"/>
+                </a:solidFill>
+                <a:effectLst/>
+                <a:latin typeface="Consolas" panose="020B0609020204030204" pitchFamily="49" charset="0"/>
+              </a:rPr>
+              <a:t>  </a:t>
+            </a:r>
+            <a:r>
+              <a:rPr lang="en-US" b="0" dirty="0" err="1">
+                <a:solidFill>
+                  <a:srgbClr val="000000"/>
+                </a:solidFill>
+                <a:effectLst/>
+                <a:latin typeface="Consolas" panose="020B0609020204030204" pitchFamily="49" charset="0"/>
+              </a:rPr>
+              <a:t>v_salary</a:t>
+            </a:r>
+            <a:r>
+              <a:rPr lang="en-US" b="0" dirty="0">
+                <a:solidFill>
+                  <a:srgbClr val="000000"/>
+                </a:solidFill>
+                <a:effectLst/>
+                <a:latin typeface="Consolas" panose="020B0609020204030204" pitchFamily="49" charset="0"/>
+              </a:rPr>
+              <a:t> </a:t>
+            </a:r>
+            <a:r>
               <a:rPr lang="en-US" b="0" dirty="0">
                 <a:solidFill>
                   <a:srgbClr val="0000FF"/>
@@ -4587,7 +6106,268 @@
                 <a:effectLst/>
                 <a:latin typeface="Consolas" panose="020B0609020204030204" pitchFamily="49" charset="0"/>
               </a:rPr>
-              <a:t>DECLARE</a:t>
+              <a:t>NUMBER</a:t>
+            </a:r>
+            <a:r>
+              <a:rPr lang="en-US" b="0" dirty="0">
+                <a:solidFill>
+                  <a:srgbClr val="000000"/>
+                </a:solidFill>
+                <a:effectLst/>
+                <a:latin typeface="Consolas" panose="020B0609020204030204" pitchFamily="49" charset="0"/>
+              </a:rPr>
+              <a:t>;</a:t>
+            </a:r>
+          </a:p>
+          <a:p>
+            <a:pPr>
+              <a:lnSpc>
+                <a:spcPct val="150000"/>
+              </a:lnSpc>
+              <a:buNone/>
+            </a:pPr>
+            <a:r>
+              <a:rPr lang="en-US" b="1" dirty="0">
+                <a:solidFill>
+                  <a:srgbClr val="0000FF"/>
+                </a:solidFill>
+                <a:effectLst/>
+                <a:latin typeface="Consolas" panose="020B0609020204030204" pitchFamily="49" charset="0"/>
+              </a:rPr>
+              <a:t>BEGIN</a:t>
+            </a:r>
+            <a:endParaRPr lang="en-US" b="1" dirty="0">
+              <a:solidFill>
+                <a:srgbClr val="000000"/>
+              </a:solidFill>
+              <a:effectLst/>
+              <a:latin typeface="Consolas" panose="020B0609020204030204" pitchFamily="49" charset="0"/>
+            </a:endParaRPr>
+          </a:p>
+          <a:p>
+            <a:pPr>
+              <a:lnSpc>
+                <a:spcPct val="150000"/>
+              </a:lnSpc>
+              <a:buNone/>
+            </a:pPr>
+            <a:r>
+              <a:rPr lang="en-US" b="0" dirty="0">
+                <a:solidFill>
+                  <a:srgbClr val="000000"/>
+                </a:solidFill>
+                <a:effectLst/>
+                <a:latin typeface="Consolas" panose="020B0609020204030204" pitchFamily="49" charset="0"/>
+              </a:rPr>
+              <a:t>  </a:t>
+            </a:r>
+            <a:r>
+              <a:rPr lang="en-US" b="0" dirty="0">
+                <a:solidFill>
+                  <a:srgbClr val="0000FF"/>
+                </a:solidFill>
+                <a:effectLst/>
+                <a:latin typeface="Consolas" panose="020B0609020204030204" pitchFamily="49" charset="0"/>
+              </a:rPr>
+              <a:t>SELECT</a:t>
+            </a:r>
+            <a:r>
+              <a:rPr lang="en-US" b="0" dirty="0">
+                <a:solidFill>
+                  <a:srgbClr val="000000"/>
+                </a:solidFill>
+                <a:effectLst/>
+                <a:latin typeface="Consolas" panose="020B0609020204030204" pitchFamily="49" charset="0"/>
+              </a:rPr>
+              <a:t> salary </a:t>
+            </a:r>
+            <a:r>
+              <a:rPr lang="en-US" b="0" dirty="0">
+                <a:solidFill>
+                  <a:srgbClr val="0000FF"/>
+                </a:solidFill>
+                <a:effectLst/>
+                <a:latin typeface="Consolas" panose="020B0609020204030204" pitchFamily="49" charset="0"/>
+              </a:rPr>
+              <a:t>INTO</a:t>
+            </a:r>
+            <a:r>
+              <a:rPr lang="en-US" b="0" dirty="0">
+                <a:solidFill>
+                  <a:srgbClr val="000000"/>
+                </a:solidFill>
+                <a:effectLst/>
+                <a:latin typeface="Consolas" panose="020B0609020204030204" pitchFamily="49" charset="0"/>
+              </a:rPr>
+              <a:t> </a:t>
+            </a:r>
+            <a:r>
+              <a:rPr lang="en-US" b="0" dirty="0" err="1">
+                <a:solidFill>
+                  <a:srgbClr val="000000"/>
+                </a:solidFill>
+                <a:effectLst/>
+                <a:latin typeface="Consolas" panose="020B0609020204030204" pitchFamily="49" charset="0"/>
+              </a:rPr>
+              <a:t>v_salary</a:t>
+            </a:r>
+            <a:r>
+              <a:rPr lang="en-US" b="0" dirty="0">
+                <a:solidFill>
+                  <a:srgbClr val="000000"/>
+                </a:solidFill>
+                <a:effectLst/>
+                <a:latin typeface="Consolas" panose="020B0609020204030204" pitchFamily="49" charset="0"/>
+              </a:rPr>
+              <a:t> </a:t>
+            </a:r>
+            <a:r>
+              <a:rPr lang="en-US" b="0" dirty="0">
+                <a:solidFill>
+                  <a:srgbClr val="0000FF"/>
+                </a:solidFill>
+                <a:effectLst/>
+                <a:latin typeface="Consolas" panose="020B0609020204030204" pitchFamily="49" charset="0"/>
+              </a:rPr>
+              <a:t>FROM</a:t>
+            </a:r>
+            <a:r>
+              <a:rPr lang="en-US" b="0" dirty="0">
+                <a:solidFill>
+                  <a:srgbClr val="000000"/>
+                </a:solidFill>
+                <a:effectLst/>
+                <a:latin typeface="Consolas" panose="020B0609020204030204" pitchFamily="49" charset="0"/>
+              </a:rPr>
+              <a:t> employees </a:t>
+            </a:r>
+            <a:r>
+              <a:rPr lang="en-US" b="0" dirty="0">
+                <a:solidFill>
+                  <a:srgbClr val="0000FF"/>
+                </a:solidFill>
+                <a:effectLst/>
+                <a:latin typeface="Consolas" panose="020B0609020204030204" pitchFamily="49" charset="0"/>
+              </a:rPr>
+              <a:t>WHERE</a:t>
+            </a:r>
+            <a:r>
+              <a:rPr lang="en-US" b="0" dirty="0">
+                <a:solidFill>
+                  <a:srgbClr val="000000"/>
+                </a:solidFill>
+                <a:effectLst/>
+                <a:latin typeface="Consolas" panose="020B0609020204030204" pitchFamily="49" charset="0"/>
+              </a:rPr>
+              <a:t> id = </a:t>
+            </a:r>
+            <a:r>
+              <a:rPr lang="en-US" b="0" dirty="0">
+                <a:solidFill>
+                  <a:srgbClr val="098658"/>
+                </a:solidFill>
+                <a:effectLst/>
+                <a:latin typeface="Consolas" panose="020B0609020204030204" pitchFamily="49" charset="0"/>
+              </a:rPr>
+              <a:t>101</a:t>
+            </a:r>
+            <a:r>
+              <a:rPr lang="en-US" b="0" dirty="0">
+                <a:solidFill>
+                  <a:srgbClr val="000000"/>
+                </a:solidFill>
+                <a:effectLst/>
+                <a:latin typeface="Consolas" panose="020B0609020204030204" pitchFamily="49" charset="0"/>
+              </a:rPr>
+              <a:t>;</a:t>
+            </a:r>
+          </a:p>
+          <a:p>
+            <a:pPr>
+              <a:lnSpc>
+                <a:spcPct val="150000"/>
+              </a:lnSpc>
+              <a:buNone/>
+            </a:pPr>
+            <a:r>
+              <a:rPr lang="en-US" b="0" dirty="0">
+                <a:solidFill>
+                  <a:srgbClr val="000000"/>
+                </a:solidFill>
+                <a:effectLst/>
+                <a:latin typeface="Consolas" panose="020B0609020204030204" pitchFamily="49" charset="0"/>
+              </a:rPr>
+              <a:t>  </a:t>
+            </a:r>
+            <a:r>
+              <a:rPr lang="en-US" b="0" dirty="0">
+                <a:solidFill>
+                  <a:srgbClr val="0000FF"/>
+                </a:solidFill>
+                <a:effectLst/>
+                <a:latin typeface="Consolas" panose="020B0609020204030204" pitchFamily="49" charset="0"/>
+              </a:rPr>
+              <a:t>IF</a:t>
+            </a:r>
+            <a:r>
+              <a:rPr lang="en-US" b="0" dirty="0">
+                <a:solidFill>
+                  <a:srgbClr val="000000"/>
+                </a:solidFill>
+                <a:effectLst/>
+                <a:latin typeface="Consolas" panose="020B0609020204030204" pitchFamily="49" charset="0"/>
+              </a:rPr>
+              <a:t> </a:t>
+            </a:r>
+            <a:r>
+              <a:rPr lang="en-US" b="0" dirty="0" err="1">
+                <a:solidFill>
+                  <a:srgbClr val="000000"/>
+                </a:solidFill>
+                <a:effectLst/>
+                <a:latin typeface="Consolas" panose="020B0609020204030204" pitchFamily="49" charset="0"/>
+              </a:rPr>
+              <a:t>v_salary</a:t>
+            </a:r>
+            <a:r>
+              <a:rPr lang="en-US" b="0" dirty="0">
+                <a:solidFill>
+                  <a:srgbClr val="000000"/>
+                </a:solidFill>
+                <a:effectLst/>
+                <a:latin typeface="Consolas" panose="020B0609020204030204" pitchFamily="49" charset="0"/>
+              </a:rPr>
+              <a:t> &gt; </a:t>
+            </a:r>
+            <a:r>
+              <a:rPr lang="en-US" b="0" dirty="0">
+                <a:solidFill>
+                  <a:srgbClr val="098658"/>
+                </a:solidFill>
+                <a:effectLst/>
+                <a:latin typeface="Consolas" panose="020B0609020204030204" pitchFamily="49" charset="0"/>
+              </a:rPr>
+              <a:t>50000</a:t>
+            </a:r>
+            <a:r>
+              <a:rPr lang="en-US" b="0" dirty="0">
+                <a:solidFill>
+                  <a:srgbClr val="000000"/>
+                </a:solidFill>
+                <a:effectLst/>
+                <a:latin typeface="Consolas" panose="020B0609020204030204" pitchFamily="49" charset="0"/>
+              </a:rPr>
+              <a:t> </a:t>
+            </a:r>
+            <a:r>
+              <a:rPr lang="en-US" b="0" dirty="0">
+                <a:solidFill>
+                  <a:srgbClr val="0000FF"/>
+                </a:solidFill>
+                <a:effectLst/>
+                <a:latin typeface="Consolas" panose="020B0609020204030204" pitchFamily="49" charset="0"/>
+              </a:rPr>
+              <a:t>THEN</a:t>
             </a:r>
             <a:endParaRPr lang="en-US" b="0" dirty="0">
               <a:solidFill>
@@ -4612,17 +6392,17 @@
                 <a:effectLst/>
                 <a:latin typeface="Consolas" panose="020B0609020204030204" pitchFamily="49" charset="0"/>
               </a:rPr>
-              <a:t>  </a:t>
-            </a:r>
-            <a:r>
-              <a:rPr lang="en-US" b="0" dirty="0" err="1">
+              <a:t>    DBMS_OUTPUT.PUT_LINE(</a:t>
+            </a:r>
+            <a:r>
+              <a:rPr lang="en-US" b="0" dirty="0">
                 <a:solidFill>
-                  <a:srgbClr val="000000"/>
+                  <a:srgbClr val="A31515"/>
                 </a:solidFill>
                 <a:effectLst/>
                 <a:latin typeface="Consolas" panose="020B0609020204030204" pitchFamily="49" charset="0"/>
               </a:rPr>
-              <a:t>v_salary</a:t>
+              <a:t>'High salary'</a:t>
             </a:r>
             <a:r>
               <a:rPr lang="en-US" b="0" dirty="0">
@@ -4632,7 +6412,25 @@
                 <a:effectLst/>
                 <a:latin typeface="Consolas" panose="020B0609020204030204" pitchFamily="49" charset="0"/>
               </a:rPr>
-              <a:t> </a:t>
+              <a:t>);</a:t>
+            </a:r>
+          </a:p>
+          <a:p>
+            <a:pPr>
+              <a:lnSpc>
+                <a:spcPct val="150000"/>
+              </a:lnSpc>
+              <a:buNone/>
+            </a:pPr>
+            <a:r>
+              <a:rPr lang="en-US" b="0" dirty="0">
+                <a:solidFill>
+                  <a:srgbClr val="000000"/>
+                </a:solidFill>
+                <a:effectLst/>
+                <a:latin typeface="Consolas" panose="020B0609020204030204" pitchFamily="49" charset="0"/>
+              </a:rPr>
+              <a:t>  </a:t>
             </a:r>
             <a:r>
               <a:rPr lang="en-US" b="0" dirty="0">
@@ -4642,35 +6440,7 @@
                 <a:effectLst/>
                 <a:latin typeface="Consolas" panose="020B0609020204030204" pitchFamily="49" charset="0"/>
               </a:rPr>
-              <a:t>NUMBER</a:t>
-            </a:r>
-            <a:r>
-              <a:rPr lang="en-US" b="0" dirty="0">
-                <a:solidFill>
-                  <a:srgbClr val="000000"/>
-                </a:solidFill>
-                <a:effectLst/>
-                <a:latin typeface="Consolas" panose="020B0609020204030204" pitchFamily="49" charset="0"/>
-              </a:rPr>
-              <a:t>;</a:t>
-            </a:r>
-          </a:p>
-          <a:p>
-            <a:pPr>
-              <a:lnSpc>
-                <a:spcPct val="150000"/>
-              </a:lnSpc>
-              <a:buNone/>
-            </a:pPr>
-            <a:r>
-              <a:rPr lang="en-US" b="0" dirty="0">
-                <a:solidFill>
-                  <a:srgbClr val="0000FF"/>
-                </a:solidFill>
-                <a:effectLst/>
-                <a:latin typeface="Consolas" panose="020B0609020204030204" pitchFamily="49" charset="0"/>
-              </a:rPr>
-              <a:t>BEGIN</a:t>
+              <a:t>ELSE</a:t>
             </a:r>
             <a:endParaRPr lang="en-US" b="0" dirty="0">
               <a:solidFill>
@@ -4695,312 +6465,6 @@
                 <a:effectLst/>
                 <a:latin typeface="Consolas" panose="020B0609020204030204" pitchFamily="49" charset="0"/>
               </a:rPr>
-              <a:t>  </a:t>
-            </a:r>
-            <a:r>
-              <a:rPr lang="en-US" b="0" dirty="0">
-                <a:solidFill>
-                  <a:srgbClr val="0000FF"/>
-                </a:solidFill>
-                <a:effectLst/>
-                <a:latin typeface="Consolas" panose="020B0609020204030204" pitchFamily="49" charset="0"/>
-              </a:rPr>
-              <a:t>SELECT</a:t>
-            </a:r>
-            <a:r>
-              <a:rPr lang="en-US" b="0" dirty="0">
-                <a:solidFill>
-                  <a:srgbClr val="000000"/>
-                </a:solidFill>
-                <a:effectLst/>
-                <a:latin typeface="Consolas" panose="020B0609020204030204" pitchFamily="49" charset="0"/>
-              </a:rPr>
-              <a:t> salary </a:t>
-            </a:r>
-            <a:r>
-              <a:rPr lang="en-US" b="0" dirty="0">
-                <a:solidFill>
-                  <a:srgbClr val="0000FF"/>
-                </a:solidFill>
-                <a:effectLst/>
-                <a:latin typeface="Consolas" panose="020B0609020204030204" pitchFamily="49" charset="0"/>
-              </a:rPr>
-              <a:t>INTO</a:t>
-            </a:r>
-            <a:r>
-              <a:rPr lang="en-US" b="0" dirty="0">
-                <a:solidFill>
-                  <a:srgbClr val="000000"/>
-                </a:solidFill>
-                <a:effectLst/>
-                <a:latin typeface="Consolas" panose="020B0609020204030204" pitchFamily="49" charset="0"/>
-              </a:rPr>
-              <a:t> </a:t>
-            </a:r>
-            <a:r>
-              <a:rPr lang="en-US" b="0" dirty="0" err="1">
-                <a:solidFill>
-                  <a:srgbClr val="000000"/>
-                </a:solidFill>
-                <a:effectLst/>
-                <a:latin typeface="Consolas" panose="020B0609020204030204" pitchFamily="49" charset="0"/>
-              </a:rPr>
-              <a:t>v_salary</a:t>
-            </a:r>
-            <a:r>
-              <a:rPr lang="en-US" b="0" dirty="0">
-                <a:solidFill>
-                  <a:srgbClr val="000000"/>
-                </a:solidFill>
-                <a:effectLst/>
-                <a:latin typeface="Consolas" panose="020B0609020204030204" pitchFamily="49" charset="0"/>
-              </a:rPr>
-              <a:t> </a:t>
-            </a:r>
-            <a:r>
-              <a:rPr lang="en-US" b="0" dirty="0">
-                <a:solidFill>
-                  <a:srgbClr val="0000FF"/>
-                </a:solidFill>
-                <a:effectLst/>
-                <a:latin typeface="Consolas" panose="020B0609020204030204" pitchFamily="49" charset="0"/>
-              </a:rPr>
-              <a:t>FROM</a:t>
-            </a:r>
-            <a:r>
-              <a:rPr lang="en-US" b="0" dirty="0">
-                <a:solidFill>
-                  <a:srgbClr val="000000"/>
-                </a:solidFill>
-                <a:effectLst/>
-                <a:latin typeface="Consolas" panose="020B0609020204030204" pitchFamily="49" charset="0"/>
-              </a:rPr>
-              <a:t> employees </a:t>
-            </a:r>
-            <a:r>
-              <a:rPr lang="en-US" b="0" dirty="0">
-                <a:solidFill>
-                  <a:srgbClr val="0000FF"/>
-                </a:solidFill>
-                <a:effectLst/>
-                <a:latin typeface="Consolas" panose="020B0609020204030204" pitchFamily="49" charset="0"/>
-              </a:rPr>
-              <a:t>WHERE</a:t>
-            </a:r>
-            <a:r>
-              <a:rPr lang="en-US" b="0" dirty="0">
-                <a:solidFill>
-                  <a:srgbClr val="000000"/>
-                </a:solidFill>
-                <a:effectLst/>
-                <a:latin typeface="Consolas" panose="020B0609020204030204" pitchFamily="49" charset="0"/>
-              </a:rPr>
-              <a:t> id = </a:t>
-            </a:r>
-            <a:r>
-              <a:rPr lang="en-US" b="0" dirty="0">
-                <a:solidFill>
-                  <a:srgbClr val="098658"/>
-                </a:solidFill>
-                <a:effectLst/>
-                <a:latin typeface="Consolas" panose="020B0609020204030204" pitchFamily="49" charset="0"/>
-              </a:rPr>
-              <a:t>101</a:t>
-            </a:r>
-            <a:r>
-              <a:rPr lang="en-US" b="0" dirty="0">
-                <a:solidFill>
-                  <a:srgbClr val="000000"/>
-                </a:solidFill>
-                <a:effectLst/>
-                <a:latin typeface="Consolas" panose="020B0609020204030204" pitchFamily="49" charset="0"/>
-              </a:rPr>
-              <a:t>;</a:t>
-            </a:r>
-          </a:p>
-          <a:p>
-            <a:pPr>
-              <a:lnSpc>
-                <a:spcPct val="150000"/>
-              </a:lnSpc>
-              <a:buNone/>
-            </a:pPr>
-            <a:r>
-              <a:rPr lang="en-US" b="0" dirty="0">
-                <a:solidFill>
-                  <a:srgbClr val="000000"/>
-                </a:solidFill>
-                <a:effectLst/>
-                <a:latin typeface="Consolas" panose="020B0609020204030204" pitchFamily="49" charset="0"/>
-              </a:rPr>
-              <a:t>  </a:t>
-            </a:r>
-            <a:r>
-              <a:rPr lang="en-US" b="0" dirty="0">
-                <a:solidFill>
-                  <a:srgbClr val="0000FF"/>
-                </a:solidFill>
-                <a:effectLst/>
-                <a:latin typeface="Consolas" panose="020B0609020204030204" pitchFamily="49" charset="0"/>
-              </a:rPr>
-              <a:t>IF</a:t>
-            </a:r>
-            <a:r>
-              <a:rPr lang="en-US" b="0" dirty="0">
-                <a:solidFill>
-                  <a:srgbClr val="000000"/>
-                </a:solidFill>
-                <a:effectLst/>
-                <a:latin typeface="Consolas" panose="020B0609020204030204" pitchFamily="49" charset="0"/>
-              </a:rPr>
-              <a:t> </a:t>
-            </a:r>
-            <a:r>
-              <a:rPr lang="en-US" b="0" dirty="0" err="1">
-                <a:solidFill>
-                  <a:srgbClr val="000000"/>
-                </a:solidFill>
-                <a:effectLst/>
-                <a:latin typeface="Consolas" panose="020B0609020204030204" pitchFamily="49" charset="0"/>
-              </a:rPr>
-              <a:t>v_salary</a:t>
-            </a:r>
-            <a:r>
-              <a:rPr lang="en-US" b="0" dirty="0">
-                <a:solidFill>
-                  <a:srgbClr val="000000"/>
-                </a:solidFill>
-                <a:effectLst/>
-                <a:latin typeface="Consolas" panose="020B0609020204030204" pitchFamily="49" charset="0"/>
-              </a:rPr>
-              <a:t> &gt; </a:t>
-            </a:r>
-            <a:r>
-              <a:rPr lang="en-US" b="0" dirty="0">
-                <a:solidFill>
-                  <a:srgbClr val="098658"/>
-                </a:solidFill>
-                <a:effectLst/>
-                <a:latin typeface="Consolas" panose="020B0609020204030204" pitchFamily="49" charset="0"/>
-              </a:rPr>
-              <a:t>50000</a:t>
-            </a:r>
-            <a:r>
-              <a:rPr lang="en-US" b="0" dirty="0">
-                <a:solidFill>
-                  <a:srgbClr val="000000"/>
-                </a:solidFill>
-                <a:effectLst/>
-                <a:latin typeface="Consolas" panose="020B0609020204030204" pitchFamily="49" charset="0"/>
-              </a:rPr>
-              <a:t> </a:t>
-            </a:r>
-            <a:r>
-              <a:rPr lang="en-US" b="0" dirty="0">
-                <a:solidFill>
-                  <a:srgbClr val="0000FF"/>
-                </a:solidFill>
-                <a:effectLst/>
-                <a:latin typeface="Consolas" panose="020B0609020204030204" pitchFamily="49" charset="0"/>
-              </a:rPr>
-              <a:t>THEN</a:t>
-            </a:r>
-            <a:endParaRPr lang="en-US" b="0" dirty="0">
-              <a:solidFill>
-                <a:srgbClr val="000000"/>
-              </a:solidFill>
-              <a:effectLst/>
-              <a:latin typeface="Consolas" panose="020B0609020204030204" pitchFamily="49" charset="0"/>
-            </a:endParaRPr>
-          </a:p>
-          <a:p>
-            <a:pPr>
-              <a:lnSpc>
-                <a:spcPct val="150000"/>
-              </a:lnSpc>
-              <a:buNone/>
-            </a:pPr>
-            <a:r>
-              <a:rPr lang="en-US" b="0" dirty="0">
-                <a:solidFill>
-                  <a:srgbClr val="000000"/>
-                </a:solidFill>
-                <a:effectLst/>
-                <a:latin typeface="Consolas" panose="020B0609020204030204" pitchFamily="49" charset="0"/>
-              </a:rPr>
-              <a:t>    DBMS_OUTPUT.PUT_LINE(</a:t>
-            </a:r>
-            <a:r>
-              <a:rPr lang="en-US" b="0" dirty="0">
-                <a:solidFill>
-                  <a:srgbClr val="A31515"/>
-                </a:solidFill>
-                <a:effectLst/>
-                <a:latin typeface="Consolas" panose="020B0609020204030204" pitchFamily="49" charset="0"/>
-              </a:rPr>
-              <a:t>'High salary'</a:t>
-            </a:r>
-            <a:r>
-              <a:rPr lang="en-US" b="0" dirty="0">
-                <a:solidFill>
-                  <a:srgbClr val="000000"/>
-                </a:solidFill>
-                <a:effectLst/>
-                <a:latin typeface="Consolas" panose="020B0609020204030204" pitchFamily="49" charset="0"/>
-              </a:rPr>
-              <a:t>);</a:t>
-            </a:r>
-          </a:p>
-          <a:p>
-            <a:pPr>
-              <a:lnSpc>
-                <a:spcPct val="150000"/>
-              </a:lnSpc>
-              <a:buNone/>
-            </a:pPr>
-            <a:r>
-              <a:rPr lang="en-US" b="0" dirty="0">
-                <a:solidFill>
-                  <a:srgbClr val="000000"/>
-                </a:solidFill>
-                <a:effectLst/>
-                <a:latin typeface="Consolas" panose="020B0609020204030204" pitchFamily="49" charset="0"/>
-              </a:rPr>
-              <a:t>  </a:t>
-            </a:r>
-            <a:r>
-              <a:rPr lang="en-US" b="0" dirty="0">
-                <a:solidFill>
-                  <a:srgbClr val="0000FF"/>
-                </a:solidFill>
-                <a:effectLst/>
-                <a:latin typeface="Consolas" panose="020B0609020204030204" pitchFamily="49" charset="0"/>
-              </a:rPr>
-              <a:t>ELSE</a:t>
-            </a:r>
-            <a:endParaRPr lang="en-US" b="0" dirty="0">
-              <a:solidFill>
-                <a:srgbClr val="000000"/>
-              </a:solidFill>
-              <a:effectLst/>
-              <a:latin typeface="Consolas" panose="020B0609020204030204" pitchFamily="49" charset="0"/>
-            </a:endParaRPr>
-          </a:p>
-          <a:p>
-            <a:pPr>
-              <a:lnSpc>
-                <a:spcPct val="150000"/>
-              </a:lnSpc>
-              <a:buNone/>
-            </a:pPr>
-            <a:r>
-              <a:rPr lang="en-US" b="0" dirty="0">
-                <a:solidFill>
-                  <a:srgbClr val="000000"/>
-                </a:solidFill>
-                <a:effectLst/>
-                <a:latin typeface="Consolas" panose="020B0609020204030204" pitchFamily="49" charset="0"/>
-              </a:rPr>
               <a:t>    DBMS_OUTPUT.PUT_LINE(</a:t>
             </a:r>
             <a:r>
@@ -5089,7 +6553,7 @@
               </a:lnSpc>
             </a:pPr>
             <a:r>
-              <a:rPr lang="en-US" b="0" dirty="0">
+              <a:rPr lang="en-US" b="1" dirty="0">
                 <a:solidFill>
                   <a:srgbClr val="0000FF"/>
                 </a:solidFill>
@@ -5124,7 +6588,7 @@
 </p:sld>
 </file>
 
-<file path=ppt/slides/slide6.xml><?xml version="1.0" encoding="utf-8"?>
+<file path=ppt/slides/slide5.xml><?xml version="1.0" encoding="utf-8"?>
 <p:sld xmlns:a="http://schemas.openxmlformats.org/drawingml/2006/main" xmlns:r="http://schemas.openxmlformats.org/officeDocument/2006/relationships" xmlns:p="http://schemas.openxmlformats.org/presentationml/2006/main">
   <p:cSld>
     <p:bg>
@@ -5709,7 +7173,7 @@
 </p:sld>
 </file>
 
-<file path=ppt/slides/slide7.xml><?xml version="1.0" encoding="utf-8"?>
+<file path=ppt/slides/slide6.xml><?xml version="1.0" encoding="utf-8"?>
 <p:sld xmlns:a="http://schemas.openxmlformats.org/drawingml/2006/main" xmlns:r="http://schemas.openxmlformats.org/officeDocument/2006/relationships" xmlns:p="http://schemas.openxmlformats.org/presentationml/2006/main">
   <p:cSld>
     <p:bg>
@@ -5883,6 +7347,286 @@
 </p:sld>
 </file>
 
+<file path=ppt/slides/slide7.xml><?xml version="1.0" encoding="utf-8"?>
+<p:sld xmlns:a="http://schemas.openxmlformats.org/drawingml/2006/main" xmlns:r="http://schemas.openxmlformats.org/officeDocument/2006/relationships" xmlns:p="http://schemas.openxmlformats.org/presentationml/2006/main">
+  <p:cSld>
+    <p:spTree>
+      <p:nvGrpSpPr>
+        <p:cNvPr id="1" name=""/>
+        <p:cNvGrpSpPr/>
+        <p:nvPr/>
+      </p:nvGrpSpPr>
+      <p:grpSpPr>
+        <a:xfrm>
+          <a:off x="0" y="0"/>
+          <a:ext cx="0" cy="0"/>
+          <a:chOff x="0" y="0"/>
+          <a:chExt cx="0" cy="0"/>
+        </a:xfrm>
+      </p:grpSpPr>
+      <p:sp>
+        <p:nvSpPr>
+          <p:cNvPr id="2" name="Title 1">
+            <a:extLst>
+              <a:ext uri="{FF2B5EF4-FFF2-40B4-BE49-F238E27FC236}">
+                <a16:creationId xmlns:a16="http://schemas.microsoft.com/office/drawing/2014/main" id="{163280EC-301E-0437-5BCC-C524357744B6}"/>
+              </a:ext>
+            </a:extLst>
+          </p:cNvPr>
+          <p:cNvSpPr>
+            <a:spLocks noGrp="1"/>
+          </p:cNvSpPr>
+          <p:nvPr>
+            <p:ph type="title"/>
+          </p:nvPr>
+        </p:nvSpPr>
+        <p:spPr>
+          <a:xfrm>
+            <a:off x="511277" y="177646"/>
+            <a:ext cx="4608871" cy="637765"/>
+          </a:xfrm>
+        </p:spPr>
+        <p:txBody>
+          <a:bodyPr>
+            <a:normAutofit fontScale="90000"/>
+          </a:bodyPr>
+          <a:lstStyle/>
+          <a:p>
+            <a:r>
+              <a:rPr lang="en-US" dirty="0"/>
+              <a:t>Realtime scenarios</a:t>
+            </a:r>
+          </a:p>
+        </p:txBody>
+      </p:sp>
+      <p:sp>
+        <p:nvSpPr>
+          <p:cNvPr id="3" name="Content Placeholder 2">
+            <a:extLst>
+              <a:ext uri="{FF2B5EF4-FFF2-40B4-BE49-F238E27FC236}">
+                <a16:creationId xmlns:a16="http://schemas.microsoft.com/office/drawing/2014/main" id="{D96A2371-0D71-F694-AEFF-CF7585255872}"/>
+              </a:ext>
+            </a:extLst>
+          </p:cNvPr>
+          <p:cNvSpPr>
+            <a:spLocks noGrp="1"/>
+          </p:cNvSpPr>
+          <p:nvPr>
+            <p:ph idx="1"/>
+          </p:nvPr>
+        </p:nvSpPr>
+        <p:spPr>
+          <a:xfrm>
+            <a:off x="511277" y="904568"/>
+            <a:ext cx="11375923" cy="5456903"/>
+          </a:xfrm>
+        </p:spPr>
+        <p:txBody>
+          <a:bodyPr>
+            <a:normAutofit fontScale="92500" lnSpcReduction="10000"/>
+          </a:bodyPr>
+          <a:lstStyle/>
+          <a:p>
+            <a:pPr>
+              <a:buNone/>
+            </a:pPr>
+            <a:r>
+              <a:rPr lang="en-US" sz="1600" dirty="0"/>
+              <a:t>PL/SQL is widely used in real-world applications where procedural logic is required to handle complex database operations efficiently. </a:t>
+            </a:r>
+          </a:p>
+          <a:p>
+            <a:pPr>
+              <a:buNone/>
+            </a:pPr>
+            <a:r>
+              <a:rPr lang="en-US" sz="1600" dirty="0"/>
+              <a:t>Here are some real-time scenarios where PL/SQL becomes essential:</a:t>
+            </a:r>
+          </a:p>
+          <a:p>
+            <a:pPr>
+              <a:buNone/>
+            </a:pPr>
+            <a:r>
+              <a:rPr lang="en-US" sz="1600" b="1" dirty="0"/>
+              <a:t>1. Automated Salary Calculation</a:t>
+            </a:r>
+            <a:endParaRPr lang="en-US" sz="1600" dirty="0"/>
+          </a:p>
+          <a:p>
+            <a:pPr lvl="1"/>
+            <a:r>
+              <a:rPr lang="en-US" sz="1400" dirty="0"/>
+              <a:t>In an HR system, PL/SQL procedures can calculate salaries based on employee records, deductions, bonuses, and tax regulations.</a:t>
+            </a:r>
+          </a:p>
+          <a:p>
+            <a:pPr lvl="1"/>
+            <a:r>
+              <a:rPr lang="en-US" sz="1400" b="1" dirty="0"/>
+              <a:t>Example:</a:t>
+            </a:r>
+            <a:r>
+              <a:rPr lang="en-US" sz="1400" dirty="0"/>
+              <a:t> A stored procedure calculates net salary and updates the payroll table automatically.</a:t>
+            </a:r>
+          </a:p>
+          <a:p>
+            <a:pPr>
+              <a:buNone/>
+            </a:pPr>
+            <a:r>
+              <a:rPr lang="en-US" sz="1600" b="1" dirty="0"/>
+              <a:t>2. Banking Transactions (Funds Transfer)</a:t>
+            </a:r>
+            <a:endParaRPr lang="en-US" sz="1600" dirty="0"/>
+          </a:p>
+          <a:p>
+            <a:pPr lvl="1"/>
+            <a:r>
+              <a:rPr lang="en-US" sz="1400" dirty="0"/>
+              <a:t>Banks use PL/SQL to ensure transactional integrity when transferring funds between accounts.</a:t>
+            </a:r>
+          </a:p>
+          <a:p>
+            <a:pPr lvl="1"/>
+            <a:r>
+              <a:rPr lang="en-US" sz="1400" b="1" dirty="0"/>
+              <a:t>Example:</a:t>
+            </a:r>
+            <a:r>
+              <a:rPr lang="en-US" sz="1400" dirty="0"/>
+              <a:t> A PL/SQL block checks balances, deducts from the sender, adds to the receiver, and ensures rollback in case of failure.</a:t>
+            </a:r>
+          </a:p>
+          <a:p>
+            <a:pPr>
+              <a:buNone/>
+            </a:pPr>
+            <a:r>
+              <a:rPr lang="en-US" sz="1600" b="1" dirty="0"/>
+              <a:t>3. Inventory Management</a:t>
+            </a:r>
+            <a:endParaRPr lang="en-US" sz="1600" dirty="0"/>
+          </a:p>
+          <a:p>
+            <a:pPr lvl="1"/>
+            <a:r>
+              <a:rPr lang="en-US" sz="1400" dirty="0"/>
+              <a:t>Companies track stock levels and automate reordering processes using PL/SQL triggers.</a:t>
+            </a:r>
+          </a:p>
+          <a:p>
+            <a:pPr lvl="1"/>
+            <a:r>
+              <a:rPr lang="en-US" sz="1400" b="1" dirty="0"/>
+              <a:t>Example:</a:t>
+            </a:r>
+            <a:r>
+              <a:rPr lang="en-US" sz="1400" dirty="0"/>
+              <a:t> A trigger detects when stock falls below a threshold and places an automated purchase request.</a:t>
+            </a:r>
+          </a:p>
+          <a:p>
+            <a:pPr>
+              <a:buNone/>
+            </a:pPr>
+            <a:r>
+              <a:rPr lang="en-US" sz="1600" b="1" dirty="0"/>
+              <a:t>4. Loan Processing System</a:t>
+            </a:r>
+            <a:endParaRPr lang="en-US" sz="1600" dirty="0"/>
+          </a:p>
+          <a:p>
+            <a:pPr lvl="1"/>
+            <a:r>
+              <a:rPr lang="en-US" sz="1400" dirty="0"/>
+              <a:t>Financial institutions use PL/SQL to validate loan eligibility and calculate EMI amounts.</a:t>
+            </a:r>
+          </a:p>
+          <a:p>
+            <a:pPr lvl="1"/>
+            <a:r>
+              <a:rPr lang="en-US" sz="1400" b="1" dirty="0"/>
+              <a:t>Example:</a:t>
+            </a:r>
+            <a:r>
+              <a:rPr lang="en-US" sz="1400" dirty="0"/>
+              <a:t> A function calculates loan eligibility based on customer credit score and transaction history.</a:t>
+            </a:r>
+          </a:p>
+          <a:p>
+            <a:pPr>
+              <a:buNone/>
+            </a:pPr>
+            <a:r>
+              <a:rPr lang="en-US" sz="1600" b="1" dirty="0"/>
+              <a:t>5. Audit Logs &amp; Security Tracking</a:t>
+            </a:r>
+            <a:endParaRPr lang="en-US" sz="1600" dirty="0"/>
+          </a:p>
+          <a:p>
+            <a:pPr lvl="1"/>
+            <a:r>
+              <a:rPr lang="en-US" sz="1400" dirty="0"/>
+              <a:t>Many organizations need detailed logging for compliance purposes, which PL/SQL can handle efficiently.</a:t>
+            </a:r>
+          </a:p>
+          <a:p>
+            <a:pPr lvl="1"/>
+            <a:r>
+              <a:rPr lang="en-US" sz="1400" b="1" dirty="0"/>
+              <a:t>Example:</a:t>
+            </a:r>
+            <a:r>
+              <a:rPr lang="en-US" sz="1400" dirty="0"/>
+              <a:t> A trigger records changes made to customer data for audit purposes.</a:t>
+            </a:r>
+          </a:p>
+          <a:p>
+            <a:pPr>
+              <a:buNone/>
+            </a:pPr>
+            <a:r>
+              <a:rPr lang="en-US" sz="1600" b="1" dirty="0"/>
+              <a:t>6. Bulk Data Processing &amp; Report Generation</a:t>
+            </a:r>
+            <a:endParaRPr lang="en-US" sz="1600" dirty="0"/>
+          </a:p>
+          <a:p>
+            <a:pPr lvl="1"/>
+            <a:r>
+              <a:rPr lang="en-US" sz="1400" dirty="0"/>
+              <a:t>PL/SQL can process large sets of data efficiently for reporting purposes.</a:t>
+            </a:r>
+          </a:p>
+          <a:p>
+            <a:pPr lvl="1"/>
+            <a:r>
+              <a:rPr lang="en-US" sz="1400" b="1" dirty="0"/>
+              <a:t>Example:</a:t>
+            </a:r>
+            <a:r>
+              <a:rPr lang="en-US" sz="1400" dirty="0"/>
+              <a:t> A procedure aggregates sales data from different branches and generates monthly performance reports.</a:t>
+            </a:r>
+          </a:p>
+        </p:txBody>
+      </p:sp>
+    </p:spTree>
+    <p:extLst>
+      <p:ext uri="{BB962C8B-B14F-4D97-AF65-F5344CB8AC3E}">
+        <p14:creationId xmlns:p14="http://schemas.microsoft.com/office/powerpoint/2010/main" val="618203379"/>
+      </p:ext>
+    </p:extLst>
+  </p:cSld>
+  <p:clrMapOvr>
+    <a:masterClrMapping/>
+  </p:clrMapOvr>
+</p:sld>
+</file>
+
 <file path=ppt/slides/slide8.xml><?xml version="1.0" encoding="utf-8"?>
 <p:sld xmlns:a="http://schemas.openxmlformats.org/drawingml/2006/main" xmlns:r="http://schemas.openxmlformats.org/officeDocument/2006/relationships" xmlns:p="http://schemas.openxmlformats.org/presentationml/2006/main">
   <p:cSld>
@@ -5902,10 +7646,10 @@
       </p:grpSpPr>
       <p:sp>
         <p:nvSpPr>
-          <p:cNvPr id="2" name="Title 1">
-            <a:extLst>
-              <a:ext uri="{FF2B5EF4-FFF2-40B4-BE49-F238E27FC236}">
-                <a16:creationId xmlns:a16="http://schemas.microsoft.com/office/drawing/2014/main" id="{163280EC-301E-0437-5BCC-C524357744B6}"/>
+          <p:cNvPr id="4" name="Title 3">
+            <a:extLst>
+              <a:ext uri="{FF2B5EF4-FFF2-40B4-BE49-F238E27FC236}">
+                <a16:creationId xmlns:a16="http://schemas.microsoft.com/office/drawing/2014/main" id="{CE5DDCF7-4E31-611A-9968-24DACA23C2C0}"/>
               </a:ext>
             </a:extLst>
           </p:cNvPr>
@@ -5914,246 +7658,156 @@
           </p:cNvSpPr>
           <p:nvPr>
             <p:ph type="title"/>
+          </p:nvPr>
+        </p:nvSpPr>
+        <p:spPr/>
+        <p:txBody>
+          <a:bodyPr/>
+          <a:lstStyle/>
+          <a:p>
+            <a:r>
+              <a:rPr lang="en-US" dirty="0"/>
+              <a:t>More background</a:t>
+            </a:r>
+          </a:p>
+        </p:txBody>
+      </p:sp>
+      <p:sp>
+        <p:nvSpPr>
+          <p:cNvPr id="5" name="Content Placeholder 4">
+            <a:extLst>
+              <a:ext uri="{FF2B5EF4-FFF2-40B4-BE49-F238E27FC236}">
+                <a16:creationId xmlns:a16="http://schemas.microsoft.com/office/drawing/2014/main" id="{1445EE2B-9968-2CEE-2E18-812632519208}"/>
+              </a:ext>
+            </a:extLst>
+          </p:cNvPr>
+          <p:cNvSpPr>
+            <a:spLocks noGrp="1"/>
+          </p:cNvSpPr>
+          <p:nvPr>
+            <p:ph idx="1"/>
           </p:nvPr>
         </p:nvSpPr>
         <p:spPr>
           <a:xfrm>
-            <a:off x="511277" y="177646"/>
-            <a:ext cx="4608871" cy="637765"/>
+            <a:off x="838200" y="1825625"/>
+            <a:ext cx="4419600" cy="2070100"/>
           </a:xfrm>
         </p:spPr>
         <p:txBody>
-          <a:bodyPr>
-            <a:normAutofit fontScale="90000"/>
-          </a:bodyPr>
+          <a:bodyPr/>
           <a:lstStyle/>
           <a:p>
             <a:r>
-              <a:rPr lang="en-US" dirty="0"/>
-              <a:t>Realtime scenarios</a:t>
-            </a:r>
-          </a:p>
-        </p:txBody>
-      </p:sp>
-      <p:sp>
-        <p:nvSpPr>
-          <p:cNvPr id="3" name="Content Placeholder 2">
-            <a:extLst>
-              <a:ext uri="{FF2B5EF4-FFF2-40B4-BE49-F238E27FC236}">
-                <a16:creationId xmlns:a16="http://schemas.microsoft.com/office/drawing/2014/main" id="{D96A2371-0D71-F694-AEFF-CF7585255872}"/>
-              </a:ext>
-            </a:extLst>
-          </p:cNvPr>
-          <p:cNvSpPr>
-            <a:spLocks noGrp="1"/>
-          </p:cNvSpPr>
-          <p:nvPr>
-            <p:ph idx="1"/>
-          </p:nvPr>
-        </p:nvSpPr>
+              <a:rPr lang="en-US" dirty="0">
+                <a:hlinkClick r:id="rId2"/>
+              </a:rPr>
+              <a:t>https://www.guru99.com/pdf/pl_sql_preview.pdf</a:t>
+            </a:r>
+            <a:endParaRPr lang="en-US" dirty="0"/>
+          </a:p>
+          <a:p>
+            <a:endParaRPr lang="en-US" dirty="0"/>
+          </a:p>
+        </p:txBody>
+      </p:sp>
+      <p:pic>
+        <p:nvPicPr>
+          <p:cNvPr id="7" name="Picture 6">
+            <a:extLst>
+              <a:ext uri="{FF2B5EF4-FFF2-40B4-BE49-F238E27FC236}">
+                <a16:creationId xmlns:a16="http://schemas.microsoft.com/office/drawing/2014/main" id="{80704C68-A618-5F2E-2FCE-8D56F3869749}"/>
+              </a:ext>
+            </a:extLst>
+          </p:cNvPr>
+          <p:cNvPicPr>
+            <a:picLocks noChangeAspect="1"/>
+          </p:cNvPicPr>
+          <p:nvPr/>
+        </p:nvPicPr>
+        <p:blipFill>
+          <a:blip r:embed="rId3"/>
+          <a:stretch>
+            <a:fillRect/>
+          </a:stretch>
+        </p:blipFill>
         <p:spPr>
           <a:xfrm>
-            <a:off x="511277" y="904568"/>
-            <a:ext cx="11375923" cy="5456903"/>
+            <a:off x="7419761" y="1317409"/>
+            <a:ext cx="3067478" cy="3086531"/>
           </a:xfrm>
+          <a:prstGeom prst="rect">
+            <a:avLst/>
+          </a:prstGeom>
         </p:spPr>
-        <p:txBody>
-          <a:bodyPr>
-            <a:normAutofit fontScale="92500" lnSpcReduction="10000"/>
-          </a:bodyPr>
-          <a:lstStyle/>
-          <a:p>
-            <a:pPr>
-              <a:buNone/>
-            </a:pPr>
-            <a:r>
-              <a:rPr lang="en-US" sz="1600" dirty="0"/>
-              <a:t>PL/SQL is widely used in real-world applications where procedural logic is required to handle complex database operations efficiently. </a:t>
-            </a:r>
-          </a:p>
-          <a:p>
-            <a:pPr>
-              <a:buNone/>
-            </a:pPr>
-            <a:r>
-              <a:rPr lang="en-US" sz="1600" dirty="0"/>
-              <a:t>Here are some real-time scenarios where PL/SQL becomes essential:</a:t>
-            </a:r>
-          </a:p>
-          <a:p>
-            <a:pPr>
-              <a:buNone/>
-            </a:pPr>
-            <a:r>
-              <a:rPr lang="en-US" sz="1600" b="1" dirty="0"/>
-              <a:t>1. Automated Salary Calculation</a:t>
-            </a:r>
-            <a:endParaRPr lang="en-US" sz="1600" dirty="0"/>
-          </a:p>
-          <a:p>
-            <a:pPr lvl="1"/>
-            <a:r>
-              <a:rPr lang="en-US" sz="1400" dirty="0"/>
-              <a:t>In an HR system, PL/SQL procedures can calculate salaries based on employee records, deductions, bonuses, and tax regulations.</a:t>
-            </a:r>
-          </a:p>
-          <a:p>
-            <a:pPr lvl="1"/>
-            <a:r>
-              <a:rPr lang="en-US" sz="1400" b="1" dirty="0"/>
-              <a:t>Example:</a:t>
-            </a:r>
-            <a:r>
-              <a:rPr lang="en-US" sz="1400" dirty="0"/>
-              <a:t> A stored procedure calculates net salary and updates the payroll table automatically.</a:t>
-            </a:r>
-          </a:p>
-          <a:p>
-            <a:pPr>
-              <a:buNone/>
-            </a:pPr>
-            <a:r>
-              <a:rPr lang="en-US" sz="1600" b="1" dirty="0"/>
-              <a:t>2. Banking Transactions (Funds Transfer)</a:t>
-            </a:r>
-            <a:endParaRPr lang="en-US" sz="1600" dirty="0"/>
-          </a:p>
-          <a:p>
-            <a:pPr lvl="1"/>
-            <a:r>
-              <a:rPr lang="en-US" sz="1400" dirty="0"/>
-              <a:t>Banks use PL/SQL to ensure transactional integrity when transferring funds between accounts.</a:t>
-            </a:r>
-          </a:p>
-          <a:p>
-            <a:pPr lvl="1"/>
-            <a:r>
-              <a:rPr lang="en-US" sz="1400" b="1" dirty="0"/>
-              <a:t>Example:</a:t>
-            </a:r>
-            <a:r>
-              <a:rPr lang="en-US" sz="1400" dirty="0"/>
-              <a:t> A PL/SQL block checks balances, deducts from the sender, adds to the receiver, and ensures rollback in case of failure.</a:t>
-            </a:r>
-          </a:p>
-          <a:p>
-            <a:pPr>
-              <a:buNone/>
-            </a:pPr>
-            <a:r>
-              <a:rPr lang="en-US" sz="1600" b="1" dirty="0"/>
-              <a:t>3. Inventory Management</a:t>
-            </a:r>
-            <a:endParaRPr lang="en-US" sz="1600" dirty="0"/>
-          </a:p>
-          <a:p>
-            <a:pPr lvl="1"/>
-            <a:r>
-              <a:rPr lang="en-US" sz="1400" dirty="0"/>
-              <a:t>Companies track stock levels and automate reordering processes using PL/SQL triggers.</a:t>
-            </a:r>
-          </a:p>
-          <a:p>
-            <a:pPr lvl="1"/>
-            <a:r>
-              <a:rPr lang="en-US" sz="1400" b="1" dirty="0"/>
-              <a:t>Example:</a:t>
-            </a:r>
-            <a:r>
-              <a:rPr lang="en-US" sz="1400" dirty="0"/>
-              <a:t> A trigger detects when stock falls below a threshold and places an automated purchase request.</a:t>
-            </a:r>
-          </a:p>
-          <a:p>
-            <a:pPr>
-              <a:buNone/>
-            </a:pPr>
-            <a:r>
-              <a:rPr lang="en-US" sz="1600" b="1" dirty="0"/>
-              <a:t>4. Loan Processing System</a:t>
-            </a:r>
-            <a:endParaRPr lang="en-US" sz="1600" dirty="0"/>
-          </a:p>
-          <a:p>
-            <a:pPr lvl="1"/>
-            <a:r>
-              <a:rPr lang="en-US" sz="1400" dirty="0"/>
-              <a:t>Financial institutions use PL/SQL to validate loan eligibility and calculate EMI amounts.</a:t>
-            </a:r>
-          </a:p>
-          <a:p>
-            <a:pPr lvl="1"/>
-            <a:r>
-              <a:rPr lang="en-US" sz="1400" b="1" dirty="0"/>
-              <a:t>Example:</a:t>
-            </a:r>
-            <a:r>
-              <a:rPr lang="en-US" sz="1400" dirty="0"/>
-              <a:t> A function calculates loan eligibility based on customer credit score and transaction history.</a:t>
-            </a:r>
-          </a:p>
-          <a:p>
-            <a:pPr>
-              <a:buNone/>
-            </a:pPr>
-            <a:r>
-              <a:rPr lang="en-US" sz="1600" b="1" dirty="0"/>
-              <a:t>5. Audit Logs &amp; Security Tracking</a:t>
-            </a:r>
-            <a:endParaRPr lang="en-US" sz="1600" dirty="0"/>
-          </a:p>
-          <a:p>
-            <a:pPr lvl="1"/>
-            <a:r>
-              <a:rPr lang="en-US" sz="1400" dirty="0"/>
-              <a:t>Many organizations need detailed logging for compliance purposes, which PL/SQL can handle efficiently.</a:t>
-            </a:r>
-          </a:p>
-          <a:p>
-            <a:pPr lvl="1"/>
-            <a:r>
-              <a:rPr lang="en-US" sz="1400" b="1" dirty="0"/>
-              <a:t>Example:</a:t>
-            </a:r>
-            <a:r>
-              <a:rPr lang="en-US" sz="1400" dirty="0"/>
-              <a:t> A trigger records changes made to customer data for audit purposes.</a:t>
-            </a:r>
-          </a:p>
-          <a:p>
-            <a:pPr>
-              <a:buNone/>
-            </a:pPr>
-            <a:r>
-              <a:rPr lang="en-US" sz="1600" b="1" dirty="0"/>
-              <a:t>6. Bulk Data Processing &amp; Report Generation</a:t>
-            </a:r>
-            <a:endParaRPr lang="en-US" sz="1600" dirty="0"/>
-          </a:p>
-          <a:p>
-            <a:pPr lvl="1"/>
-            <a:r>
-              <a:rPr lang="en-US" sz="1400" dirty="0"/>
-              <a:t>PL/SQL can process large sets of data efficiently for reporting purposes.</a:t>
-            </a:r>
-          </a:p>
-          <a:p>
-            <a:pPr lvl="1"/>
-            <a:r>
-              <a:rPr lang="en-US" sz="1400" b="1" dirty="0"/>
-              <a:t>Example:</a:t>
-            </a:r>
-            <a:r>
-              <a:rPr lang="en-US" sz="1400" dirty="0"/>
-              <a:t> A procedure aggregates sales data from different branches and generates monthly performance reports.</a:t>
-            </a:r>
-          </a:p>
-        </p:txBody>
-      </p:sp>
+      </p:pic>
     </p:spTree>
     <p:extLst>
       <p:ext uri="{BB962C8B-B14F-4D97-AF65-F5344CB8AC3E}">
-        <p14:creationId xmlns:p14="http://schemas.microsoft.com/office/powerpoint/2010/main" val="618203379"/>
+        <p14:creationId xmlns:p14="http://schemas.microsoft.com/office/powerpoint/2010/main" val="3668742173"/>
+      </p:ext>
+    </p:extLst>
+  </p:cSld>
+  <p:clrMapOvr>
+    <a:masterClrMapping/>
+  </p:clrMapOvr>
+</p:sld>
+</file>
+
+<file path=ppt/slides/slide9.xml><?xml version="1.0" encoding="utf-8"?>
+<p:sld xmlns:a="http://schemas.openxmlformats.org/drawingml/2006/main" xmlns:r="http://schemas.openxmlformats.org/officeDocument/2006/relationships" xmlns:p="http://schemas.openxmlformats.org/presentationml/2006/main">
+  <p:cSld>
+    <p:spTree>
+      <p:nvGrpSpPr>
+        <p:cNvPr id="1" name=""/>
+        <p:cNvGrpSpPr/>
+        <p:nvPr/>
+      </p:nvGrpSpPr>
+      <p:grpSpPr>
+        <a:xfrm>
+          <a:off x="0" y="0"/>
+          <a:ext cx="0" cy="0"/>
+          <a:chOff x="0" y="0"/>
+          <a:chExt cx="0" cy="0"/>
+        </a:xfrm>
+      </p:grpSpPr>
+      <p:sp>
+        <p:nvSpPr>
+          <p:cNvPr id="2" name="Title 1">
+            <a:extLst>
+              <a:ext uri="{FF2B5EF4-FFF2-40B4-BE49-F238E27FC236}">
+                <a16:creationId xmlns:a16="http://schemas.microsoft.com/office/drawing/2014/main" id="{17811E8E-D76C-D11C-E26F-51148D2DC4C3}"/>
+              </a:ext>
+            </a:extLst>
+          </p:cNvPr>
+          <p:cNvSpPr>
+            <a:spLocks noGrp="1"/>
+          </p:cNvSpPr>
+          <p:nvPr>
+            <p:ph type="title"/>
+          </p:nvPr>
+        </p:nvSpPr>
+        <p:spPr>
+          <a:xfrm>
+            <a:off x="3571875" y="2584450"/>
+            <a:ext cx="6515100" cy="1325563"/>
+          </a:xfrm>
+        </p:spPr>
+        <p:txBody>
+          <a:bodyPr/>
+          <a:lstStyle/>
+          <a:p>
+            <a:r>
+              <a:rPr lang="en-US" dirty="0"/>
+              <a:t>Practice Queries</a:t>
+            </a:r>
+          </a:p>
+        </p:txBody>
+      </p:sp>
+    </p:spTree>
+    <p:extLst>
+      <p:ext uri="{BB962C8B-B14F-4D97-AF65-F5344CB8AC3E}">
+        <p14:creationId xmlns:p14="http://schemas.microsoft.com/office/powerpoint/2010/main" val="3557873193"/>
       </p:ext>
     </p:extLst>
   </p:cSld>

--- a/plsql/plsql_demo.pptx
+++ b/plsql/plsql_demo.pptx
@@ -9,12 +9,13 @@
     <p:sldId id="258" r:id="rId3"/>
     <p:sldId id="261" r:id="rId4"/>
     <p:sldId id="262" r:id="rId5"/>
-    <p:sldId id="259" r:id="rId6"/>
-    <p:sldId id="263" r:id="rId7"/>
-    <p:sldId id="260" r:id="rId8"/>
-    <p:sldId id="257" r:id="rId9"/>
-    <p:sldId id="264" r:id="rId10"/>
-    <p:sldId id="265" r:id="rId11"/>
+    <p:sldId id="266" r:id="rId6"/>
+    <p:sldId id="259" r:id="rId7"/>
+    <p:sldId id="263" r:id="rId8"/>
+    <p:sldId id="260" r:id="rId9"/>
+    <p:sldId id="257" r:id="rId10"/>
+    <p:sldId id="264" r:id="rId11"/>
+    <p:sldId id="265" r:id="rId12"/>
   </p:sldIdLst>
   <p:sldSz cx="12192000" cy="6858000"/>
   <p:notesSz cx="6858000" cy="9144000"/>
@@ -113,6 +114,11 @@
       </a:defRPr>
     </a:lvl9pPr>
   </p:defaultTextStyle>
+  <p:extLst>
+    <p:ext uri="{EFAFB233-063F-42B5-8137-9DF3F51BA10A}">
+      <p15:sldGuideLst xmlns:p15="http://schemas.microsoft.com/office/powerpoint/2012/main"/>
+    </p:ext>
+  </p:extLst>
 </p:presentation>
 </file>
 
@@ -3720,6 +3726,69 @@
 <file path=ppt/slides/slide10.xml><?xml version="1.0" encoding="utf-8"?>
 <p:sld xmlns:a="http://schemas.openxmlformats.org/drawingml/2006/main" xmlns:r="http://schemas.openxmlformats.org/officeDocument/2006/relationships" xmlns:p="http://schemas.openxmlformats.org/presentationml/2006/main">
   <p:cSld>
+    <p:spTree>
+      <p:nvGrpSpPr>
+        <p:cNvPr id="1" name=""/>
+        <p:cNvGrpSpPr/>
+        <p:nvPr/>
+      </p:nvGrpSpPr>
+      <p:grpSpPr>
+        <a:xfrm>
+          <a:off x="0" y="0"/>
+          <a:ext cx="0" cy="0"/>
+          <a:chOff x="0" y="0"/>
+          <a:chExt cx="0" cy="0"/>
+        </a:xfrm>
+      </p:grpSpPr>
+      <p:sp>
+        <p:nvSpPr>
+          <p:cNvPr id="2" name="Title 1">
+            <a:extLst>
+              <a:ext uri="{FF2B5EF4-FFF2-40B4-BE49-F238E27FC236}">
+                <a16:creationId xmlns:a16="http://schemas.microsoft.com/office/drawing/2014/main" id="{17811E8E-D76C-D11C-E26F-51148D2DC4C3}"/>
+              </a:ext>
+            </a:extLst>
+          </p:cNvPr>
+          <p:cNvSpPr>
+            <a:spLocks noGrp="1"/>
+          </p:cNvSpPr>
+          <p:nvPr>
+            <p:ph type="title"/>
+          </p:nvPr>
+        </p:nvSpPr>
+        <p:spPr>
+          <a:xfrm>
+            <a:off x="3571875" y="2584450"/>
+            <a:ext cx="6515100" cy="1325563"/>
+          </a:xfrm>
+        </p:spPr>
+        <p:txBody>
+          <a:bodyPr/>
+          <a:lstStyle/>
+          <a:p>
+            <a:r>
+              <a:rPr lang="en-US" dirty="0"/>
+              <a:t>Practice Queries</a:t>
+            </a:r>
+          </a:p>
+        </p:txBody>
+      </p:sp>
+    </p:spTree>
+    <p:extLst>
+      <p:ext uri="{BB962C8B-B14F-4D97-AF65-F5344CB8AC3E}">
+        <p14:creationId xmlns:p14="http://schemas.microsoft.com/office/powerpoint/2010/main" val="3557873193"/>
+      </p:ext>
+    </p:extLst>
+  </p:cSld>
+  <p:clrMapOvr>
+    <a:masterClrMapping/>
+  </p:clrMapOvr>
+</p:sld>
+</file>
+
+<file path=ppt/slides/slide11.xml><?xml version="1.0" encoding="utf-8"?>
+<p:sld xmlns:a="http://schemas.openxmlformats.org/drawingml/2006/main" xmlns:r="http://schemas.openxmlformats.org/officeDocument/2006/relationships" xmlns:p="http://schemas.openxmlformats.org/presentationml/2006/main">
+  <p:cSld>
     <p:bg>
       <p:bgPr>
         <a:solidFill>
@@ -6589,6 +6658,1630 @@
 </file>
 
 <file path=ppt/slides/slide5.xml><?xml version="1.0" encoding="utf-8"?>
+<p:sld xmlns:a="http://schemas.openxmlformats.org/drawingml/2006/main" xmlns:r="http://schemas.openxmlformats.org/officeDocument/2006/relationships" xmlns:p="http://schemas.openxmlformats.org/presentationml/2006/main">
+  <p:cSld>
+    <p:bg>
+      <p:bgPr>
+        <a:solidFill>
+          <a:schemeClr val="bg1"/>
+        </a:solidFill>
+        <a:effectLst/>
+      </p:bgPr>
+    </p:bg>
+    <p:spTree>
+      <p:nvGrpSpPr>
+        <p:cNvPr id="1" name="">
+          <a:extLst>
+            <a:ext uri="{FF2B5EF4-FFF2-40B4-BE49-F238E27FC236}">
+              <a16:creationId xmlns:a16="http://schemas.microsoft.com/office/drawing/2014/main" id="{B5408366-2200-FCA1-53C7-1385FBBDA826}"/>
+            </a:ext>
+          </a:extLst>
+        </p:cNvPr>
+        <p:cNvGrpSpPr/>
+        <p:nvPr/>
+      </p:nvGrpSpPr>
+      <p:grpSpPr>
+        <a:xfrm>
+          <a:off x="0" y="0"/>
+          <a:ext cx="0" cy="0"/>
+          <a:chOff x="0" y="0"/>
+          <a:chExt cx="0" cy="0"/>
+        </a:xfrm>
+      </p:grpSpPr>
+      <p:sp useBgFill="1">
+        <p:nvSpPr>
+          <p:cNvPr id="10" name="Rectangle 9">
+            <a:extLst>
+              <a:ext uri="{FF2B5EF4-FFF2-40B4-BE49-F238E27FC236}">
+                <a16:creationId xmlns:a16="http://schemas.microsoft.com/office/drawing/2014/main" id="{09588DA8-065E-4F6F-8EFD-43104AB2E0CF}"/>
+              </a:ext>
+              <a:ext uri="{C183D7F6-B498-43B3-948B-1728B52AA6E4}">
+                <adec:decorative xmlns:adec="http://schemas.microsoft.com/office/drawing/2017/decorative" val="1"/>
+              </a:ext>
+            </a:extLst>
+          </p:cNvPr>
+          <p:cNvSpPr>
+            <a:spLocks noGrp="1" noRot="1" noChangeAspect="1" noMove="1" noResize="1" noEditPoints="1" noAdjustHandles="1" noChangeArrowheads="1" noChangeShapeType="1" noTextEdit="1"/>
+          </p:cNvSpPr>
+          <p:nvPr>
+            <p:extLst>
+              <p:ext uri="{386F3935-93C4-4BCD-93E2-E3B085C9AB24}">
+                <p16:designElem xmlns:p16="http://schemas.microsoft.com/office/powerpoint/2015/main" val="1"/>
+              </p:ext>
+            </p:extLst>
+          </p:nvPr>
+        </p:nvSpPr>
+        <p:spPr>
+          <a:xfrm>
+            <a:off x="0" y="0"/>
+            <a:ext cx="12192000" cy="6858000"/>
+          </a:xfrm>
+          <a:prstGeom prst="rect">
+            <a:avLst/>
+          </a:prstGeom>
+          <a:ln w="12700" cap="flat" cmpd="sng" algn="ctr">
+            <a:noFill/>
+            <a:prstDash val="solid"/>
+            <a:miter lim="800000"/>
+          </a:ln>
+          <a:effectLst/>
+          <a:extLst>
+            <a:ext uri="{91240B29-F687-4F45-9708-019B960494DF}">
+              <a14:hiddenLine xmlns:a14="http://schemas.microsoft.com/office/drawing/2010/main" w="12700" cap="flat" cmpd="sng" algn="ctr">
+                <a:solidFill>
+                  <a:schemeClr val="accent1">
+                    <a:shade val="50000"/>
+                  </a:schemeClr>
+                </a:solidFill>
+                <a:prstDash val="solid"/>
+                <a:miter lim="800000"/>
+              </a14:hiddenLine>
+            </a:ext>
+          </a:extLst>
+        </p:spPr>
+        <p:style>
+          <a:lnRef idx="2">
+            <a:schemeClr val="accent1">
+              <a:shade val="50000"/>
+            </a:schemeClr>
+          </a:lnRef>
+          <a:fillRef idx="1">
+            <a:schemeClr val="accent1"/>
+          </a:fillRef>
+          <a:effectRef idx="0">
+            <a:schemeClr val="accent1"/>
+          </a:effectRef>
+          <a:fontRef idx="minor">
+            <a:schemeClr val="lt1"/>
+          </a:fontRef>
+        </p:style>
+        <p:txBody>
+          <a:bodyPr rtlCol="0" anchor="ctr"/>
+          <a:lstStyle/>
+          <a:p>
+            <a:pPr algn="ctr"/>
+            <a:endParaRPr lang="en-US"/>
+          </a:p>
+        </p:txBody>
+      </p:sp>
+      <p:sp useBgFill="1">
+        <p:nvSpPr>
+          <p:cNvPr id="12" name="Rectangle 11">
+            <a:extLst>
+              <a:ext uri="{FF2B5EF4-FFF2-40B4-BE49-F238E27FC236}">
+                <a16:creationId xmlns:a16="http://schemas.microsoft.com/office/drawing/2014/main" id="{C4285719-470E-454C-AF62-8323075F1F5B}"/>
+              </a:ext>
+              <a:ext uri="{C183D7F6-B498-43B3-948B-1728B52AA6E4}">
+                <adec:decorative xmlns:adec="http://schemas.microsoft.com/office/drawing/2017/decorative" val="1"/>
+              </a:ext>
+            </a:extLst>
+          </p:cNvPr>
+          <p:cNvSpPr>
+            <a:spLocks noGrp="1" noRot="1" noChangeAspect="1" noMove="1" noResize="1" noEditPoints="1" noAdjustHandles="1" noChangeArrowheads="1" noChangeShapeType="1" noTextEdit="1"/>
+          </p:cNvSpPr>
+          <p:nvPr>
+            <p:extLst>
+              <p:ext uri="{386F3935-93C4-4BCD-93E2-E3B085C9AB24}">
+                <p16:designElem xmlns:p16="http://schemas.microsoft.com/office/powerpoint/2015/main" val="1"/>
+              </p:ext>
+            </p:extLst>
+          </p:nvPr>
+        </p:nvSpPr>
+        <p:spPr>
+          <a:xfrm>
+            <a:off x="0" y="0"/>
+            <a:ext cx="12188952" cy="6858000"/>
+          </a:xfrm>
+          <a:prstGeom prst="rect">
+            <a:avLst/>
+          </a:prstGeom>
+          <a:ln w="12700" cap="flat" cmpd="sng" algn="ctr">
+            <a:noFill/>
+            <a:prstDash val="solid"/>
+            <a:miter lim="800000"/>
+          </a:ln>
+          <a:effectLst/>
+          <a:extLst>
+            <a:ext uri="{91240B29-F687-4F45-9708-019B960494DF}">
+              <a14:hiddenLine xmlns:a14="http://schemas.microsoft.com/office/drawing/2010/main" w="12700" cap="flat" cmpd="sng" algn="ctr">
+                <a:solidFill>
+                  <a:schemeClr val="accent1">
+                    <a:shade val="50000"/>
+                  </a:schemeClr>
+                </a:solidFill>
+                <a:prstDash val="solid"/>
+                <a:miter lim="800000"/>
+              </a14:hiddenLine>
+            </a:ext>
+          </a:extLst>
+        </p:spPr>
+        <p:style>
+          <a:lnRef idx="2">
+            <a:schemeClr val="accent1">
+              <a:shade val="50000"/>
+            </a:schemeClr>
+          </a:lnRef>
+          <a:fillRef idx="1">
+            <a:schemeClr val="accent1"/>
+          </a:fillRef>
+          <a:effectRef idx="0">
+            <a:schemeClr val="accent1"/>
+          </a:effectRef>
+          <a:fontRef idx="minor">
+            <a:schemeClr val="lt1"/>
+          </a:fontRef>
+        </p:style>
+        <p:txBody>
+          <a:bodyPr rtlCol="0" anchor="ctr"/>
+          <a:lstStyle/>
+          <a:p>
+            <a:pPr algn="ctr"/>
+            <a:endParaRPr lang="en-US"/>
+          </a:p>
+        </p:txBody>
+      </p:sp>
+      <p:sp>
+        <p:nvSpPr>
+          <p:cNvPr id="14" name="Rectangle 13">
+            <a:extLst>
+              <a:ext uri="{FF2B5EF4-FFF2-40B4-BE49-F238E27FC236}">
+                <a16:creationId xmlns:a16="http://schemas.microsoft.com/office/drawing/2014/main" id="{CD9FE4EF-C4D8-49A0-B2FF-81D8DB7D8A24}"/>
+              </a:ext>
+              <a:ext uri="{C183D7F6-B498-43B3-948B-1728B52AA6E4}">
+                <adec:decorative xmlns:adec="http://schemas.microsoft.com/office/drawing/2017/decorative" val="1"/>
+              </a:ext>
+            </a:extLst>
+          </p:cNvPr>
+          <p:cNvSpPr>
+            <a:spLocks noGrp="1" noRot="1" noChangeAspect="1" noMove="1" noResize="1" noEditPoints="1" noAdjustHandles="1" noChangeArrowheads="1" noChangeShapeType="1" noTextEdit="1"/>
+          </p:cNvSpPr>
+          <p:nvPr>
+            <p:extLst>
+              <p:ext uri="{386F3935-93C4-4BCD-93E2-E3B085C9AB24}">
+                <p16:designElem xmlns:p16="http://schemas.microsoft.com/office/powerpoint/2015/main" val="1"/>
+              </p:ext>
+            </p:extLst>
+          </p:nvPr>
+        </p:nvSpPr>
+        <p:spPr>
+          <a:xfrm rot="5400000" flipH="1">
+            <a:off x="-1410084" y="1410082"/>
+            <a:ext cx="6858000" cy="4037836"/>
+          </a:xfrm>
+          <a:prstGeom prst="rect">
+            <a:avLst/>
+          </a:prstGeom>
+          <a:gradFill>
+            <a:gsLst>
+              <a:gs pos="8000">
+                <a:srgbClr val="000000"/>
+              </a:gs>
+              <a:gs pos="100000">
+                <a:schemeClr val="accent1">
+                  <a:lumMod val="75000"/>
+                </a:schemeClr>
+              </a:gs>
+            </a:gsLst>
+            <a:lin ang="3000000" scaled="0"/>
+          </a:gradFill>
+          <a:ln>
+            <a:noFill/>
+          </a:ln>
+        </p:spPr>
+        <p:style>
+          <a:lnRef idx="2">
+            <a:schemeClr val="accent1">
+              <a:shade val="50000"/>
+            </a:schemeClr>
+          </a:lnRef>
+          <a:fillRef idx="1">
+            <a:schemeClr val="accent1"/>
+          </a:fillRef>
+          <a:effectRef idx="0">
+            <a:schemeClr val="accent1"/>
+          </a:effectRef>
+          <a:fontRef idx="minor">
+            <a:schemeClr val="lt1"/>
+          </a:fontRef>
+        </p:style>
+        <p:txBody>
+          <a:bodyPr rtlCol="0" anchor="ctr"/>
+          <a:lstStyle/>
+          <a:p>
+            <a:pPr algn="ctr"/>
+            <a:endParaRPr lang="en-US"/>
+          </a:p>
+        </p:txBody>
+      </p:sp>
+      <p:sp>
+        <p:nvSpPr>
+          <p:cNvPr id="16" name="Rectangle 15">
+            <a:extLst>
+              <a:ext uri="{FF2B5EF4-FFF2-40B4-BE49-F238E27FC236}">
+                <a16:creationId xmlns:a16="http://schemas.microsoft.com/office/drawing/2014/main" id="{4300840D-0A0B-4512-BACA-B439D5B9C57C}"/>
+              </a:ext>
+              <a:ext uri="{C183D7F6-B498-43B3-948B-1728B52AA6E4}">
+                <adec:decorative xmlns:adec="http://schemas.microsoft.com/office/drawing/2017/decorative" val="1"/>
+              </a:ext>
+            </a:extLst>
+          </p:cNvPr>
+          <p:cNvSpPr>
+            <a:spLocks noGrp="1" noRot="1" noChangeAspect="1" noMove="1" noResize="1" noEditPoints="1" noAdjustHandles="1" noChangeArrowheads="1" noChangeShapeType="1" noTextEdit="1"/>
+          </p:cNvSpPr>
+          <p:nvPr>
+            <p:extLst>
+              <p:ext uri="{386F3935-93C4-4BCD-93E2-E3B085C9AB24}">
+                <p16:designElem xmlns:p16="http://schemas.microsoft.com/office/powerpoint/2015/main" val="1"/>
+              </p:ext>
+            </p:extLst>
+          </p:nvPr>
+        </p:nvSpPr>
+        <p:spPr>
+          <a:xfrm rot="5400000" flipH="1">
+            <a:off x="-1410085" y="1420219"/>
+            <a:ext cx="6857999" cy="4037839"/>
+          </a:xfrm>
+          <a:prstGeom prst="rect">
+            <a:avLst/>
+          </a:prstGeom>
+          <a:gradFill>
+            <a:gsLst>
+              <a:gs pos="0">
+                <a:srgbClr val="000000">
+                  <a:alpha val="0"/>
+                </a:srgbClr>
+              </a:gs>
+              <a:gs pos="99000">
+                <a:schemeClr val="accent1">
+                  <a:alpha val="46000"/>
+                </a:schemeClr>
+              </a:gs>
+            </a:gsLst>
+            <a:lin ang="1800000" scaled="0"/>
+          </a:gradFill>
+          <a:ln>
+            <a:noFill/>
+          </a:ln>
+        </p:spPr>
+        <p:style>
+          <a:lnRef idx="2">
+            <a:schemeClr val="accent1">
+              <a:shade val="50000"/>
+            </a:schemeClr>
+          </a:lnRef>
+          <a:fillRef idx="1">
+            <a:schemeClr val="accent1"/>
+          </a:fillRef>
+          <a:effectRef idx="0">
+            <a:schemeClr val="accent1"/>
+          </a:effectRef>
+          <a:fontRef idx="minor">
+            <a:schemeClr val="lt1"/>
+          </a:fontRef>
+        </p:style>
+        <p:txBody>
+          <a:bodyPr rtlCol="0" anchor="ctr"/>
+          <a:lstStyle/>
+          <a:p>
+            <a:pPr algn="ctr"/>
+            <a:endParaRPr lang="en-US"/>
+          </a:p>
+        </p:txBody>
+      </p:sp>
+      <p:sp>
+        <p:nvSpPr>
+          <p:cNvPr id="18" name="Rectangle 17">
+            <a:extLst>
+              <a:ext uri="{FF2B5EF4-FFF2-40B4-BE49-F238E27FC236}">
+                <a16:creationId xmlns:a16="http://schemas.microsoft.com/office/drawing/2014/main" id="{D2B78728-A580-49A7-84F9-6EF6F583ADE0}"/>
+              </a:ext>
+              <a:ext uri="{C183D7F6-B498-43B3-948B-1728B52AA6E4}">
+                <adec:decorative xmlns:adec="http://schemas.microsoft.com/office/drawing/2017/decorative" val="1"/>
+              </a:ext>
+            </a:extLst>
+          </p:cNvPr>
+          <p:cNvSpPr>
+            <a:spLocks noGrp="1" noRot="1" noChangeAspect="1" noMove="1" noResize="1" noEditPoints="1" noAdjustHandles="1" noChangeArrowheads="1" noChangeShapeType="1" noTextEdit="1"/>
+          </p:cNvSpPr>
+          <p:nvPr>
+            <p:extLst>
+              <p:ext uri="{386F3935-93C4-4BCD-93E2-E3B085C9AB24}">
+                <p16:designElem xmlns:p16="http://schemas.microsoft.com/office/powerpoint/2015/main" val="1"/>
+              </p:ext>
+            </p:extLst>
+          </p:nvPr>
+        </p:nvSpPr>
+        <p:spPr>
+          <a:xfrm rot="5400000" flipH="1">
+            <a:off x="767923" y="3588085"/>
+            <a:ext cx="2501979" cy="4037841"/>
+          </a:xfrm>
+          <a:prstGeom prst="rect">
+            <a:avLst/>
+          </a:prstGeom>
+          <a:gradFill>
+            <a:gsLst>
+              <a:gs pos="2000">
+                <a:schemeClr val="accent1">
+                  <a:alpha val="29000"/>
+                </a:schemeClr>
+              </a:gs>
+              <a:gs pos="100000">
+                <a:srgbClr val="000000">
+                  <a:alpha val="30000"/>
+                </a:srgbClr>
+              </a:gs>
+            </a:gsLst>
+            <a:lin ang="7800000" scaled="0"/>
+          </a:gradFill>
+          <a:ln>
+            <a:noFill/>
+          </a:ln>
+        </p:spPr>
+        <p:style>
+          <a:lnRef idx="2">
+            <a:schemeClr val="accent1">
+              <a:shade val="50000"/>
+            </a:schemeClr>
+          </a:lnRef>
+          <a:fillRef idx="1">
+            <a:schemeClr val="accent1"/>
+          </a:fillRef>
+          <a:effectRef idx="0">
+            <a:schemeClr val="accent1"/>
+          </a:effectRef>
+          <a:fontRef idx="minor">
+            <a:schemeClr val="lt1"/>
+          </a:fontRef>
+        </p:style>
+        <p:txBody>
+          <a:bodyPr rtlCol="0" anchor="ctr"/>
+          <a:lstStyle/>
+          <a:p>
+            <a:pPr algn="ctr"/>
+            <a:endParaRPr lang="en-US" dirty="0"/>
+          </a:p>
+        </p:txBody>
+      </p:sp>
+      <p:sp>
+        <p:nvSpPr>
+          <p:cNvPr id="20" name="Freeform: Shape 19">
+            <a:extLst>
+              <a:ext uri="{FF2B5EF4-FFF2-40B4-BE49-F238E27FC236}">
+                <a16:creationId xmlns:a16="http://schemas.microsoft.com/office/drawing/2014/main" id="{38FAA1A1-D861-433F-88FA-1E9D6FD31D11}"/>
+              </a:ext>
+              <a:ext uri="{C183D7F6-B498-43B3-948B-1728B52AA6E4}">
+                <adec:decorative xmlns:adec="http://schemas.microsoft.com/office/drawing/2017/decorative" val="1"/>
+              </a:ext>
+            </a:extLst>
+          </p:cNvPr>
+          <p:cNvSpPr>
+            <a:spLocks noGrp="1" noRot="1" noChangeAspect="1" noMove="1" noResize="1" noEditPoints="1" noAdjustHandles="1" noChangeArrowheads="1" noChangeShapeType="1" noTextEdit="1"/>
+          </p:cNvSpPr>
+          <p:nvPr>
+            <p:extLst>
+              <p:ext uri="{386F3935-93C4-4BCD-93E2-E3B085C9AB24}">
+                <p16:designElem xmlns:p16="http://schemas.microsoft.com/office/powerpoint/2015/main" val="1"/>
+              </p:ext>
+            </p:extLst>
+          </p:nvPr>
+        </p:nvSpPr>
+        <p:spPr>
+          <a:xfrm rot="20635413">
+            <a:off x="-501737" y="969718"/>
+            <a:ext cx="3900357" cy="4178958"/>
+          </a:xfrm>
+          <a:custGeom>
+            <a:avLst/>
+            <a:gdLst>
+              <a:gd name="connsiteX0" fmla="*/ 2432225 w 3900357"/>
+              <a:gd name="connsiteY0" fmla="*/ 93939 h 4178958"/>
+              <a:gd name="connsiteX1" fmla="*/ 3900357 w 3900357"/>
+              <a:gd name="connsiteY1" fmla="*/ 2089479 h 4178958"/>
+              <a:gd name="connsiteX2" fmla="*/ 1810878 w 3900357"/>
+              <a:gd name="connsiteY2" fmla="*/ 4178958 h 4178958"/>
+              <a:gd name="connsiteX3" fmla="*/ 78249 w 3900357"/>
+              <a:gd name="connsiteY3" fmla="*/ 3257727 h 4178958"/>
+              <a:gd name="connsiteX4" fmla="*/ 0 w 3900357"/>
+              <a:gd name="connsiteY4" fmla="*/ 3128923 h 4178958"/>
+              <a:gd name="connsiteX5" fmla="*/ 831324 w 3900357"/>
+              <a:gd name="connsiteY5" fmla="*/ 244281 h 4178958"/>
+              <a:gd name="connsiteX6" fmla="*/ 997559 w 3900357"/>
+              <a:gd name="connsiteY6" fmla="*/ 164202 h 4178958"/>
+              <a:gd name="connsiteX7" fmla="*/ 1810878 w 3900357"/>
+              <a:gd name="connsiteY7" fmla="*/ 0 h 4178958"/>
+              <a:gd name="connsiteX8" fmla="*/ 2432225 w 3900357"/>
+              <a:gd name="connsiteY8" fmla="*/ 93939 h 4178958"/>
+            </a:gdLst>
+            <a:ahLst/>
+            <a:cxnLst>
+              <a:cxn ang="0">
+                <a:pos x="connsiteX0" y="connsiteY0"/>
+              </a:cxn>
+              <a:cxn ang="0">
+                <a:pos x="connsiteX1" y="connsiteY1"/>
+              </a:cxn>
+              <a:cxn ang="0">
+                <a:pos x="connsiteX2" y="connsiteY2"/>
+              </a:cxn>
+              <a:cxn ang="0">
+                <a:pos x="connsiteX3" y="connsiteY3"/>
+              </a:cxn>
+              <a:cxn ang="0">
+                <a:pos x="connsiteX4" y="connsiteY4"/>
+              </a:cxn>
+              <a:cxn ang="0">
+                <a:pos x="connsiteX5" y="connsiteY5"/>
+              </a:cxn>
+              <a:cxn ang="0">
+                <a:pos x="connsiteX6" y="connsiteY6"/>
+              </a:cxn>
+              <a:cxn ang="0">
+                <a:pos x="connsiteX7" y="connsiteY7"/>
+              </a:cxn>
+              <a:cxn ang="0">
+                <a:pos x="connsiteX8" y="connsiteY8"/>
+              </a:cxn>
+            </a:cxnLst>
+            <a:rect l="l" t="t" r="r" b="b"/>
+            <a:pathLst>
+              <a:path w="3900357" h="4178958">
+                <a:moveTo>
+                  <a:pt x="2432225" y="93939"/>
+                </a:moveTo>
+                <a:cubicBezTo>
+                  <a:pt x="3282786" y="358491"/>
+                  <a:pt x="3900357" y="1151865"/>
+                  <a:pt x="3900357" y="2089479"/>
+                </a:cubicBezTo>
+                <a:cubicBezTo>
+                  <a:pt x="3900357" y="3243466"/>
+                  <a:pt x="2964865" y="4178958"/>
+                  <a:pt x="1810878" y="4178958"/>
+                </a:cubicBezTo>
+                <a:cubicBezTo>
+                  <a:pt x="1089636" y="4178958"/>
+                  <a:pt x="453744" y="3813531"/>
+                  <a:pt x="78249" y="3257727"/>
+                </a:cubicBezTo>
+                <a:lnTo>
+                  <a:pt x="0" y="3128923"/>
+                </a:lnTo>
+                <a:lnTo>
+                  <a:pt x="831324" y="244281"/>
+                </a:lnTo>
+                <a:lnTo>
+                  <a:pt x="997559" y="164202"/>
+                </a:lnTo>
+                <a:cubicBezTo>
+                  <a:pt x="1247540" y="58468"/>
+                  <a:pt x="1522381" y="0"/>
+                  <a:pt x="1810878" y="0"/>
+                </a:cubicBezTo>
+                <a:cubicBezTo>
+                  <a:pt x="2027251" y="0"/>
+                  <a:pt x="2235942" y="32888"/>
+                  <a:pt x="2432225" y="93939"/>
+                </a:cubicBezTo>
+                <a:close/>
+              </a:path>
+            </a:pathLst>
+          </a:custGeom>
+          <a:gradFill>
+            <a:gsLst>
+              <a:gs pos="29000">
+                <a:srgbClr val="000000">
+                  <a:alpha val="0"/>
+                </a:srgbClr>
+              </a:gs>
+              <a:gs pos="100000">
+                <a:schemeClr val="accent1">
+                  <a:alpha val="43000"/>
+                </a:schemeClr>
+              </a:gs>
+            </a:gsLst>
+            <a:lin ang="1800000" scaled="0"/>
+          </a:gradFill>
+          <a:ln>
+            <a:noFill/>
+          </a:ln>
+        </p:spPr>
+        <p:style>
+          <a:lnRef idx="2">
+            <a:schemeClr val="accent1">
+              <a:shade val="50000"/>
+            </a:schemeClr>
+          </a:lnRef>
+          <a:fillRef idx="1">
+            <a:schemeClr val="accent1"/>
+          </a:fillRef>
+          <a:effectRef idx="0">
+            <a:schemeClr val="accent1"/>
+          </a:effectRef>
+          <a:fontRef idx="minor">
+            <a:schemeClr val="lt1"/>
+          </a:fontRef>
+        </p:style>
+        <p:txBody>
+          <a:bodyPr wrap="square" rtlCol="0" anchor="ctr">
+            <a:noAutofit/>
+          </a:bodyPr>
+          <a:lstStyle/>
+          <a:p>
+            <a:pPr algn="ctr"/>
+            <a:endParaRPr lang="en-US" dirty="0"/>
+          </a:p>
+        </p:txBody>
+      </p:sp>
+      <p:sp>
+        <p:nvSpPr>
+          <p:cNvPr id="22" name="Rectangle 21">
+            <a:extLst>
+              <a:ext uri="{FF2B5EF4-FFF2-40B4-BE49-F238E27FC236}">
+                <a16:creationId xmlns:a16="http://schemas.microsoft.com/office/drawing/2014/main" id="{8D71EDA1-87BF-4D5D-AB79-F346FD19278A}"/>
+              </a:ext>
+              <a:ext uri="{C183D7F6-B498-43B3-948B-1728B52AA6E4}">
+                <adec:decorative xmlns:adec="http://schemas.microsoft.com/office/drawing/2017/decorative" val="1"/>
+              </a:ext>
+            </a:extLst>
+          </p:cNvPr>
+          <p:cNvSpPr>
+            <a:spLocks noGrp="1" noRot="1" noChangeAspect="1" noMove="1" noResize="1" noEditPoints="1" noAdjustHandles="1" noChangeArrowheads="1" noChangeShapeType="1" noTextEdit="1"/>
+          </p:cNvSpPr>
+          <p:nvPr>
+            <p:extLst>
+              <p:ext uri="{386F3935-93C4-4BCD-93E2-E3B085C9AB24}">
+                <p16:designElem xmlns:p16="http://schemas.microsoft.com/office/powerpoint/2015/main" val="1"/>
+              </p:ext>
+            </p:extLst>
+          </p:nvPr>
+        </p:nvSpPr>
+        <p:spPr>
+          <a:xfrm rot="5400000" flipH="1">
+            <a:off x="-1410093" y="1399943"/>
+            <a:ext cx="6858003" cy="4037835"/>
+          </a:xfrm>
+          <a:prstGeom prst="rect">
+            <a:avLst/>
+          </a:prstGeom>
+          <a:gradFill>
+            <a:gsLst>
+              <a:gs pos="0">
+                <a:srgbClr val="000000">
+                  <a:alpha val="0"/>
+                </a:srgbClr>
+              </a:gs>
+              <a:gs pos="99000">
+                <a:schemeClr val="accent1">
+                  <a:lumMod val="60000"/>
+                  <a:lumOff val="40000"/>
+                  <a:alpha val="11000"/>
+                </a:schemeClr>
+              </a:gs>
+            </a:gsLst>
+            <a:lin ang="7200000" scaled="0"/>
+          </a:gradFill>
+          <a:ln>
+            <a:noFill/>
+          </a:ln>
+        </p:spPr>
+        <p:style>
+          <a:lnRef idx="2">
+            <a:schemeClr val="accent1">
+              <a:shade val="50000"/>
+            </a:schemeClr>
+          </a:lnRef>
+          <a:fillRef idx="1">
+            <a:schemeClr val="accent1"/>
+          </a:fillRef>
+          <a:effectRef idx="0">
+            <a:schemeClr val="accent1"/>
+          </a:effectRef>
+          <a:fontRef idx="minor">
+            <a:schemeClr val="lt1"/>
+          </a:fontRef>
+        </p:style>
+        <p:txBody>
+          <a:bodyPr rtlCol="0" anchor="ctr"/>
+          <a:lstStyle/>
+          <a:p>
+            <a:pPr algn="ctr"/>
+            <a:endParaRPr lang="en-US"/>
+          </a:p>
+        </p:txBody>
+      </p:sp>
+      <p:sp>
+        <p:nvSpPr>
+          <p:cNvPr id="2" name="Title 1">
+            <a:extLst>
+              <a:ext uri="{FF2B5EF4-FFF2-40B4-BE49-F238E27FC236}">
+                <a16:creationId xmlns:a16="http://schemas.microsoft.com/office/drawing/2014/main" id="{A2531414-6BF3-8301-4227-700E8190EE9C}"/>
+              </a:ext>
+            </a:extLst>
+          </p:cNvPr>
+          <p:cNvSpPr>
+            <a:spLocks noGrp="1"/>
+          </p:cNvSpPr>
+          <p:nvPr>
+            <p:ph type="title"/>
+          </p:nvPr>
+        </p:nvSpPr>
+        <p:spPr>
+          <a:xfrm>
+            <a:off x="466722" y="586855"/>
+            <a:ext cx="3201366" cy="3387497"/>
+          </a:xfrm>
+        </p:spPr>
+        <p:txBody>
+          <a:bodyPr anchor="b">
+            <a:normAutofit/>
+          </a:bodyPr>
+          <a:lstStyle/>
+          <a:p>
+            <a:pPr algn="r"/>
+            <a:r>
+              <a:rPr lang="en-US" sz="4000">
+                <a:solidFill>
+                  <a:srgbClr val="FFFFFF"/>
+                </a:solidFill>
+              </a:rPr>
+              <a:t>PLSQL (Cont.)</a:t>
+            </a:r>
+          </a:p>
+        </p:txBody>
+      </p:sp>
+      <p:sp>
+        <p:nvSpPr>
+          <p:cNvPr id="3" name="Content Placeholder 2">
+            <a:extLst>
+              <a:ext uri="{FF2B5EF4-FFF2-40B4-BE49-F238E27FC236}">
+                <a16:creationId xmlns:a16="http://schemas.microsoft.com/office/drawing/2014/main" id="{F6F0B4FE-81B6-74D1-3082-95B2460ECB02}"/>
+              </a:ext>
+            </a:extLst>
+          </p:cNvPr>
+          <p:cNvSpPr>
+            <a:spLocks noGrp="1"/>
+          </p:cNvSpPr>
+          <p:nvPr>
+            <p:ph idx="1"/>
+          </p:nvPr>
+        </p:nvSpPr>
+        <p:spPr>
+          <a:xfrm>
+            <a:off x="4367695" y="200026"/>
+            <a:ext cx="6997911" cy="5995502"/>
+          </a:xfrm>
+        </p:spPr>
+        <p:txBody>
+          <a:bodyPr anchor="ctr">
+            <a:noAutofit/>
+          </a:bodyPr>
+          <a:lstStyle/>
+          <a:p>
+            <a:pPr>
+              <a:lnSpc>
+                <a:spcPct val="120000"/>
+              </a:lnSpc>
+              <a:buNone/>
+            </a:pPr>
+            <a:r>
+              <a:rPr lang="en-US" sz="1000" b="0" dirty="0">
+                <a:solidFill>
+                  <a:srgbClr val="000000"/>
+                </a:solidFill>
+                <a:effectLst/>
+                <a:latin typeface="Consolas" panose="020B0609020204030204" pitchFamily="49" charset="0"/>
+              </a:rPr>
+              <a:t>&lt;&lt;label&gt;&gt;   </a:t>
+            </a:r>
+            <a:r>
+              <a:rPr lang="en-US" sz="1000" b="0" dirty="0">
+                <a:solidFill>
+                  <a:srgbClr val="008000"/>
+                </a:solidFill>
+                <a:effectLst/>
+                <a:latin typeface="Consolas" panose="020B0609020204030204" pitchFamily="49" charset="0"/>
+              </a:rPr>
+              <a:t>-- this is optional</a:t>
+            </a:r>
+            <a:endParaRPr lang="en-US" sz="1000" b="0" dirty="0">
+              <a:solidFill>
+                <a:srgbClr val="000000"/>
+              </a:solidFill>
+              <a:effectLst/>
+              <a:latin typeface="Consolas" panose="020B0609020204030204" pitchFamily="49" charset="0"/>
+            </a:endParaRPr>
+          </a:p>
+          <a:p>
+            <a:pPr>
+              <a:lnSpc>
+                <a:spcPct val="120000"/>
+              </a:lnSpc>
+              <a:buNone/>
+            </a:pPr>
+            <a:r>
+              <a:rPr lang="en-US" sz="1200" b="1" dirty="0">
+                <a:solidFill>
+                  <a:srgbClr val="0000FF"/>
+                </a:solidFill>
+                <a:effectLst/>
+                <a:latin typeface="Consolas" panose="020B0609020204030204" pitchFamily="49" charset="0"/>
+              </a:rPr>
+              <a:t>DECLARE</a:t>
+            </a:r>
+            <a:endParaRPr lang="en-US" sz="1200" b="1" dirty="0">
+              <a:solidFill>
+                <a:srgbClr val="000000"/>
+              </a:solidFill>
+              <a:effectLst/>
+              <a:latin typeface="Consolas" panose="020B0609020204030204" pitchFamily="49" charset="0"/>
+            </a:endParaRPr>
+          </a:p>
+          <a:p>
+            <a:pPr>
+              <a:lnSpc>
+                <a:spcPct val="120000"/>
+              </a:lnSpc>
+              <a:buNone/>
+            </a:pPr>
+            <a:r>
+              <a:rPr lang="en-US" sz="1000" b="0" dirty="0">
+                <a:solidFill>
+                  <a:srgbClr val="008000"/>
+                </a:solidFill>
+                <a:effectLst/>
+                <a:latin typeface="Consolas" panose="020B0609020204030204" pitchFamily="49" charset="0"/>
+              </a:rPr>
+              <a:t>-- this section is optional</a:t>
+            </a:r>
+            <a:endParaRPr lang="en-US" sz="1000" b="0" dirty="0">
+              <a:solidFill>
+                <a:srgbClr val="000000"/>
+              </a:solidFill>
+              <a:effectLst/>
+              <a:latin typeface="Consolas" panose="020B0609020204030204" pitchFamily="49" charset="0"/>
+            </a:endParaRPr>
+          </a:p>
+          <a:p>
+            <a:pPr>
+              <a:lnSpc>
+                <a:spcPct val="120000"/>
+              </a:lnSpc>
+              <a:buNone/>
+            </a:pPr>
+            <a:r>
+              <a:rPr lang="en-US" sz="1000" b="0" dirty="0">
+                <a:solidFill>
+                  <a:srgbClr val="000000"/>
+                </a:solidFill>
+                <a:effectLst/>
+                <a:latin typeface="Consolas" panose="020B0609020204030204" pitchFamily="49" charset="0"/>
+              </a:rPr>
+              <a:t>  number1 </a:t>
+            </a:r>
+            <a:r>
+              <a:rPr lang="en-US" sz="1000" b="0" dirty="0">
+                <a:solidFill>
+                  <a:srgbClr val="0000FF"/>
+                </a:solidFill>
+                <a:effectLst/>
+                <a:latin typeface="Consolas" panose="020B0609020204030204" pitchFamily="49" charset="0"/>
+              </a:rPr>
+              <a:t>NUMBER</a:t>
+            </a:r>
+            <a:r>
+              <a:rPr lang="en-US" sz="1000" b="0" dirty="0">
+                <a:solidFill>
+                  <a:srgbClr val="000000"/>
+                </a:solidFill>
+                <a:effectLst/>
+                <a:latin typeface="Consolas" panose="020B0609020204030204" pitchFamily="49" charset="0"/>
+              </a:rPr>
+              <a:t>(</a:t>
+            </a:r>
+            <a:r>
+              <a:rPr lang="en-US" sz="1000" b="0" dirty="0">
+                <a:solidFill>
+                  <a:srgbClr val="098658"/>
+                </a:solidFill>
+                <a:effectLst/>
+                <a:latin typeface="Consolas" panose="020B0609020204030204" pitchFamily="49" charset="0"/>
+              </a:rPr>
+              <a:t>2</a:t>
+            </a:r>
+            <a:r>
+              <a:rPr lang="en-US" sz="1000" b="0" dirty="0">
+                <a:solidFill>
+                  <a:srgbClr val="000000"/>
+                </a:solidFill>
+                <a:effectLst/>
+                <a:latin typeface="Consolas" panose="020B0609020204030204" pitchFamily="49" charset="0"/>
+              </a:rPr>
+              <a:t>);</a:t>
+            </a:r>
+          </a:p>
+          <a:p>
+            <a:pPr>
+              <a:lnSpc>
+                <a:spcPct val="120000"/>
+              </a:lnSpc>
+              <a:buNone/>
+            </a:pPr>
+            <a:r>
+              <a:rPr lang="en-US" sz="1000" b="0" dirty="0">
+                <a:solidFill>
+                  <a:srgbClr val="000000"/>
+                </a:solidFill>
+                <a:effectLst/>
+                <a:latin typeface="Consolas" panose="020B0609020204030204" pitchFamily="49" charset="0"/>
+              </a:rPr>
+              <a:t>  number2 number1%</a:t>
+            </a:r>
+            <a:r>
+              <a:rPr lang="en-US" sz="1000" b="0" dirty="0">
+                <a:solidFill>
+                  <a:srgbClr val="0000FF"/>
+                </a:solidFill>
+                <a:effectLst/>
+                <a:latin typeface="Consolas" panose="020B0609020204030204" pitchFamily="49" charset="0"/>
+              </a:rPr>
+              <a:t>TYPE</a:t>
+            </a:r>
+            <a:r>
+              <a:rPr lang="en-US" sz="1000" b="0" dirty="0">
+                <a:solidFill>
+                  <a:srgbClr val="000000"/>
+                </a:solidFill>
+                <a:effectLst/>
+                <a:latin typeface="Consolas" panose="020B0609020204030204" pitchFamily="49" charset="0"/>
+              </a:rPr>
+              <a:t> := </a:t>
+            </a:r>
+            <a:r>
+              <a:rPr lang="en-US" sz="1000" b="0" dirty="0">
+                <a:solidFill>
+                  <a:srgbClr val="098658"/>
+                </a:solidFill>
+                <a:effectLst/>
+                <a:latin typeface="Consolas" panose="020B0609020204030204" pitchFamily="49" charset="0"/>
+              </a:rPr>
+              <a:t>17</a:t>
+            </a:r>
+            <a:r>
+              <a:rPr lang="en-US" sz="1000" b="0" dirty="0">
+                <a:solidFill>
+                  <a:srgbClr val="000000"/>
+                </a:solidFill>
+                <a:effectLst/>
+                <a:latin typeface="Consolas" panose="020B0609020204030204" pitchFamily="49" charset="0"/>
+              </a:rPr>
+              <a:t>;             </a:t>
+            </a:r>
+            <a:r>
+              <a:rPr lang="en-US" sz="1000" b="0" dirty="0">
+                <a:solidFill>
+                  <a:srgbClr val="008000"/>
+                </a:solidFill>
+                <a:effectLst/>
+                <a:latin typeface="Consolas" panose="020B0609020204030204" pitchFamily="49" charset="0"/>
+              </a:rPr>
+              <a:t>-- value default</a:t>
+            </a:r>
+            <a:endParaRPr lang="en-US" sz="1000" b="0" dirty="0">
+              <a:solidFill>
+                <a:srgbClr val="000000"/>
+              </a:solidFill>
+              <a:effectLst/>
+              <a:latin typeface="Consolas" panose="020B0609020204030204" pitchFamily="49" charset="0"/>
+            </a:endParaRPr>
+          </a:p>
+          <a:p>
+            <a:pPr>
+              <a:lnSpc>
+                <a:spcPct val="120000"/>
+              </a:lnSpc>
+              <a:buNone/>
+            </a:pPr>
+            <a:r>
+              <a:rPr lang="en-US" sz="1000" b="0" dirty="0">
+                <a:solidFill>
+                  <a:srgbClr val="000000"/>
+                </a:solidFill>
+                <a:effectLst/>
+                <a:latin typeface="Consolas" panose="020B0609020204030204" pitchFamily="49" charset="0"/>
+              </a:rPr>
+              <a:t>  text1   </a:t>
+            </a:r>
+            <a:r>
+              <a:rPr lang="en-US" sz="1000" b="0" dirty="0">
+                <a:solidFill>
+                  <a:srgbClr val="0000FF"/>
+                </a:solidFill>
+                <a:effectLst/>
+                <a:latin typeface="Consolas" panose="020B0609020204030204" pitchFamily="49" charset="0"/>
+              </a:rPr>
+              <a:t>VARCHAR2</a:t>
+            </a:r>
+            <a:r>
+              <a:rPr lang="en-US" sz="1000" b="0" dirty="0">
+                <a:solidFill>
+                  <a:srgbClr val="000000"/>
+                </a:solidFill>
+                <a:effectLst/>
+                <a:latin typeface="Consolas" panose="020B0609020204030204" pitchFamily="49" charset="0"/>
+              </a:rPr>
+              <a:t>(</a:t>
+            </a:r>
+            <a:r>
+              <a:rPr lang="en-US" sz="1000" b="0" dirty="0">
+                <a:solidFill>
+                  <a:srgbClr val="098658"/>
+                </a:solidFill>
+                <a:effectLst/>
+                <a:latin typeface="Consolas" panose="020B0609020204030204" pitchFamily="49" charset="0"/>
+              </a:rPr>
+              <a:t>12</a:t>
+            </a:r>
+            <a:r>
+              <a:rPr lang="en-US" sz="1000" b="0" dirty="0">
+                <a:solidFill>
+                  <a:srgbClr val="000000"/>
+                </a:solidFill>
+                <a:effectLst/>
+                <a:latin typeface="Consolas" panose="020B0609020204030204" pitchFamily="49" charset="0"/>
+              </a:rPr>
+              <a:t>) := </a:t>
+            </a:r>
+            <a:r>
+              <a:rPr lang="en-US" sz="1000" b="0" dirty="0">
+                <a:solidFill>
+                  <a:srgbClr val="A31515"/>
+                </a:solidFill>
+                <a:effectLst/>
+                <a:latin typeface="Consolas" panose="020B0609020204030204" pitchFamily="49" charset="0"/>
+              </a:rPr>
+              <a:t>'      Hello world       '</a:t>
+            </a:r>
+            <a:r>
+              <a:rPr lang="en-US" sz="1000" b="0" dirty="0">
+                <a:solidFill>
+                  <a:srgbClr val="000000"/>
+                </a:solidFill>
+                <a:effectLst/>
+                <a:latin typeface="Consolas" panose="020B0609020204030204" pitchFamily="49" charset="0"/>
+              </a:rPr>
+              <a:t>;</a:t>
+            </a:r>
+          </a:p>
+          <a:p>
+            <a:pPr>
+              <a:lnSpc>
+                <a:spcPct val="120000"/>
+              </a:lnSpc>
+              <a:buNone/>
+            </a:pPr>
+            <a:r>
+              <a:rPr lang="en-US" sz="1000" b="0" dirty="0">
+                <a:solidFill>
+                  <a:srgbClr val="000000"/>
+                </a:solidFill>
+                <a:effectLst/>
+                <a:latin typeface="Consolas" panose="020B0609020204030204" pitchFamily="49" charset="0"/>
+              </a:rPr>
+              <a:t>  text2   </a:t>
+            </a:r>
+            <a:r>
+              <a:rPr lang="en-US" sz="1000" b="0" dirty="0">
+                <a:solidFill>
+                  <a:srgbClr val="0000FF"/>
+                </a:solidFill>
+                <a:effectLst/>
+                <a:latin typeface="Consolas" panose="020B0609020204030204" pitchFamily="49" charset="0"/>
+              </a:rPr>
+              <a:t>DATE</a:t>
+            </a:r>
+            <a:r>
+              <a:rPr lang="en-US" sz="1000" b="0" dirty="0">
+                <a:solidFill>
+                  <a:srgbClr val="000000"/>
+                </a:solidFill>
+                <a:effectLst/>
+                <a:latin typeface="Consolas" panose="020B0609020204030204" pitchFamily="49" charset="0"/>
+              </a:rPr>
+              <a:t>         := </a:t>
+            </a:r>
+            <a:r>
+              <a:rPr lang="en-US" sz="1000" b="0" dirty="0">
+                <a:solidFill>
+                  <a:srgbClr val="0000FF"/>
+                </a:solidFill>
+                <a:effectLst/>
+                <a:latin typeface="Consolas" panose="020B0609020204030204" pitchFamily="49" charset="0"/>
+              </a:rPr>
+              <a:t>SYSDATE</a:t>
+            </a:r>
+            <a:r>
+              <a:rPr lang="en-US" sz="1000" b="0" dirty="0">
+                <a:solidFill>
+                  <a:srgbClr val="000000"/>
+                </a:solidFill>
+                <a:effectLst/>
+                <a:latin typeface="Consolas" panose="020B0609020204030204" pitchFamily="49" charset="0"/>
+              </a:rPr>
+              <a:t>;        </a:t>
+            </a:r>
+            <a:r>
+              <a:rPr lang="en-US" sz="1000" b="0" dirty="0">
+                <a:solidFill>
+                  <a:srgbClr val="008000"/>
+                </a:solidFill>
+                <a:effectLst/>
+                <a:latin typeface="Consolas" panose="020B0609020204030204" pitchFamily="49" charset="0"/>
+              </a:rPr>
+              <a:t>-- current date and time</a:t>
+            </a:r>
+            <a:endParaRPr lang="en-US" sz="1000" b="0" dirty="0">
+              <a:solidFill>
+                <a:srgbClr val="000000"/>
+              </a:solidFill>
+              <a:effectLst/>
+              <a:latin typeface="Consolas" panose="020B0609020204030204" pitchFamily="49" charset="0"/>
+            </a:endParaRPr>
+          </a:p>
+          <a:p>
+            <a:pPr>
+              <a:lnSpc>
+                <a:spcPct val="120000"/>
+              </a:lnSpc>
+              <a:buNone/>
+            </a:pPr>
+            <a:r>
+              <a:rPr lang="en-US" sz="1200" b="1" dirty="0">
+                <a:solidFill>
+                  <a:srgbClr val="0000FF"/>
+                </a:solidFill>
+                <a:effectLst/>
+                <a:latin typeface="Consolas" panose="020B0609020204030204" pitchFamily="49" charset="0"/>
+              </a:rPr>
+              <a:t>BEGIN</a:t>
+            </a:r>
+            <a:endParaRPr lang="en-US" sz="1200" b="1" dirty="0">
+              <a:solidFill>
+                <a:srgbClr val="000000"/>
+              </a:solidFill>
+              <a:effectLst/>
+              <a:latin typeface="Consolas" panose="020B0609020204030204" pitchFamily="49" charset="0"/>
+            </a:endParaRPr>
+          </a:p>
+          <a:p>
+            <a:pPr>
+              <a:lnSpc>
+                <a:spcPct val="120000"/>
+              </a:lnSpc>
+              <a:buNone/>
+            </a:pPr>
+            <a:r>
+              <a:rPr lang="en-US" sz="1000" b="0" dirty="0">
+                <a:solidFill>
+                  <a:srgbClr val="008000"/>
+                </a:solidFill>
+                <a:effectLst/>
+                <a:latin typeface="Consolas" panose="020B0609020204030204" pitchFamily="49" charset="0"/>
+              </a:rPr>
+              <a:t>-- this section is mandatory, must contain at least one executable statement</a:t>
+            </a:r>
+            <a:endParaRPr lang="en-US" sz="1000" b="0" dirty="0">
+              <a:solidFill>
+                <a:srgbClr val="000000"/>
+              </a:solidFill>
+              <a:effectLst/>
+              <a:latin typeface="Consolas" panose="020B0609020204030204" pitchFamily="49" charset="0"/>
+            </a:endParaRPr>
+          </a:p>
+          <a:p>
+            <a:pPr>
+              <a:lnSpc>
+                <a:spcPct val="120000"/>
+              </a:lnSpc>
+              <a:buNone/>
+            </a:pPr>
+            <a:r>
+              <a:rPr lang="en-US" sz="1000" b="0" dirty="0">
+                <a:solidFill>
+                  <a:srgbClr val="000000"/>
+                </a:solidFill>
+                <a:effectLst/>
+                <a:latin typeface="Consolas" panose="020B0609020204030204" pitchFamily="49" charset="0"/>
+              </a:rPr>
+              <a:t>  </a:t>
+            </a:r>
+            <a:r>
+              <a:rPr lang="en-US" sz="1000" b="0" dirty="0">
+                <a:solidFill>
+                  <a:srgbClr val="0000FF"/>
+                </a:solidFill>
+                <a:effectLst/>
+                <a:latin typeface="Consolas" panose="020B0609020204030204" pitchFamily="49" charset="0"/>
+              </a:rPr>
+              <a:t>SELECT</a:t>
+            </a:r>
+            <a:r>
+              <a:rPr lang="en-US" sz="1000" b="0" dirty="0">
+                <a:solidFill>
+                  <a:srgbClr val="000000"/>
+                </a:solidFill>
+                <a:effectLst/>
+                <a:latin typeface="Consolas" panose="020B0609020204030204" pitchFamily="49" charset="0"/>
+              </a:rPr>
+              <a:t> </a:t>
+            </a:r>
+            <a:r>
+              <a:rPr lang="en-US" sz="1000" b="0" dirty="0" err="1">
+                <a:solidFill>
+                  <a:srgbClr val="000000"/>
+                </a:solidFill>
+                <a:effectLst/>
+                <a:latin typeface="Consolas" panose="020B0609020204030204" pitchFamily="49" charset="0"/>
+              </a:rPr>
+              <a:t>street_number</a:t>
+            </a:r>
+            <a:endParaRPr lang="en-US" sz="1000" b="0" dirty="0">
+              <a:solidFill>
+                <a:srgbClr val="000000"/>
+              </a:solidFill>
+              <a:effectLst/>
+              <a:latin typeface="Consolas" panose="020B0609020204030204" pitchFamily="49" charset="0"/>
+            </a:endParaRPr>
+          </a:p>
+          <a:p>
+            <a:pPr>
+              <a:lnSpc>
+                <a:spcPct val="120000"/>
+              </a:lnSpc>
+              <a:buNone/>
+            </a:pPr>
+            <a:r>
+              <a:rPr lang="en-US" sz="1000" b="0" dirty="0">
+                <a:solidFill>
+                  <a:srgbClr val="000000"/>
+                </a:solidFill>
+                <a:effectLst/>
+                <a:latin typeface="Consolas" panose="020B0609020204030204" pitchFamily="49" charset="0"/>
+              </a:rPr>
+              <a:t>    </a:t>
+            </a:r>
+            <a:r>
+              <a:rPr lang="en-US" sz="1000" b="0" dirty="0">
+                <a:solidFill>
+                  <a:srgbClr val="0000FF"/>
+                </a:solidFill>
+                <a:effectLst/>
+                <a:latin typeface="Consolas" panose="020B0609020204030204" pitchFamily="49" charset="0"/>
+              </a:rPr>
+              <a:t>INTO</a:t>
+            </a:r>
+            <a:r>
+              <a:rPr lang="en-US" sz="1000" b="0" dirty="0">
+                <a:solidFill>
+                  <a:srgbClr val="000000"/>
+                </a:solidFill>
+                <a:effectLst/>
+                <a:latin typeface="Consolas" panose="020B0609020204030204" pitchFamily="49" charset="0"/>
+              </a:rPr>
+              <a:t> number1</a:t>
+            </a:r>
+          </a:p>
+          <a:p>
+            <a:pPr>
+              <a:lnSpc>
+                <a:spcPct val="120000"/>
+              </a:lnSpc>
+              <a:buNone/>
+            </a:pPr>
+            <a:r>
+              <a:rPr lang="en-US" sz="1000" b="0" dirty="0">
+                <a:solidFill>
+                  <a:srgbClr val="000000"/>
+                </a:solidFill>
+                <a:effectLst/>
+                <a:latin typeface="Consolas" panose="020B0609020204030204" pitchFamily="49" charset="0"/>
+              </a:rPr>
+              <a:t>    </a:t>
+            </a:r>
+            <a:r>
+              <a:rPr lang="en-US" sz="1000" b="0" dirty="0">
+                <a:solidFill>
+                  <a:srgbClr val="0000FF"/>
+                </a:solidFill>
+                <a:effectLst/>
+                <a:latin typeface="Consolas" panose="020B0609020204030204" pitchFamily="49" charset="0"/>
+              </a:rPr>
+              <a:t>FROM</a:t>
+            </a:r>
+            <a:r>
+              <a:rPr lang="en-US" sz="1000" b="0" dirty="0">
+                <a:solidFill>
+                  <a:srgbClr val="000000"/>
+                </a:solidFill>
+                <a:effectLst/>
+                <a:latin typeface="Consolas" panose="020B0609020204030204" pitchFamily="49" charset="0"/>
+              </a:rPr>
+              <a:t> </a:t>
+            </a:r>
+            <a:r>
+              <a:rPr lang="en-US" sz="1000" b="0" dirty="0">
+                <a:solidFill>
+                  <a:srgbClr val="0000FF"/>
+                </a:solidFill>
+                <a:effectLst/>
+                <a:latin typeface="Consolas" panose="020B0609020204030204" pitchFamily="49" charset="0"/>
+              </a:rPr>
+              <a:t>address</a:t>
+            </a:r>
+            <a:endParaRPr lang="en-US" sz="1000" b="0" dirty="0">
+              <a:solidFill>
+                <a:srgbClr val="000000"/>
+              </a:solidFill>
+              <a:effectLst/>
+              <a:latin typeface="Consolas" panose="020B0609020204030204" pitchFamily="49" charset="0"/>
+            </a:endParaRPr>
+          </a:p>
+          <a:p>
+            <a:pPr>
+              <a:lnSpc>
+                <a:spcPct val="120000"/>
+              </a:lnSpc>
+              <a:buNone/>
+            </a:pPr>
+            <a:r>
+              <a:rPr lang="en-US" sz="1000" b="0" dirty="0">
+                <a:solidFill>
+                  <a:srgbClr val="000000"/>
+                </a:solidFill>
+                <a:effectLst/>
+                <a:latin typeface="Consolas" panose="020B0609020204030204" pitchFamily="49" charset="0"/>
+              </a:rPr>
+              <a:t>    </a:t>
+            </a:r>
+            <a:r>
+              <a:rPr lang="en-US" sz="1000" b="0" dirty="0">
+                <a:solidFill>
+                  <a:srgbClr val="0000FF"/>
+                </a:solidFill>
+                <a:effectLst/>
+                <a:latin typeface="Consolas" panose="020B0609020204030204" pitchFamily="49" charset="0"/>
+              </a:rPr>
+              <a:t>WHERE</a:t>
+            </a:r>
+            <a:r>
+              <a:rPr lang="en-US" sz="1000" b="0" dirty="0">
+                <a:solidFill>
+                  <a:srgbClr val="000000"/>
+                </a:solidFill>
+                <a:effectLst/>
+                <a:latin typeface="Consolas" panose="020B0609020204030204" pitchFamily="49" charset="0"/>
+              </a:rPr>
+              <a:t> </a:t>
+            </a:r>
+            <a:r>
+              <a:rPr lang="en-US" sz="1000" b="0" dirty="0">
+                <a:solidFill>
+                  <a:srgbClr val="0000FF"/>
+                </a:solidFill>
+                <a:effectLst/>
+                <a:latin typeface="Consolas" panose="020B0609020204030204" pitchFamily="49" charset="0"/>
+              </a:rPr>
+              <a:t>name</a:t>
+            </a:r>
+            <a:r>
+              <a:rPr lang="en-US" sz="1000" b="0" dirty="0">
+                <a:solidFill>
+                  <a:srgbClr val="000000"/>
+                </a:solidFill>
+                <a:effectLst/>
+                <a:latin typeface="Consolas" panose="020B0609020204030204" pitchFamily="49" charset="0"/>
+              </a:rPr>
+              <a:t> = </a:t>
+            </a:r>
+            <a:r>
+              <a:rPr lang="en-US" sz="1000" b="0" dirty="0">
+                <a:solidFill>
+                  <a:srgbClr val="A31515"/>
+                </a:solidFill>
+                <a:effectLst/>
+                <a:latin typeface="Consolas" panose="020B0609020204030204" pitchFamily="49" charset="0"/>
+              </a:rPr>
+              <a:t>'INU'</a:t>
+            </a:r>
+            <a:r>
+              <a:rPr lang="en-US" sz="1000" b="0" dirty="0">
+                <a:solidFill>
+                  <a:srgbClr val="000000"/>
+                </a:solidFill>
+                <a:effectLst/>
+                <a:latin typeface="Consolas" panose="020B0609020204030204" pitchFamily="49" charset="0"/>
+              </a:rPr>
+              <a:t>;</a:t>
+            </a:r>
+          </a:p>
+          <a:p>
+            <a:pPr>
+              <a:lnSpc>
+                <a:spcPct val="120000"/>
+              </a:lnSpc>
+              <a:buNone/>
+            </a:pPr>
+            <a:r>
+              <a:rPr lang="en-US" sz="1200" b="1" dirty="0">
+                <a:solidFill>
+                  <a:srgbClr val="0925B3"/>
+                </a:solidFill>
+                <a:effectLst/>
+                <a:latin typeface="Consolas" panose="020B0609020204030204" pitchFamily="49" charset="0"/>
+              </a:rPr>
+              <a:t>EXCEPTION</a:t>
+            </a:r>
+          </a:p>
+          <a:p>
+            <a:pPr>
+              <a:lnSpc>
+                <a:spcPct val="120000"/>
+              </a:lnSpc>
+              <a:buNone/>
+            </a:pPr>
+            <a:r>
+              <a:rPr lang="en-US" sz="1000" b="0" dirty="0">
+                <a:solidFill>
+                  <a:srgbClr val="008000"/>
+                </a:solidFill>
+                <a:effectLst/>
+                <a:latin typeface="Consolas" panose="020B0609020204030204" pitchFamily="49" charset="0"/>
+              </a:rPr>
+              <a:t>-- this section is optional</a:t>
+            </a:r>
+            <a:endParaRPr lang="en-US" sz="1000" b="0" dirty="0">
+              <a:solidFill>
+                <a:srgbClr val="000000"/>
+              </a:solidFill>
+              <a:effectLst/>
+              <a:latin typeface="Consolas" panose="020B0609020204030204" pitchFamily="49" charset="0"/>
+            </a:endParaRPr>
+          </a:p>
+          <a:p>
+            <a:pPr>
+              <a:lnSpc>
+                <a:spcPct val="120000"/>
+              </a:lnSpc>
+              <a:buNone/>
+            </a:pPr>
+            <a:r>
+              <a:rPr lang="en-US" sz="1000" b="0" dirty="0">
+                <a:solidFill>
+                  <a:srgbClr val="000000"/>
+                </a:solidFill>
+                <a:effectLst/>
+                <a:latin typeface="Consolas" panose="020B0609020204030204" pitchFamily="49" charset="0"/>
+              </a:rPr>
+              <a:t>   </a:t>
+            </a:r>
+            <a:r>
+              <a:rPr lang="en-US" sz="1000" b="0" dirty="0">
+                <a:solidFill>
+                  <a:srgbClr val="0000FF"/>
+                </a:solidFill>
+                <a:effectLst/>
+                <a:latin typeface="Consolas" panose="020B0609020204030204" pitchFamily="49" charset="0"/>
+              </a:rPr>
+              <a:t>WHEN</a:t>
+            </a:r>
+            <a:r>
+              <a:rPr lang="en-US" sz="1000" b="0" dirty="0">
+                <a:solidFill>
+                  <a:srgbClr val="000000"/>
+                </a:solidFill>
+                <a:effectLst/>
+                <a:latin typeface="Consolas" panose="020B0609020204030204" pitchFamily="49" charset="0"/>
+              </a:rPr>
+              <a:t> OTHERS </a:t>
+            </a:r>
+            <a:r>
+              <a:rPr lang="en-US" sz="1000" b="0" dirty="0">
+                <a:solidFill>
+                  <a:srgbClr val="0000FF"/>
+                </a:solidFill>
+                <a:effectLst/>
+                <a:latin typeface="Consolas" panose="020B0609020204030204" pitchFamily="49" charset="0"/>
+              </a:rPr>
+              <a:t>THEN</a:t>
+            </a:r>
+            <a:endParaRPr lang="en-US" sz="1000" b="0" dirty="0">
+              <a:solidFill>
+                <a:srgbClr val="000000"/>
+              </a:solidFill>
+              <a:effectLst/>
+              <a:latin typeface="Consolas" panose="020B0609020204030204" pitchFamily="49" charset="0"/>
+            </a:endParaRPr>
+          </a:p>
+          <a:p>
+            <a:pPr>
+              <a:lnSpc>
+                <a:spcPct val="120000"/>
+              </a:lnSpc>
+              <a:buNone/>
+            </a:pPr>
+            <a:r>
+              <a:rPr lang="en-US" sz="1000" b="0" dirty="0">
+                <a:solidFill>
+                  <a:srgbClr val="000000"/>
+                </a:solidFill>
+                <a:effectLst/>
+                <a:latin typeface="Consolas" panose="020B0609020204030204" pitchFamily="49" charset="0"/>
+              </a:rPr>
+              <a:t>     DBMS_OUTPUT.PUT_LINE(</a:t>
+            </a:r>
+            <a:r>
+              <a:rPr lang="en-US" sz="1000" b="0" dirty="0">
+                <a:solidFill>
+                  <a:srgbClr val="A31515"/>
+                </a:solidFill>
+                <a:effectLst/>
+                <a:latin typeface="Consolas" panose="020B0609020204030204" pitchFamily="49" charset="0"/>
+              </a:rPr>
+              <a:t>'Error Code is '</a:t>
+            </a:r>
+            <a:r>
+              <a:rPr lang="en-US" sz="1000" b="0" dirty="0">
+                <a:solidFill>
+                  <a:srgbClr val="000000"/>
+                </a:solidFill>
+                <a:effectLst/>
+                <a:latin typeface="Consolas" panose="020B0609020204030204" pitchFamily="49" charset="0"/>
+              </a:rPr>
+              <a:t> || TO_CHAR(</a:t>
+            </a:r>
+            <a:r>
+              <a:rPr lang="en-US" sz="1000" b="0" dirty="0" err="1">
+                <a:solidFill>
+                  <a:srgbClr val="000000"/>
+                </a:solidFill>
+                <a:effectLst/>
+                <a:latin typeface="Consolas" panose="020B0609020204030204" pitchFamily="49" charset="0"/>
+              </a:rPr>
+              <a:t>sqlcode</a:t>
+            </a:r>
+            <a:r>
+              <a:rPr lang="en-US" sz="1000" b="0" dirty="0">
+                <a:solidFill>
+                  <a:srgbClr val="000000"/>
+                </a:solidFill>
+                <a:effectLst/>
+                <a:latin typeface="Consolas" panose="020B0609020204030204" pitchFamily="49" charset="0"/>
+              </a:rPr>
+              <a:t>));</a:t>
+            </a:r>
+          </a:p>
+          <a:p>
+            <a:pPr>
+              <a:lnSpc>
+                <a:spcPct val="120000"/>
+              </a:lnSpc>
+              <a:buNone/>
+            </a:pPr>
+            <a:r>
+              <a:rPr lang="en-US" sz="1000" b="0" dirty="0">
+                <a:solidFill>
+                  <a:srgbClr val="000000"/>
+                </a:solidFill>
+                <a:effectLst/>
+                <a:latin typeface="Consolas" panose="020B0609020204030204" pitchFamily="49" charset="0"/>
+              </a:rPr>
+              <a:t>     DBMS_OUTPUT.PUT_LINE(</a:t>
+            </a:r>
+            <a:r>
+              <a:rPr lang="en-US" sz="1000" b="0" dirty="0">
+                <a:solidFill>
+                  <a:srgbClr val="A31515"/>
+                </a:solidFill>
+                <a:effectLst/>
+                <a:latin typeface="Consolas" panose="020B0609020204030204" pitchFamily="49" charset="0"/>
+              </a:rPr>
+              <a:t>'Error Message is '</a:t>
+            </a:r>
+            <a:r>
+              <a:rPr lang="en-US" sz="1000" b="0" dirty="0">
+                <a:solidFill>
+                  <a:srgbClr val="000000"/>
+                </a:solidFill>
+                <a:effectLst/>
+                <a:latin typeface="Consolas" panose="020B0609020204030204" pitchFamily="49" charset="0"/>
+              </a:rPr>
+              <a:t> || </a:t>
+            </a:r>
+            <a:r>
+              <a:rPr lang="en-US" sz="1000" b="0" dirty="0" err="1">
+                <a:solidFill>
+                  <a:srgbClr val="000000"/>
+                </a:solidFill>
+                <a:effectLst/>
+                <a:latin typeface="Consolas" panose="020B0609020204030204" pitchFamily="49" charset="0"/>
+              </a:rPr>
+              <a:t>sqlerrm</a:t>
+            </a:r>
+            <a:r>
+              <a:rPr lang="en-US" sz="1000" b="0" dirty="0">
+                <a:solidFill>
+                  <a:srgbClr val="000000"/>
+                </a:solidFill>
+                <a:effectLst/>
+                <a:latin typeface="Consolas" panose="020B0609020204030204" pitchFamily="49" charset="0"/>
+              </a:rPr>
+              <a:t>);</a:t>
+            </a:r>
+          </a:p>
+          <a:p>
+            <a:pPr marL="0" indent="0">
+              <a:lnSpc>
+                <a:spcPct val="120000"/>
+              </a:lnSpc>
+              <a:buNone/>
+            </a:pPr>
+            <a:r>
+              <a:rPr lang="en-US" sz="1200" b="1" dirty="0">
+                <a:solidFill>
+                  <a:srgbClr val="0000FF"/>
+                </a:solidFill>
+                <a:effectLst/>
+                <a:latin typeface="Consolas" panose="020B0609020204030204" pitchFamily="49" charset="0"/>
+              </a:rPr>
+              <a:t>END</a:t>
+            </a:r>
+            <a:r>
+              <a:rPr lang="en-US" sz="1000" b="0" dirty="0">
+                <a:solidFill>
+                  <a:srgbClr val="000000"/>
+                </a:solidFill>
+                <a:effectLst/>
+                <a:latin typeface="Consolas" panose="020B0609020204030204" pitchFamily="49" charset="0"/>
+              </a:rPr>
+              <a:t>;</a:t>
+            </a:r>
+          </a:p>
+        </p:txBody>
+      </p:sp>
+    </p:spTree>
+    <p:extLst>
+      <p:ext uri="{BB962C8B-B14F-4D97-AF65-F5344CB8AC3E}">
+        <p14:creationId xmlns:p14="http://schemas.microsoft.com/office/powerpoint/2010/main" val="3375352583"/>
+      </p:ext>
+    </p:extLst>
+  </p:cSld>
+  <p:clrMapOvr>
+    <a:masterClrMapping/>
+  </p:clrMapOvr>
+</p:sld>
+</file>
+
+<file path=ppt/slides/slide6.xml><?xml version="1.0" encoding="utf-8"?>
 <p:sld xmlns:a="http://schemas.openxmlformats.org/drawingml/2006/main" xmlns:r="http://schemas.openxmlformats.org/officeDocument/2006/relationships" xmlns:p="http://schemas.openxmlformats.org/presentationml/2006/main">
   <p:cSld>
     <p:bg>
@@ -7173,7 +8866,7 @@
 </p:sld>
 </file>
 
-<file path=ppt/slides/slide6.xml><?xml version="1.0" encoding="utf-8"?>
+<file path=ppt/slides/slide7.xml><?xml version="1.0" encoding="utf-8"?>
 <p:sld xmlns:a="http://schemas.openxmlformats.org/drawingml/2006/main" xmlns:r="http://schemas.openxmlformats.org/officeDocument/2006/relationships" xmlns:p="http://schemas.openxmlformats.org/presentationml/2006/main">
   <p:cSld>
     <p:bg>
@@ -7347,286 +9040,6 @@
 </p:sld>
 </file>
 
-<file path=ppt/slides/slide7.xml><?xml version="1.0" encoding="utf-8"?>
-<p:sld xmlns:a="http://schemas.openxmlformats.org/drawingml/2006/main" xmlns:r="http://schemas.openxmlformats.org/officeDocument/2006/relationships" xmlns:p="http://schemas.openxmlformats.org/presentationml/2006/main">
-  <p:cSld>
-    <p:spTree>
-      <p:nvGrpSpPr>
-        <p:cNvPr id="1" name=""/>
-        <p:cNvGrpSpPr/>
-        <p:nvPr/>
-      </p:nvGrpSpPr>
-      <p:grpSpPr>
-        <a:xfrm>
-          <a:off x="0" y="0"/>
-          <a:ext cx="0" cy="0"/>
-          <a:chOff x="0" y="0"/>
-          <a:chExt cx="0" cy="0"/>
-        </a:xfrm>
-      </p:grpSpPr>
-      <p:sp>
-        <p:nvSpPr>
-          <p:cNvPr id="2" name="Title 1">
-            <a:extLst>
-              <a:ext uri="{FF2B5EF4-FFF2-40B4-BE49-F238E27FC236}">
-                <a16:creationId xmlns:a16="http://schemas.microsoft.com/office/drawing/2014/main" id="{163280EC-301E-0437-5BCC-C524357744B6}"/>
-              </a:ext>
-            </a:extLst>
-          </p:cNvPr>
-          <p:cNvSpPr>
-            <a:spLocks noGrp="1"/>
-          </p:cNvSpPr>
-          <p:nvPr>
-            <p:ph type="title"/>
-          </p:nvPr>
-        </p:nvSpPr>
-        <p:spPr>
-          <a:xfrm>
-            <a:off x="511277" y="177646"/>
-            <a:ext cx="4608871" cy="637765"/>
-          </a:xfrm>
-        </p:spPr>
-        <p:txBody>
-          <a:bodyPr>
-            <a:normAutofit fontScale="90000"/>
-          </a:bodyPr>
-          <a:lstStyle/>
-          <a:p>
-            <a:r>
-              <a:rPr lang="en-US" dirty="0"/>
-              <a:t>Realtime scenarios</a:t>
-            </a:r>
-          </a:p>
-        </p:txBody>
-      </p:sp>
-      <p:sp>
-        <p:nvSpPr>
-          <p:cNvPr id="3" name="Content Placeholder 2">
-            <a:extLst>
-              <a:ext uri="{FF2B5EF4-FFF2-40B4-BE49-F238E27FC236}">
-                <a16:creationId xmlns:a16="http://schemas.microsoft.com/office/drawing/2014/main" id="{D96A2371-0D71-F694-AEFF-CF7585255872}"/>
-              </a:ext>
-            </a:extLst>
-          </p:cNvPr>
-          <p:cNvSpPr>
-            <a:spLocks noGrp="1"/>
-          </p:cNvSpPr>
-          <p:nvPr>
-            <p:ph idx="1"/>
-          </p:nvPr>
-        </p:nvSpPr>
-        <p:spPr>
-          <a:xfrm>
-            <a:off x="511277" y="904568"/>
-            <a:ext cx="11375923" cy="5456903"/>
-          </a:xfrm>
-        </p:spPr>
-        <p:txBody>
-          <a:bodyPr>
-            <a:normAutofit fontScale="92500" lnSpcReduction="10000"/>
-          </a:bodyPr>
-          <a:lstStyle/>
-          <a:p>
-            <a:pPr>
-              <a:buNone/>
-            </a:pPr>
-            <a:r>
-              <a:rPr lang="en-US" sz="1600" dirty="0"/>
-              <a:t>PL/SQL is widely used in real-world applications where procedural logic is required to handle complex database operations efficiently. </a:t>
-            </a:r>
-          </a:p>
-          <a:p>
-            <a:pPr>
-              <a:buNone/>
-            </a:pPr>
-            <a:r>
-              <a:rPr lang="en-US" sz="1600" dirty="0"/>
-              <a:t>Here are some real-time scenarios where PL/SQL becomes essential:</a:t>
-            </a:r>
-          </a:p>
-          <a:p>
-            <a:pPr>
-              <a:buNone/>
-            </a:pPr>
-            <a:r>
-              <a:rPr lang="en-US" sz="1600" b="1" dirty="0"/>
-              <a:t>1. Automated Salary Calculation</a:t>
-            </a:r>
-            <a:endParaRPr lang="en-US" sz="1600" dirty="0"/>
-          </a:p>
-          <a:p>
-            <a:pPr lvl="1"/>
-            <a:r>
-              <a:rPr lang="en-US" sz="1400" dirty="0"/>
-              <a:t>In an HR system, PL/SQL procedures can calculate salaries based on employee records, deductions, bonuses, and tax regulations.</a:t>
-            </a:r>
-          </a:p>
-          <a:p>
-            <a:pPr lvl="1"/>
-            <a:r>
-              <a:rPr lang="en-US" sz="1400" b="1" dirty="0"/>
-              <a:t>Example:</a:t>
-            </a:r>
-            <a:r>
-              <a:rPr lang="en-US" sz="1400" dirty="0"/>
-              <a:t> A stored procedure calculates net salary and updates the payroll table automatically.</a:t>
-            </a:r>
-          </a:p>
-          <a:p>
-            <a:pPr>
-              <a:buNone/>
-            </a:pPr>
-            <a:r>
-              <a:rPr lang="en-US" sz="1600" b="1" dirty="0"/>
-              <a:t>2. Banking Transactions (Funds Transfer)</a:t>
-            </a:r>
-            <a:endParaRPr lang="en-US" sz="1600" dirty="0"/>
-          </a:p>
-          <a:p>
-            <a:pPr lvl="1"/>
-            <a:r>
-              <a:rPr lang="en-US" sz="1400" dirty="0"/>
-              <a:t>Banks use PL/SQL to ensure transactional integrity when transferring funds between accounts.</a:t>
-            </a:r>
-          </a:p>
-          <a:p>
-            <a:pPr lvl="1"/>
-            <a:r>
-              <a:rPr lang="en-US" sz="1400" b="1" dirty="0"/>
-              <a:t>Example:</a:t>
-            </a:r>
-            <a:r>
-              <a:rPr lang="en-US" sz="1400" dirty="0"/>
-              <a:t> A PL/SQL block checks balances, deducts from the sender, adds to the receiver, and ensures rollback in case of failure.</a:t>
-            </a:r>
-          </a:p>
-          <a:p>
-            <a:pPr>
-              <a:buNone/>
-            </a:pPr>
-            <a:r>
-              <a:rPr lang="en-US" sz="1600" b="1" dirty="0"/>
-              <a:t>3. Inventory Management</a:t>
-            </a:r>
-            <a:endParaRPr lang="en-US" sz="1600" dirty="0"/>
-          </a:p>
-          <a:p>
-            <a:pPr lvl="1"/>
-            <a:r>
-              <a:rPr lang="en-US" sz="1400" dirty="0"/>
-              <a:t>Companies track stock levels and automate reordering processes using PL/SQL triggers.</a:t>
-            </a:r>
-          </a:p>
-          <a:p>
-            <a:pPr lvl="1"/>
-            <a:r>
-              <a:rPr lang="en-US" sz="1400" b="1" dirty="0"/>
-              <a:t>Example:</a:t>
-            </a:r>
-            <a:r>
-              <a:rPr lang="en-US" sz="1400" dirty="0"/>
-              <a:t> A trigger detects when stock falls below a threshold and places an automated purchase request.</a:t>
-            </a:r>
-          </a:p>
-          <a:p>
-            <a:pPr>
-              <a:buNone/>
-            </a:pPr>
-            <a:r>
-              <a:rPr lang="en-US" sz="1600" b="1" dirty="0"/>
-              <a:t>4. Loan Processing System</a:t>
-            </a:r>
-            <a:endParaRPr lang="en-US" sz="1600" dirty="0"/>
-          </a:p>
-          <a:p>
-            <a:pPr lvl="1"/>
-            <a:r>
-              <a:rPr lang="en-US" sz="1400" dirty="0"/>
-              <a:t>Financial institutions use PL/SQL to validate loan eligibility and calculate EMI amounts.</a:t>
-            </a:r>
-          </a:p>
-          <a:p>
-            <a:pPr lvl="1"/>
-            <a:r>
-              <a:rPr lang="en-US" sz="1400" b="1" dirty="0"/>
-              <a:t>Example:</a:t>
-            </a:r>
-            <a:r>
-              <a:rPr lang="en-US" sz="1400" dirty="0"/>
-              <a:t> A function calculates loan eligibility based on customer credit score and transaction history.</a:t>
-            </a:r>
-          </a:p>
-          <a:p>
-            <a:pPr>
-              <a:buNone/>
-            </a:pPr>
-            <a:r>
-              <a:rPr lang="en-US" sz="1600" b="1" dirty="0"/>
-              <a:t>5. Audit Logs &amp; Security Tracking</a:t>
-            </a:r>
-            <a:endParaRPr lang="en-US" sz="1600" dirty="0"/>
-          </a:p>
-          <a:p>
-            <a:pPr lvl="1"/>
-            <a:r>
-              <a:rPr lang="en-US" sz="1400" dirty="0"/>
-              <a:t>Many organizations need detailed logging for compliance purposes, which PL/SQL can handle efficiently.</a:t>
-            </a:r>
-          </a:p>
-          <a:p>
-            <a:pPr lvl="1"/>
-            <a:r>
-              <a:rPr lang="en-US" sz="1400" b="1" dirty="0"/>
-              <a:t>Example:</a:t>
-            </a:r>
-            <a:r>
-              <a:rPr lang="en-US" sz="1400" dirty="0"/>
-              <a:t> A trigger records changes made to customer data for audit purposes.</a:t>
-            </a:r>
-          </a:p>
-          <a:p>
-            <a:pPr>
-              <a:buNone/>
-            </a:pPr>
-            <a:r>
-              <a:rPr lang="en-US" sz="1600" b="1" dirty="0"/>
-              <a:t>6. Bulk Data Processing &amp; Report Generation</a:t>
-            </a:r>
-            <a:endParaRPr lang="en-US" sz="1600" dirty="0"/>
-          </a:p>
-          <a:p>
-            <a:pPr lvl="1"/>
-            <a:r>
-              <a:rPr lang="en-US" sz="1400" dirty="0"/>
-              <a:t>PL/SQL can process large sets of data efficiently for reporting purposes.</a:t>
-            </a:r>
-          </a:p>
-          <a:p>
-            <a:pPr lvl="1"/>
-            <a:r>
-              <a:rPr lang="en-US" sz="1400" b="1" dirty="0"/>
-              <a:t>Example:</a:t>
-            </a:r>
-            <a:r>
-              <a:rPr lang="en-US" sz="1400" dirty="0"/>
-              <a:t> A procedure aggregates sales data from different branches and generates monthly performance reports.</a:t>
-            </a:r>
-          </a:p>
-        </p:txBody>
-      </p:sp>
-    </p:spTree>
-    <p:extLst>
-      <p:ext uri="{BB962C8B-B14F-4D97-AF65-F5344CB8AC3E}">
-        <p14:creationId xmlns:p14="http://schemas.microsoft.com/office/powerpoint/2010/main" val="618203379"/>
-      </p:ext>
-    </p:extLst>
-  </p:cSld>
-  <p:clrMapOvr>
-    <a:masterClrMapping/>
-  </p:clrMapOvr>
-</p:sld>
-</file>
-
 <file path=ppt/slides/slide8.xml><?xml version="1.0" encoding="utf-8"?>
 <p:sld xmlns:a="http://schemas.openxmlformats.org/drawingml/2006/main" xmlns:r="http://schemas.openxmlformats.org/officeDocument/2006/relationships" xmlns:p="http://schemas.openxmlformats.org/presentationml/2006/main">
   <p:cSld>
@@ -7646,10 +9059,10 @@
       </p:grpSpPr>
       <p:sp>
         <p:nvSpPr>
-          <p:cNvPr id="4" name="Title 3">
-            <a:extLst>
-              <a:ext uri="{FF2B5EF4-FFF2-40B4-BE49-F238E27FC236}">
-                <a16:creationId xmlns:a16="http://schemas.microsoft.com/office/drawing/2014/main" id="{CE5DDCF7-4E31-611A-9968-24DACA23C2C0}"/>
+          <p:cNvPr id="2" name="Title 1">
+            <a:extLst>
+              <a:ext uri="{FF2B5EF4-FFF2-40B4-BE49-F238E27FC236}">
+                <a16:creationId xmlns:a16="http://schemas.microsoft.com/office/drawing/2014/main" id="{163280EC-301E-0437-5BCC-C524357744B6}"/>
               </a:ext>
             </a:extLst>
           </p:cNvPr>
@@ -7658,93 +9071,246 @@
           </p:cNvSpPr>
           <p:nvPr>
             <p:ph type="title"/>
-          </p:nvPr>
-        </p:nvSpPr>
-        <p:spPr/>
-        <p:txBody>
-          <a:bodyPr/>
-          <a:lstStyle/>
-          <a:p>
-            <a:r>
-              <a:rPr lang="en-US" dirty="0"/>
-              <a:t>More background</a:t>
-            </a:r>
-          </a:p>
-        </p:txBody>
-      </p:sp>
-      <p:sp>
-        <p:nvSpPr>
-          <p:cNvPr id="5" name="Content Placeholder 4">
-            <a:extLst>
-              <a:ext uri="{FF2B5EF4-FFF2-40B4-BE49-F238E27FC236}">
-                <a16:creationId xmlns:a16="http://schemas.microsoft.com/office/drawing/2014/main" id="{1445EE2B-9968-2CEE-2E18-812632519208}"/>
-              </a:ext>
-            </a:extLst>
-          </p:cNvPr>
-          <p:cNvSpPr>
-            <a:spLocks noGrp="1"/>
-          </p:cNvSpPr>
-          <p:nvPr>
-            <p:ph idx="1"/>
           </p:nvPr>
         </p:nvSpPr>
         <p:spPr>
           <a:xfrm>
-            <a:off x="838200" y="1825625"/>
-            <a:ext cx="4419600" cy="2070100"/>
+            <a:off x="511277" y="177646"/>
+            <a:ext cx="4608871" cy="637765"/>
           </a:xfrm>
         </p:spPr>
         <p:txBody>
-          <a:bodyPr/>
+          <a:bodyPr>
+            <a:normAutofit fontScale="90000"/>
+          </a:bodyPr>
           <a:lstStyle/>
           <a:p>
             <a:r>
-              <a:rPr lang="en-US" dirty="0">
-                <a:hlinkClick r:id="rId2"/>
-              </a:rPr>
-              <a:t>https://www.guru99.com/pdf/pl_sql_preview.pdf</a:t>
-            </a:r>
-            <a:endParaRPr lang="en-US" dirty="0"/>
-          </a:p>
-          <a:p>
-            <a:endParaRPr lang="en-US" dirty="0"/>
-          </a:p>
-        </p:txBody>
-      </p:sp>
-      <p:pic>
-        <p:nvPicPr>
-          <p:cNvPr id="7" name="Picture 6">
-            <a:extLst>
-              <a:ext uri="{FF2B5EF4-FFF2-40B4-BE49-F238E27FC236}">
-                <a16:creationId xmlns:a16="http://schemas.microsoft.com/office/drawing/2014/main" id="{80704C68-A618-5F2E-2FCE-8D56F3869749}"/>
-              </a:ext>
-            </a:extLst>
-          </p:cNvPr>
-          <p:cNvPicPr>
-            <a:picLocks noChangeAspect="1"/>
-          </p:cNvPicPr>
-          <p:nvPr/>
-        </p:nvPicPr>
-        <p:blipFill>
-          <a:blip r:embed="rId3"/>
-          <a:stretch>
-            <a:fillRect/>
-          </a:stretch>
-        </p:blipFill>
+              <a:rPr lang="en-US" dirty="0"/>
+              <a:t>Realtime scenarios</a:t>
+            </a:r>
+          </a:p>
+        </p:txBody>
+      </p:sp>
+      <p:sp>
+        <p:nvSpPr>
+          <p:cNvPr id="3" name="Content Placeholder 2">
+            <a:extLst>
+              <a:ext uri="{FF2B5EF4-FFF2-40B4-BE49-F238E27FC236}">
+                <a16:creationId xmlns:a16="http://schemas.microsoft.com/office/drawing/2014/main" id="{D96A2371-0D71-F694-AEFF-CF7585255872}"/>
+              </a:ext>
+            </a:extLst>
+          </p:cNvPr>
+          <p:cNvSpPr>
+            <a:spLocks noGrp="1"/>
+          </p:cNvSpPr>
+          <p:nvPr>
+            <p:ph idx="1"/>
+          </p:nvPr>
+        </p:nvSpPr>
         <p:spPr>
           <a:xfrm>
-            <a:off x="7419761" y="1317409"/>
-            <a:ext cx="3067478" cy="3086531"/>
+            <a:off x="511277" y="904568"/>
+            <a:ext cx="11375923" cy="5456903"/>
           </a:xfrm>
-          <a:prstGeom prst="rect">
-            <a:avLst/>
-          </a:prstGeom>
         </p:spPr>
-      </p:pic>
+        <p:txBody>
+          <a:bodyPr>
+            <a:normAutofit fontScale="92500" lnSpcReduction="10000"/>
+          </a:bodyPr>
+          <a:lstStyle/>
+          <a:p>
+            <a:pPr>
+              <a:buNone/>
+            </a:pPr>
+            <a:r>
+              <a:rPr lang="en-US" sz="1600" dirty="0"/>
+              <a:t>PL/SQL is widely used in real-world applications where procedural logic is required to handle complex database operations efficiently. </a:t>
+            </a:r>
+          </a:p>
+          <a:p>
+            <a:pPr>
+              <a:buNone/>
+            </a:pPr>
+            <a:r>
+              <a:rPr lang="en-US" sz="1600" dirty="0"/>
+              <a:t>Here are some real-time scenarios where PL/SQL becomes essential:</a:t>
+            </a:r>
+          </a:p>
+          <a:p>
+            <a:pPr>
+              <a:buNone/>
+            </a:pPr>
+            <a:r>
+              <a:rPr lang="en-US" sz="1600" b="1" dirty="0"/>
+              <a:t>1. Automated Salary Calculation</a:t>
+            </a:r>
+            <a:endParaRPr lang="en-US" sz="1600" dirty="0"/>
+          </a:p>
+          <a:p>
+            <a:pPr lvl="1"/>
+            <a:r>
+              <a:rPr lang="en-US" sz="1400" dirty="0"/>
+              <a:t>In an HR system, PL/SQL procedures can calculate salaries based on employee records, deductions, bonuses, and tax regulations.</a:t>
+            </a:r>
+          </a:p>
+          <a:p>
+            <a:pPr lvl="1"/>
+            <a:r>
+              <a:rPr lang="en-US" sz="1400" b="1" dirty="0"/>
+              <a:t>Example:</a:t>
+            </a:r>
+            <a:r>
+              <a:rPr lang="en-US" sz="1400" dirty="0"/>
+              <a:t> A stored procedure calculates net salary and updates the payroll table automatically.</a:t>
+            </a:r>
+          </a:p>
+          <a:p>
+            <a:pPr>
+              <a:buNone/>
+            </a:pPr>
+            <a:r>
+              <a:rPr lang="en-US" sz="1600" b="1" dirty="0"/>
+              <a:t>2. Banking Transactions (Funds Transfer)</a:t>
+            </a:r>
+            <a:endParaRPr lang="en-US" sz="1600" dirty="0"/>
+          </a:p>
+          <a:p>
+            <a:pPr lvl="1"/>
+            <a:r>
+              <a:rPr lang="en-US" sz="1400" dirty="0"/>
+              <a:t>Banks use PL/SQL to ensure transactional integrity when transferring funds between accounts.</a:t>
+            </a:r>
+          </a:p>
+          <a:p>
+            <a:pPr lvl="1"/>
+            <a:r>
+              <a:rPr lang="en-US" sz="1400" b="1" dirty="0"/>
+              <a:t>Example:</a:t>
+            </a:r>
+            <a:r>
+              <a:rPr lang="en-US" sz="1400" dirty="0"/>
+              <a:t> A PL/SQL block checks balances, deducts from the sender, adds to the receiver, and ensures rollback in case of failure.</a:t>
+            </a:r>
+          </a:p>
+          <a:p>
+            <a:pPr>
+              <a:buNone/>
+            </a:pPr>
+            <a:r>
+              <a:rPr lang="en-US" sz="1600" b="1" dirty="0"/>
+              <a:t>3. Inventory Management</a:t>
+            </a:r>
+            <a:endParaRPr lang="en-US" sz="1600" dirty="0"/>
+          </a:p>
+          <a:p>
+            <a:pPr lvl="1"/>
+            <a:r>
+              <a:rPr lang="en-US" sz="1400" dirty="0"/>
+              <a:t>Companies track stock levels and automate reordering processes using PL/SQL triggers.</a:t>
+            </a:r>
+          </a:p>
+          <a:p>
+            <a:pPr lvl="1"/>
+            <a:r>
+              <a:rPr lang="en-US" sz="1400" b="1" dirty="0"/>
+              <a:t>Example:</a:t>
+            </a:r>
+            <a:r>
+              <a:rPr lang="en-US" sz="1400" dirty="0"/>
+              <a:t> A trigger detects when stock falls below a threshold and places an automated purchase request.</a:t>
+            </a:r>
+          </a:p>
+          <a:p>
+            <a:pPr>
+              <a:buNone/>
+            </a:pPr>
+            <a:r>
+              <a:rPr lang="en-US" sz="1600" b="1" dirty="0"/>
+              <a:t>4. Loan Processing System</a:t>
+            </a:r>
+            <a:endParaRPr lang="en-US" sz="1600" dirty="0"/>
+          </a:p>
+          <a:p>
+            <a:pPr lvl="1"/>
+            <a:r>
+              <a:rPr lang="en-US" sz="1400" dirty="0"/>
+              <a:t>Financial institutions use PL/SQL to validate loan eligibility and calculate EMI amounts.</a:t>
+            </a:r>
+          </a:p>
+          <a:p>
+            <a:pPr lvl="1"/>
+            <a:r>
+              <a:rPr lang="en-US" sz="1400" b="1" dirty="0"/>
+              <a:t>Example:</a:t>
+            </a:r>
+            <a:r>
+              <a:rPr lang="en-US" sz="1400" dirty="0"/>
+              <a:t> A function calculates loan eligibility based on customer credit score and transaction history.</a:t>
+            </a:r>
+          </a:p>
+          <a:p>
+            <a:pPr>
+              <a:buNone/>
+            </a:pPr>
+            <a:r>
+              <a:rPr lang="en-US" sz="1600" b="1" dirty="0"/>
+              <a:t>5. Audit Logs &amp; Security Tracking</a:t>
+            </a:r>
+            <a:endParaRPr lang="en-US" sz="1600" dirty="0"/>
+          </a:p>
+          <a:p>
+            <a:pPr lvl="1"/>
+            <a:r>
+              <a:rPr lang="en-US" sz="1400" dirty="0"/>
+              <a:t>Many organizations need detailed logging for compliance purposes, which PL/SQL can handle efficiently.</a:t>
+            </a:r>
+          </a:p>
+          <a:p>
+            <a:pPr lvl="1"/>
+            <a:r>
+              <a:rPr lang="en-US" sz="1400" b="1" dirty="0"/>
+              <a:t>Example:</a:t>
+            </a:r>
+            <a:r>
+              <a:rPr lang="en-US" sz="1400" dirty="0"/>
+              <a:t> A trigger records changes made to customer data for audit purposes.</a:t>
+            </a:r>
+          </a:p>
+          <a:p>
+            <a:pPr>
+              <a:buNone/>
+            </a:pPr>
+            <a:r>
+              <a:rPr lang="en-US" sz="1600" b="1" dirty="0"/>
+              <a:t>6. Bulk Data Processing &amp; Report Generation</a:t>
+            </a:r>
+            <a:endParaRPr lang="en-US" sz="1600" dirty="0"/>
+          </a:p>
+          <a:p>
+            <a:pPr lvl="1"/>
+            <a:r>
+              <a:rPr lang="en-US" sz="1400" dirty="0"/>
+              <a:t>PL/SQL can process large sets of data efficiently for reporting purposes.</a:t>
+            </a:r>
+          </a:p>
+          <a:p>
+            <a:pPr lvl="1"/>
+            <a:r>
+              <a:rPr lang="en-US" sz="1400" b="1" dirty="0"/>
+              <a:t>Example:</a:t>
+            </a:r>
+            <a:r>
+              <a:rPr lang="en-US" sz="1400" dirty="0"/>
+              <a:t> A procedure aggregates sales data from different branches and generates monthly performance reports.</a:t>
+            </a:r>
+          </a:p>
+        </p:txBody>
+      </p:sp>
     </p:spTree>
     <p:extLst>
       <p:ext uri="{BB962C8B-B14F-4D97-AF65-F5344CB8AC3E}">
-        <p14:creationId xmlns:p14="http://schemas.microsoft.com/office/powerpoint/2010/main" val="3668742173"/>
+        <p14:creationId xmlns:p14="http://schemas.microsoft.com/office/powerpoint/2010/main" val="618203379"/>
       </p:ext>
     </p:extLst>
   </p:cSld>
@@ -7773,10 +9339,10 @@
       </p:grpSpPr>
       <p:sp>
         <p:nvSpPr>
-          <p:cNvPr id="2" name="Title 1">
-            <a:extLst>
-              <a:ext uri="{FF2B5EF4-FFF2-40B4-BE49-F238E27FC236}">
-                <a16:creationId xmlns:a16="http://schemas.microsoft.com/office/drawing/2014/main" id="{17811E8E-D76C-D11C-E26F-51148D2DC4C3}"/>
+          <p:cNvPr id="4" name="Title 3">
+            <a:extLst>
+              <a:ext uri="{FF2B5EF4-FFF2-40B4-BE49-F238E27FC236}">
+                <a16:creationId xmlns:a16="http://schemas.microsoft.com/office/drawing/2014/main" id="{CE5DDCF7-4E31-611A-9968-24DACA23C2C0}"/>
               </a:ext>
             </a:extLst>
           </p:cNvPr>
@@ -7785,12 +9351,40 @@
           </p:cNvSpPr>
           <p:nvPr>
             <p:ph type="title"/>
+          </p:nvPr>
+        </p:nvSpPr>
+        <p:spPr/>
+        <p:txBody>
+          <a:bodyPr/>
+          <a:lstStyle/>
+          <a:p>
+            <a:r>
+              <a:rPr lang="en-US" dirty="0"/>
+              <a:t>More background</a:t>
+            </a:r>
+          </a:p>
+        </p:txBody>
+      </p:sp>
+      <p:sp>
+        <p:nvSpPr>
+          <p:cNvPr id="5" name="Content Placeholder 4">
+            <a:extLst>
+              <a:ext uri="{FF2B5EF4-FFF2-40B4-BE49-F238E27FC236}">
+                <a16:creationId xmlns:a16="http://schemas.microsoft.com/office/drawing/2014/main" id="{1445EE2B-9968-2CEE-2E18-812632519208}"/>
+              </a:ext>
+            </a:extLst>
+          </p:cNvPr>
+          <p:cNvSpPr>
+            <a:spLocks noGrp="1"/>
+          </p:cNvSpPr>
+          <p:nvPr>
+            <p:ph idx="1"/>
           </p:nvPr>
         </p:nvSpPr>
         <p:spPr>
           <a:xfrm>
-            <a:off x="3571875" y="2584450"/>
-            <a:ext cx="6515100" cy="1325563"/>
+            <a:off x="838200" y="1825625"/>
+            <a:ext cx="4419600" cy="2070100"/>
           </a:xfrm>
         </p:spPr>
         <p:txBody>
@@ -7798,16 +9392,52 @@
           <a:lstStyle/>
           <a:p>
             <a:r>
-              <a:rPr lang="en-US" dirty="0"/>
-              <a:t>Practice Queries</a:t>
-            </a:r>
-          </a:p>
-        </p:txBody>
-      </p:sp>
+              <a:rPr lang="en-US" dirty="0">
+                <a:hlinkClick r:id="rId2"/>
+              </a:rPr>
+              <a:t>https://www.guru99.com/pdf/pl_sql_preview.pdf</a:t>
+            </a:r>
+            <a:endParaRPr lang="en-US" dirty="0"/>
+          </a:p>
+          <a:p>
+            <a:endParaRPr lang="en-US" dirty="0"/>
+          </a:p>
+        </p:txBody>
+      </p:sp>
+      <p:pic>
+        <p:nvPicPr>
+          <p:cNvPr id="7" name="Picture 6">
+            <a:extLst>
+              <a:ext uri="{FF2B5EF4-FFF2-40B4-BE49-F238E27FC236}">
+                <a16:creationId xmlns:a16="http://schemas.microsoft.com/office/drawing/2014/main" id="{80704C68-A618-5F2E-2FCE-8D56F3869749}"/>
+              </a:ext>
+            </a:extLst>
+          </p:cNvPr>
+          <p:cNvPicPr>
+            <a:picLocks noChangeAspect="1"/>
+          </p:cNvPicPr>
+          <p:nvPr/>
+        </p:nvPicPr>
+        <p:blipFill>
+          <a:blip r:embed="rId3"/>
+          <a:stretch>
+            <a:fillRect/>
+          </a:stretch>
+        </p:blipFill>
+        <p:spPr>
+          <a:xfrm>
+            <a:off x="7419761" y="1317409"/>
+            <a:ext cx="3067478" cy="3086531"/>
+          </a:xfrm>
+          <a:prstGeom prst="rect">
+            <a:avLst/>
+          </a:prstGeom>
+        </p:spPr>
+      </p:pic>
     </p:spTree>
     <p:extLst>
       <p:ext uri="{BB962C8B-B14F-4D97-AF65-F5344CB8AC3E}">
-        <p14:creationId xmlns:p14="http://schemas.microsoft.com/office/powerpoint/2010/main" val="3557873193"/>
+        <p14:creationId xmlns:p14="http://schemas.microsoft.com/office/powerpoint/2010/main" val="3668742173"/>
       </p:ext>
     </p:extLst>
   </p:cSld>
